--- a/MSBA Capestone Presentation .pptx
+++ b/MSBA Capestone Presentation .pptx
@@ -34,23 +34,24 @@
     <p:sldId id="279" r:id="rId29"/>
     <p:sldId id="280" r:id="rId30"/>
     <p:sldId id="281" r:id="rId31"/>
+    <p:sldId id="282" r:id="rId32"/>
   </p:sldIdLst>
   <p:sldSz cy="5143500" cx="9144000"/>
   <p:notesSz cx="6858000" cy="9144000"/>
   <p:embeddedFontLst>
     <p:embeddedFont>
       <p:font typeface="Roboto"/>
-      <p:regular r:id="rId32"/>
-      <p:bold r:id="rId33"/>
-      <p:italic r:id="rId34"/>
-      <p:boldItalic r:id="rId35"/>
+      <p:regular r:id="rId33"/>
+      <p:bold r:id="rId34"/>
+      <p:italic r:id="rId35"/>
+      <p:boldItalic r:id="rId36"/>
     </p:embeddedFont>
     <p:embeddedFont>
       <p:font typeface="Century Gothic"/>
-      <p:regular r:id="rId36"/>
-      <p:bold r:id="rId37"/>
-      <p:italic r:id="rId38"/>
-      <p:boldItalic r:id="rId39"/>
+      <p:regular r:id="rId37"/>
+      <p:bold r:id="rId38"/>
+      <p:italic r:id="rId39"/>
+      <p:boldItalic r:id="rId40"/>
     </p:embeddedFont>
   </p:embeddedFontLst>
   <p:defaultTextStyle>
@@ -1898,7 +1899,7 @@
   <p:cSld>
     <p:spTree>
       <p:nvGrpSpPr>
-        <p:cNvPr id="189" name="Shape 189"/>
+        <p:cNvPr id="188" name="Shape 188"/>
         <p:cNvGrpSpPr/>
         <p:nvPr/>
       </p:nvGrpSpPr>
@@ -1912,7 +1913,7 @@
       </p:grpSpPr>
       <p:sp>
         <p:nvSpPr>
-          <p:cNvPr id="190" name="Google Shape;190;g22c53542e4f_0_22:notes"/>
+          <p:cNvPr id="189" name="Google Shape;189;g22c53542e4f_0_10:notes"/>
           <p:cNvSpPr/>
           <p:nvPr>
             <p:ph idx="2" type="sldImg"/>
@@ -1957,7 +1958,7 @@
       </p:sp>
       <p:sp>
         <p:nvSpPr>
-          <p:cNvPr id="191" name="Google Shape;191;g22c53542e4f_0_22:notes"/>
+          <p:cNvPr id="190" name="Google Shape;190;g22c53542e4f_0_10:notes"/>
           <p:cNvSpPr txBox="1"/>
           <p:nvPr>
             <p:ph idx="1" type="body"/>
@@ -2004,7 +2005,7 @@
       </p:sp>
       <p:sp>
         <p:nvSpPr>
-          <p:cNvPr id="192" name="Google Shape;192;g22c53542e4f_0_22:notes"/>
+          <p:cNvPr id="191" name="Google Shape;191;g22c53542e4f_0_10:notes"/>
           <p:cNvSpPr txBox="1"/>
           <p:nvPr>
             <p:ph idx="12" type="sldNum"/>
@@ -2063,7 +2064,7 @@
   <p:cSld>
     <p:spTree>
       <p:nvGrpSpPr>
-        <p:cNvPr id="200" name="Shape 200"/>
+        <p:cNvPr id="199" name="Shape 199"/>
         <p:cNvGrpSpPr/>
         <p:nvPr/>
       </p:nvGrpSpPr>
@@ -2077,7 +2078,7 @@
       </p:grpSpPr>
       <p:sp>
         <p:nvSpPr>
-          <p:cNvPr id="201" name="Google Shape;201;g22c53542e4f_0_34:notes"/>
+          <p:cNvPr id="200" name="Google Shape;200;g22c53542e4f_0_22:notes"/>
           <p:cNvSpPr/>
           <p:nvPr>
             <p:ph idx="2" type="sldImg"/>
@@ -2122,7 +2123,7 @@
       </p:sp>
       <p:sp>
         <p:nvSpPr>
-          <p:cNvPr id="202" name="Google Shape;202;g22c53542e4f_0_34:notes"/>
+          <p:cNvPr id="201" name="Google Shape;201;g22c53542e4f_0_22:notes"/>
           <p:cNvSpPr txBox="1"/>
           <p:nvPr>
             <p:ph idx="1" type="body"/>
@@ -2169,7 +2170,7 @@
       </p:sp>
       <p:sp>
         <p:nvSpPr>
-          <p:cNvPr id="203" name="Google Shape;203;g22c53542e4f_0_34:notes"/>
+          <p:cNvPr id="202" name="Google Shape;202;g22c53542e4f_0_22:notes"/>
           <p:cNvSpPr txBox="1"/>
           <p:nvPr>
             <p:ph idx="12" type="sldNum"/>
@@ -2228,7 +2229,7 @@
   <p:cSld>
     <p:spTree>
       <p:nvGrpSpPr>
-        <p:cNvPr id="211" name="Shape 211"/>
+        <p:cNvPr id="210" name="Shape 210"/>
         <p:cNvGrpSpPr/>
         <p:nvPr/>
       </p:nvGrpSpPr>
@@ -2242,7 +2243,7 @@
       </p:grpSpPr>
       <p:sp>
         <p:nvSpPr>
-          <p:cNvPr id="212" name="Google Shape;212;p10:notes"/>
+          <p:cNvPr id="211" name="Google Shape;211;g22c53542e4f_0_34:notes"/>
           <p:cNvSpPr/>
           <p:nvPr>
             <p:ph idx="2" type="sldImg"/>
@@ -2287,7 +2288,7 @@
       </p:sp>
       <p:sp>
         <p:nvSpPr>
-          <p:cNvPr id="213" name="Google Shape;213;p10:notes"/>
+          <p:cNvPr id="212" name="Google Shape;212;g22c53542e4f_0_34:notes"/>
           <p:cNvSpPr txBox="1"/>
           <p:nvPr>
             <p:ph idx="1" type="body"/>
@@ -2296,7 +2297,7 @@
         <p:spPr>
           <a:xfrm>
             <a:off x="685800" y="4400550"/>
-            <a:ext cx="5486400" cy="3600450"/>
+            <a:ext cx="5486400" cy="3600600"/>
           </a:xfrm>
           <a:prstGeom prst="rect">
             <a:avLst/>
@@ -2334,7 +2335,7 @@
       </p:sp>
       <p:sp>
         <p:nvSpPr>
-          <p:cNvPr id="214" name="Google Shape;214;p10:notes"/>
+          <p:cNvPr id="213" name="Google Shape;213;g22c53542e4f_0_34:notes"/>
           <p:cNvSpPr txBox="1"/>
           <p:nvPr>
             <p:ph idx="12" type="sldNum"/>
@@ -2343,7 +2344,7 @@
         <p:spPr>
           <a:xfrm>
             <a:off x="3884613" y="8685213"/>
-            <a:ext cx="2971800" cy="458787"/>
+            <a:ext cx="2971800" cy="458700"/>
           </a:xfrm>
           <a:prstGeom prst="rect">
             <a:avLst/>
@@ -2393,7 +2394,7 @@
   <p:cSld>
     <p:spTree>
       <p:nvGrpSpPr>
-        <p:cNvPr id="222" name="Shape 222"/>
+        <p:cNvPr id="221" name="Shape 221"/>
         <p:cNvGrpSpPr/>
         <p:nvPr/>
       </p:nvGrpSpPr>
@@ -2407,7 +2408,7 @@
       </p:grpSpPr>
       <p:sp>
         <p:nvSpPr>
-          <p:cNvPr id="223" name="Google Shape;223;g22c53542e4f_0_46:notes"/>
+          <p:cNvPr id="222" name="Google Shape;222;g22c53542e4f_0_46:notes"/>
           <p:cNvSpPr/>
           <p:nvPr>
             <p:ph idx="2" type="sldImg"/>
@@ -2452,7 +2453,7 @@
       </p:sp>
       <p:sp>
         <p:nvSpPr>
-          <p:cNvPr id="224" name="Google Shape;224;g22c53542e4f_0_46:notes"/>
+          <p:cNvPr id="223" name="Google Shape;223;g22c53542e4f_0_46:notes"/>
           <p:cNvSpPr txBox="1"/>
           <p:nvPr>
             <p:ph idx="1" type="body"/>
@@ -2499,7 +2500,7 @@
       </p:sp>
       <p:sp>
         <p:nvSpPr>
-          <p:cNvPr id="225" name="Google Shape;225;g22c53542e4f_0_46:notes"/>
+          <p:cNvPr id="224" name="Google Shape;224;g22c53542e4f_0_46:notes"/>
           <p:cNvSpPr txBox="1"/>
           <p:nvPr>
             <p:ph idx="12" type="sldNum"/>
@@ -2558,7 +2559,7 @@
   <p:cSld>
     <p:spTree>
       <p:nvGrpSpPr>
-        <p:cNvPr id="242" name="Shape 242"/>
+        <p:cNvPr id="241" name="Shape 241"/>
         <p:cNvGrpSpPr/>
         <p:nvPr/>
       </p:nvGrpSpPr>
@@ -2572,7 +2573,7 @@
       </p:grpSpPr>
       <p:sp>
         <p:nvSpPr>
-          <p:cNvPr id="243" name="Google Shape;243;p12:notes"/>
+          <p:cNvPr id="242" name="Google Shape;242;p12:notes"/>
           <p:cNvSpPr/>
           <p:nvPr>
             <p:ph idx="2" type="sldImg"/>
@@ -2617,7 +2618,7 @@
       </p:sp>
       <p:sp>
         <p:nvSpPr>
-          <p:cNvPr id="244" name="Google Shape;244;p12:notes"/>
+          <p:cNvPr id="243" name="Google Shape;243;p12:notes"/>
           <p:cNvSpPr txBox="1"/>
           <p:nvPr>
             <p:ph idx="1" type="body"/>
@@ -2664,7 +2665,7 @@
       </p:sp>
       <p:sp>
         <p:nvSpPr>
-          <p:cNvPr id="245" name="Google Shape;245;p12:notes"/>
+          <p:cNvPr id="244" name="Google Shape;244;p12:notes"/>
           <p:cNvSpPr txBox="1"/>
           <p:nvPr>
             <p:ph idx="12" type="sldNum"/>
@@ -2723,7 +2724,7 @@
   <p:cSld>
     <p:spTree>
       <p:nvGrpSpPr>
-        <p:cNvPr id="257" name="Shape 257"/>
+        <p:cNvPr id="256" name="Shape 256"/>
         <p:cNvGrpSpPr/>
         <p:nvPr/>
       </p:nvGrpSpPr>
@@ -2737,7 +2738,7 @@
       </p:grpSpPr>
       <p:sp>
         <p:nvSpPr>
-          <p:cNvPr id="258" name="Google Shape;258;g22c53542e4f_0_111:notes"/>
+          <p:cNvPr id="257" name="Google Shape;257;g22c53542e4f_0_111:notes"/>
           <p:cNvSpPr/>
           <p:nvPr>
             <p:ph idx="2" type="sldImg"/>
@@ -2782,7 +2783,7 @@
       </p:sp>
       <p:sp>
         <p:nvSpPr>
-          <p:cNvPr id="259" name="Google Shape;259;g22c53542e4f_0_111:notes"/>
+          <p:cNvPr id="258" name="Google Shape;258;g22c53542e4f_0_111:notes"/>
           <p:cNvSpPr txBox="1"/>
           <p:nvPr>
             <p:ph idx="1" type="body"/>
@@ -2829,7 +2830,7 @@
       </p:sp>
       <p:sp>
         <p:nvSpPr>
-          <p:cNvPr id="260" name="Google Shape;260;g22c53542e4f_0_111:notes"/>
+          <p:cNvPr id="259" name="Google Shape;259;g22c53542e4f_0_111:notes"/>
           <p:cNvSpPr txBox="1"/>
           <p:nvPr>
             <p:ph idx="12" type="sldNum"/>
@@ -2888,7 +2889,7 @@
   <p:cSld>
     <p:spTree>
       <p:nvGrpSpPr>
-        <p:cNvPr id="266" name="Shape 266"/>
+        <p:cNvPr id="265" name="Shape 265"/>
         <p:cNvGrpSpPr/>
         <p:nvPr/>
       </p:nvGrpSpPr>
@@ -2902,7 +2903,7 @@
       </p:grpSpPr>
       <p:sp>
         <p:nvSpPr>
-          <p:cNvPr id="267" name="Google Shape;267;g22c53542e4f_0_124:notes"/>
+          <p:cNvPr id="266" name="Google Shape;266;g22c53542e4f_0_124:notes"/>
           <p:cNvSpPr/>
           <p:nvPr>
             <p:ph idx="2" type="sldImg"/>
@@ -2947,7 +2948,7 @@
       </p:sp>
       <p:sp>
         <p:nvSpPr>
-          <p:cNvPr id="268" name="Google Shape;268;g22c53542e4f_0_124:notes"/>
+          <p:cNvPr id="267" name="Google Shape;267;g22c53542e4f_0_124:notes"/>
           <p:cNvSpPr txBox="1"/>
           <p:nvPr>
             <p:ph idx="1" type="body"/>
@@ -2994,7 +2995,7 @@
       </p:sp>
       <p:sp>
         <p:nvSpPr>
-          <p:cNvPr id="269" name="Google Shape;269;g22c53542e4f_0_124:notes"/>
+          <p:cNvPr id="268" name="Google Shape;268;g22c53542e4f_0_124:notes"/>
           <p:cNvSpPr txBox="1"/>
           <p:nvPr>
             <p:ph idx="12" type="sldNum"/>
@@ -3053,7 +3054,7 @@
   <p:cSld>
     <p:spTree>
       <p:nvGrpSpPr>
-        <p:cNvPr id="275" name="Shape 275"/>
+        <p:cNvPr id="280" name="Shape 280"/>
         <p:cNvGrpSpPr/>
         <p:nvPr/>
       </p:nvGrpSpPr>
@@ -3067,7 +3068,7 @@
       </p:grpSpPr>
       <p:sp>
         <p:nvSpPr>
-          <p:cNvPr id="276" name="Google Shape;276;g22d6f097aeb_1_3:notes"/>
+          <p:cNvPr id="281" name="Google Shape;281;p13:notes"/>
           <p:cNvSpPr/>
           <p:nvPr>
             <p:ph idx="2" type="sldImg"/>
@@ -3112,7 +3113,7 @@
       </p:sp>
       <p:sp>
         <p:nvSpPr>
-          <p:cNvPr id="277" name="Google Shape;277;g22d6f097aeb_1_3:notes"/>
+          <p:cNvPr id="282" name="Google Shape;282;p13:notes"/>
           <p:cNvSpPr txBox="1"/>
           <p:nvPr>
             <p:ph idx="1" type="body"/>
@@ -3121,7 +3122,7 @@
         <p:spPr>
           <a:xfrm>
             <a:off x="685800" y="4400550"/>
-            <a:ext cx="5486400" cy="3600600"/>
+            <a:ext cx="5486400" cy="3600450"/>
           </a:xfrm>
           <a:prstGeom prst="rect">
             <a:avLst/>
@@ -3159,7 +3160,7 @@
       </p:sp>
       <p:sp>
         <p:nvSpPr>
-          <p:cNvPr id="278" name="Google Shape;278;g22d6f097aeb_1_3:notes"/>
+          <p:cNvPr id="283" name="Google Shape;283;p13:notes"/>
           <p:cNvSpPr txBox="1"/>
           <p:nvPr>
             <p:ph idx="12" type="sldNum"/>
@@ -3168,7 +3169,7 @@
         <p:spPr>
           <a:xfrm>
             <a:off x="3884613" y="8685213"/>
-            <a:ext cx="2971800" cy="458700"/>
+            <a:ext cx="2971800" cy="458787"/>
           </a:xfrm>
           <a:prstGeom prst="rect">
             <a:avLst/>
@@ -3218,7 +3219,7 @@
   <p:cSld>
     <p:spTree>
       <p:nvGrpSpPr>
-        <p:cNvPr id="285" name="Shape 285"/>
+        <p:cNvPr id="294" name="Shape 294"/>
         <p:cNvGrpSpPr/>
         <p:nvPr/>
       </p:nvGrpSpPr>
@@ -3232,7 +3233,7 @@
       </p:grpSpPr>
       <p:sp>
         <p:nvSpPr>
-          <p:cNvPr id="286" name="Google Shape;286;g22c53542e4f_0_142:notes"/>
+          <p:cNvPr id="295" name="Google Shape;295;g22c53542e4f_0_142:notes"/>
           <p:cNvSpPr/>
           <p:nvPr>
             <p:ph idx="2" type="sldImg"/>
@@ -3277,7 +3278,7 @@
       </p:sp>
       <p:sp>
         <p:nvSpPr>
-          <p:cNvPr id="287" name="Google Shape;287;g22c53542e4f_0_142:notes"/>
+          <p:cNvPr id="296" name="Google Shape;296;g22c53542e4f_0_142:notes"/>
           <p:cNvSpPr txBox="1"/>
           <p:nvPr>
             <p:ph idx="1" type="body"/>
@@ -3324,7 +3325,7 @@
       </p:sp>
       <p:sp>
         <p:nvSpPr>
-          <p:cNvPr id="288" name="Google Shape;288;g22c53542e4f_0_142:notes"/>
+          <p:cNvPr id="297" name="Google Shape;297;g22c53542e4f_0_142:notes"/>
           <p:cNvSpPr txBox="1"/>
           <p:nvPr>
             <p:ph idx="12" type="sldNum"/>
@@ -3383,7 +3384,7 @@
   <p:cSld>
     <p:spTree>
       <p:nvGrpSpPr>
-        <p:cNvPr id="296" name="Shape 296"/>
+        <p:cNvPr id="308" name="Shape 308"/>
         <p:cNvGrpSpPr/>
         <p:nvPr/>
       </p:nvGrpSpPr>
@@ -3397,7 +3398,7 @@
       </p:grpSpPr>
       <p:sp>
         <p:nvSpPr>
-          <p:cNvPr id="297" name="Google Shape;297;g22c53542e4f_0_158:notes"/>
+          <p:cNvPr id="309" name="Google Shape;309;g22c53542e4f_0_158:notes"/>
           <p:cNvSpPr/>
           <p:nvPr>
             <p:ph idx="2" type="sldImg"/>
@@ -3442,7 +3443,7 @@
       </p:sp>
       <p:sp>
         <p:nvSpPr>
-          <p:cNvPr id="298" name="Google Shape;298;g22c53542e4f_0_158:notes"/>
+          <p:cNvPr id="310" name="Google Shape;310;g22c53542e4f_0_158:notes"/>
           <p:cNvSpPr txBox="1"/>
           <p:nvPr>
             <p:ph idx="1" type="body"/>
@@ -3489,7 +3490,7 @@
       </p:sp>
       <p:sp>
         <p:nvSpPr>
-          <p:cNvPr id="299" name="Google Shape;299;g22c53542e4f_0_158:notes"/>
+          <p:cNvPr id="311" name="Google Shape;311;g22c53542e4f_0_158:notes"/>
           <p:cNvSpPr txBox="1"/>
           <p:nvPr>
             <p:ph idx="12" type="sldNum"/>
@@ -3548,7 +3549,7 @@
   <p:cSld>
     <p:spTree>
       <p:nvGrpSpPr>
-        <p:cNvPr id="100" name="Shape 100"/>
+        <p:cNvPr id="99" name="Shape 99"/>
         <p:cNvGrpSpPr/>
         <p:nvPr/>
       </p:nvGrpSpPr>
@@ -3562,7 +3563,7 @@
       </p:grpSpPr>
       <p:sp>
         <p:nvSpPr>
-          <p:cNvPr id="101" name="Google Shape;101;g22c53542e4f_6_17:notes"/>
+          <p:cNvPr id="100" name="Google Shape;100;g22c53542e4f_6_17:notes"/>
           <p:cNvSpPr/>
           <p:nvPr>
             <p:ph idx="2" type="sldImg"/>
@@ -3597,7 +3598,7 @@
       </p:sp>
       <p:sp>
         <p:nvSpPr>
-          <p:cNvPr id="102" name="Google Shape;102;g22c53542e4f_6_17:notes"/>
+          <p:cNvPr id="101" name="Google Shape;101;g22c53542e4f_6_17:notes"/>
           <p:cNvSpPr txBox="1"/>
           <p:nvPr>
             <p:ph idx="1" type="body"/>
@@ -3636,7 +3637,7 @@
       </p:sp>
       <p:sp>
         <p:nvSpPr>
-          <p:cNvPr id="103" name="Google Shape;103;g22c53542e4f_6_17:notes"/>
+          <p:cNvPr id="102" name="Google Shape;102;g22c53542e4f_6_17:notes"/>
           <p:cNvSpPr txBox="1"/>
           <p:nvPr>
             <p:ph idx="12" type="sldNum"/>
@@ -3687,7 +3688,7 @@
   <p:cSld>
     <p:spTree>
       <p:nvGrpSpPr>
-        <p:cNvPr id="307" name="Shape 307"/>
+        <p:cNvPr id="319" name="Shape 319"/>
         <p:cNvGrpSpPr/>
         <p:nvPr/>
       </p:nvGrpSpPr>
@@ -3701,7 +3702,7 @@
       </p:grpSpPr>
       <p:sp>
         <p:nvSpPr>
-          <p:cNvPr id="308" name="Google Shape;308;g22c53542e4f_0_221:notes"/>
+          <p:cNvPr id="320" name="Google Shape;320;g22c53542e4f_0_190:notes"/>
           <p:cNvSpPr/>
           <p:nvPr>
             <p:ph idx="2" type="sldImg"/>
@@ -3746,7 +3747,7 @@
       </p:sp>
       <p:sp>
         <p:nvSpPr>
-          <p:cNvPr id="309" name="Google Shape;309;g22c53542e4f_0_221:notes"/>
+          <p:cNvPr id="321" name="Google Shape;321;g22c53542e4f_0_190:notes"/>
           <p:cNvSpPr txBox="1"/>
           <p:nvPr>
             <p:ph idx="1" type="body"/>
@@ -3793,7 +3794,7 @@
       </p:sp>
       <p:sp>
         <p:nvSpPr>
-          <p:cNvPr id="310" name="Google Shape;310;g22c53542e4f_0_221:notes"/>
+          <p:cNvPr id="322" name="Google Shape;322;g22c53542e4f_0_190:notes"/>
           <p:cNvSpPr txBox="1"/>
           <p:nvPr>
             <p:ph idx="12" type="sldNum"/>
@@ -3852,7 +3853,7 @@
   <p:cSld>
     <p:spTree>
       <p:nvGrpSpPr>
-        <p:cNvPr id="319" name="Shape 319"/>
+        <p:cNvPr id="330" name="Shape 330"/>
         <p:cNvGrpSpPr/>
         <p:nvPr/>
       </p:nvGrpSpPr>
@@ -3866,7 +3867,7 @@
       </p:grpSpPr>
       <p:sp>
         <p:nvSpPr>
-          <p:cNvPr id="320" name="Google Shape;320;g22c53542e4f_0_253:notes"/>
+          <p:cNvPr id="331" name="Google Shape;331;g22c53542e4f_0_221:notes"/>
           <p:cNvSpPr/>
           <p:nvPr>
             <p:ph idx="2" type="sldImg"/>
@@ -3911,7 +3912,7 @@
       </p:sp>
       <p:sp>
         <p:nvSpPr>
-          <p:cNvPr id="321" name="Google Shape;321;g22c53542e4f_0_253:notes"/>
+          <p:cNvPr id="332" name="Google Shape;332;g22c53542e4f_0_221:notes"/>
           <p:cNvSpPr txBox="1"/>
           <p:nvPr>
             <p:ph idx="1" type="body"/>
@@ -3958,7 +3959,7 @@
       </p:sp>
       <p:sp>
         <p:nvSpPr>
-          <p:cNvPr id="322" name="Google Shape;322;g22c53542e4f_0_253:notes"/>
+          <p:cNvPr id="333" name="Google Shape;333;g22c53542e4f_0_221:notes"/>
           <p:cNvSpPr txBox="1"/>
           <p:nvPr>
             <p:ph idx="12" type="sldNum"/>
@@ -4017,7 +4018,7 @@
   <p:cSld>
     <p:spTree>
       <p:nvGrpSpPr>
-        <p:cNvPr id="329" name="Shape 329"/>
+        <p:cNvPr id="342" name="Shape 342"/>
         <p:cNvGrpSpPr/>
         <p:nvPr/>
       </p:nvGrpSpPr>
@@ -4031,7 +4032,7 @@
       </p:grpSpPr>
       <p:sp>
         <p:nvSpPr>
-          <p:cNvPr id="330" name="Google Shape;330;g22c53542e4f_0_269:notes"/>
+          <p:cNvPr id="343" name="Google Shape;343;g22c53542e4f_0_253:notes"/>
           <p:cNvSpPr/>
           <p:nvPr>
             <p:ph idx="2" type="sldImg"/>
@@ -4076,7 +4077,7 @@
       </p:sp>
       <p:sp>
         <p:nvSpPr>
-          <p:cNvPr id="331" name="Google Shape;331;g22c53542e4f_0_269:notes"/>
+          <p:cNvPr id="344" name="Google Shape;344;g22c53542e4f_0_253:notes"/>
           <p:cNvSpPr txBox="1"/>
           <p:nvPr>
             <p:ph idx="1" type="body"/>
@@ -4123,7 +4124,7 @@
       </p:sp>
       <p:sp>
         <p:nvSpPr>
-          <p:cNvPr id="332" name="Google Shape;332;g22c53542e4f_0_269:notes"/>
+          <p:cNvPr id="345" name="Google Shape;345;g22c53542e4f_0_253:notes"/>
           <p:cNvSpPr txBox="1"/>
           <p:nvPr>
             <p:ph idx="12" type="sldNum"/>
@@ -4182,7 +4183,7 @@
   <p:cSld>
     <p:spTree>
       <p:nvGrpSpPr>
-        <p:cNvPr id="339" name="Shape 339"/>
+        <p:cNvPr id="352" name="Shape 352"/>
         <p:cNvGrpSpPr/>
         <p:nvPr/>
       </p:nvGrpSpPr>
@@ -4196,7 +4197,7 @@
       </p:grpSpPr>
       <p:sp>
         <p:nvSpPr>
-          <p:cNvPr id="340" name="Google Shape;340;g22d0c11d5be_0_1:notes"/>
+          <p:cNvPr id="353" name="Google Shape;353;g22c53542e4f_0_269:notes"/>
           <p:cNvSpPr/>
           <p:nvPr>
             <p:ph idx="2" type="sldImg"/>
@@ -4241,7 +4242,7 @@
       </p:sp>
       <p:sp>
         <p:nvSpPr>
-          <p:cNvPr id="341" name="Google Shape;341;g22d0c11d5be_0_1:notes"/>
+          <p:cNvPr id="354" name="Google Shape;354;g22c53542e4f_0_269:notes"/>
           <p:cNvSpPr txBox="1"/>
           <p:nvPr>
             <p:ph idx="1" type="body"/>
@@ -4288,7 +4289,7 @@
       </p:sp>
       <p:sp>
         <p:nvSpPr>
-          <p:cNvPr id="342" name="Google Shape;342;g22d0c11d5be_0_1:notes"/>
+          <p:cNvPr id="355" name="Google Shape;355;g22c53542e4f_0_269:notes"/>
           <p:cNvSpPr txBox="1"/>
           <p:nvPr>
             <p:ph idx="12" type="sldNum"/>
@@ -4347,7 +4348,7 @@
   <p:cSld>
     <p:spTree>
       <p:nvGrpSpPr>
-        <p:cNvPr id="348" name="Shape 348"/>
+        <p:cNvPr id="362" name="Shape 362"/>
         <p:cNvGrpSpPr/>
         <p:nvPr/>
       </p:nvGrpSpPr>
@@ -4361,7 +4362,7 @@
       </p:grpSpPr>
       <p:sp>
         <p:nvSpPr>
-          <p:cNvPr id="349" name="Google Shape;349;p26:notes"/>
+          <p:cNvPr id="363" name="Google Shape;363;g22d0c11d5be_0_1:notes"/>
           <p:cNvSpPr/>
           <p:nvPr>
             <p:ph idx="2" type="sldImg"/>
@@ -4406,7 +4407,7 @@
       </p:sp>
       <p:sp>
         <p:nvSpPr>
-          <p:cNvPr id="350" name="Google Shape;350;p26:notes"/>
+          <p:cNvPr id="364" name="Google Shape;364;g22d0c11d5be_0_1:notes"/>
           <p:cNvSpPr txBox="1"/>
           <p:nvPr>
             <p:ph idx="1" type="body"/>
@@ -4415,7 +4416,7 @@
         <p:spPr>
           <a:xfrm>
             <a:off x="685800" y="4400550"/>
-            <a:ext cx="5486400" cy="3600450"/>
+            <a:ext cx="5486400" cy="3600600"/>
           </a:xfrm>
           <a:prstGeom prst="rect">
             <a:avLst/>
@@ -4453,7 +4454,7 @@
       </p:sp>
       <p:sp>
         <p:nvSpPr>
-          <p:cNvPr id="351" name="Google Shape;351;p26:notes"/>
+          <p:cNvPr id="365" name="Google Shape;365;g22d0c11d5be_0_1:notes"/>
           <p:cNvSpPr txBox="1"/>
           <p:nvPr>
             <p:ph idx="12" type="sldNum"/>
@@ -4462,7 +4463,7 @@
         <p:spPr>
           <a:xfrm>
             <a:off x="3884613" y="8685213"/>
-            <a:ext cx="2971800" cy="458787"/>
+            <a:ext cx="2971800" cy="458700"/>
           </a:xfrm>
           <a:prstGeom prst="rect">
             <a:avLst/>
@@ -4512,7 +4513,7 @@
   <p:cSld>
     <p:spTree>
       <p:nvGrpSpPr>
-        <p:cNvPr id="358" name="Shape 358"/>
+        <p:cNvPr id="371" name="Shape 371"/>
         <p:cNvGrpSpPr/>
         <p:nvPr/>
       </p:nvGrpSpPr>
@@ -4526,7 +4527,7 @@
       </p:grpSpPr>
       <p:sp>
         <p:nvSpPr>
-          <p:cNvPr id="359" name="Google Shape;359;g22d0613bee8_0_21:notes"/>
+          <p:cNvPr id="372" name="Google Shape;372;p26:notes"/>
           <p:cNvSpPr/>
           <p:nvPr>
             <p:ph idx="2" type="sldImg"/>
@@ -4571,7 +4572,7 @@
       </p:sp>
       <p:sp>
         <p:nvSpPr>
-          <p:cNvPr id="360" name="Google Shape;360;g22d0613bee8_0_21:notes"/>
+          <p:cNvPr id="373" name="Google Shape;373;p26:notes"/>
           <p:cNvSpPr txBox="1"/>
           <p:nvPr>
             <p:ph idx="1" type="body"/>
@@ -4580,7 +4581,7 @@
         <p:spPr>
           <a:xfrm>
             <a:off x="685800" y="4400550"/>
-            <a:ext cx="5486400" cy="3600600"/>
+            <a:ext cx="5486400" cy="3600450"/>
           </a:xfrm>
           <a:prstGeom prst="rect">
             <a:avLst/>
@@ -4618,7 +4619,7 @@
       </p:sp>
       <p:sp>
         <p:nvSpPr>
-          <p:cNvPr id="361" name="Google Shape;361;g22d0613bee8_0_21:notes"/>
+          <p:cNvPr id="374" name="Google Shape;374;p26:notes"/>
           <p:cNvSpPr txBox="1"/>
           <p:nvPr>
             <p:ph idx="12" type="sldNum"/>
@@ -4627,7 +4628,7 @@
         <p:spPr>
           <a:xfrm>
             <a:off x="3884613" y="8685213"/>
-            <a:ext cx="2971800" cy="458700"/>
+            <a:ext cx="2971800" cy="458787"/>
           </a:xfrm>
           <a:prstGeom prst="rect">
             <a:avLst/>
@@ -4677,7 +4678,7 @@
   <p:cSld>
     <p:spTree>
       <p:nvGrpSpPr>
-        <p:cNvPr id="367" name="Shape 367"/>
+        <p:cNvPr id="381" name="Shape 381"/>
         <p:cNvGrpSpPr/>
         <p:nvPr/>
       </p:nvGrpSpPr>
@@ -4691,7 +4692,7 @@
       </p:grpSpPr>
       <p:sp>
         <p:nvSpPr>
-          <p:cNvPr id="368" name="Google Shape;368;g22c53542e4f_6_46:notes"/>
+          <p:cNvPr id="382" name="Google Shape;382;g22d0613bee8_0_21:notes"/>
           <p:cNvSpPr/>
           <p:nvPr>
             <p:ph idx="2" type="sldImg"/>
@@ -4736,7 +4737,7 @@
       </p:sp>
       <p:sp>
         <p:nvSpPr>
-          <p:cNvPr id="369" name="Google Shape;369;g22c53542e4f_6_46:notes"/>
+          <p:cNvPr id="383" name="Google Shape;383;g22d0613bee8_0_21:notes"/>
           <p:cNvSpPr txBox="1"/>
           <p:nvPr>
             <p:ph idx="1" type="body"/>
@@ -4783,7 +4784,7 @@
       </p:sp>
       <p:sp>
         <p:nvSpPr>
-          <p:cNvPr id="370" name="Google Shape;370;g22c53542e4f_6_46:notes"/>
+          <p:cNvPr id="384" name="Google Shape;384;g22d0613bee8_0_21:notes"/>
           <p:cNvSpPr txBox="1"/>
           <p:nvPr>
             <p:ph idx="12" type="sldNum"/>
@@ -4837,12 +4838,12 @@
 </p:notes>
 </file>
 
-<file path=ppt/notesSlides/notesSlide3.xml><?xml version="1.0" encoding="utf-8"?>
+<file path=ppt/notesSlides/notesSlide27.xml><?xml version="1.0" encoding="utf-8"?>
 <p:notes xmlns:a="http://schemas.openxmlformats.org/drawingml/2006/main" xmlns:r="http://schemas.openxmlformats.org/officeDocument/2006/relationships" xmlns:mc="http://schemas.openxmlformats.org/markup-compatibility/2006" xmlns:mv="urn:schemas-microsoft-com:mac:vml" xmlns:p="http://schemas.openxmlformats.org/presentationml/2006/main" xmlns:c="http://schemas.openxmlformats.org/drawingml/2006/chart" xmlns:dgm="http://schemas.openxmlformats.org/drawingml/2006/diagram" xmlns:o="urn:schemas-microsoft-com:office:office" xmlns:v="urn:schemas-microsoft-com:vml" xmlns:pvml="urn:schemas-microsoft-com:office:powerpoint" xmlns:com="http://schemas.openxmlformats.org/drawingml/2006/compatibility" xmlns:p14="http://schemas.microsoft.com/office/powerpoint/2010/main" xmlns:p15="http://schemas.microsoft.com/office/powerpoint/2012/main" xmlns:ahyp="http://schemas.microsoft.com/office/drawing/2018/hyperlinkcolor" showMasterPhAnim="0" showMasterSp="0">
   <p:cSld>
     <p:spTree>
       <p:nvGrpSpPr>
-        <p:cNvPr id="109" name="Shape 109"/>
+        <p:cNvPr id="390" name="Shape 390"/>
         <p:cNvGrpSpPr/>
         <p:nvPr/>
       </p:nvGrpSpPr>
@@ -4856,568 +4857,7 @@
       </p:grpSpPr>
       <p:sp>
         <p:nvSpPr>
-          <p:cNvPr id="110" name="Google Shape;110;g22c53542e4f_6_7:notes"/>
-          <p:cNvSpPr/>
-          <p:nvPr>
-            <p:ph idx="2" type="sldImg"/>
-          </p:nvPr>
-        </p:nvSpPr>
-        <p:spPr>
-          <a:xfrm>
-            <a:off x="685800" y="1143000"/>
-            <a:ext cx="5486400" cy="3086100"/>
-          </a:xfrm>
-          <a:custGeom>
-            <a:rect b="b" l="l" r="r" t="t"/>
-            <a:pathLst>
-              <a:path extrusionOk="0" h="120000" w="120000">
-                <a:moveTo>
-                  <a:pt x="0" y="0"/>
-                </a:moveTo>
-                <a:lnTo>
-                  <a:pt x="120000" y="0"/>
-                </a:lnTo>
-                <a:lnTo>
-                  <a:pt x="120000" y="120000"/>
-                </a:lnTo>
-                <a:lnTo>
-                  <a:pt x="0" y="120000"/>
-                </a:lnTo>
-                <a:close/>
-              </a:path>
-            </a:pathLst>
-          </a:custGeom>
-        </p:spPr>
-      </p:sp>
-      <p:sp>
-        <p:nvSpPr>
-          <p:cNvPr id="111" name="Google Shape;111;g22c53542e4f_6_7:notes"/>
-          <p:cNvSpPr txBox="1"/>
-          <p:nvPr>
-            <p:ph idx="1" type="body"/>
-          </p:nvPr>
-        </p:nvSpPr>
-        <p:spPr>
-          <a:xfrm>
-            <a:off x="685800" y="4400550"/>
-            <a:ext cx="5486400" cy="3600600"/>
-          </a:xfrm>
-          <a:prstGeom prst="rect">
-            <a:avLst/>
-          </a:prstGeom>
-        </p:spPr>
-        <p:txBody>
-          <a:bodyPr anchorCtr="0" anchor="t" bIns="45700" lIns="91425" spcFirstLastPara="1" rIns="91425" wrap="square" tIns="45700">
-            <a:noAutofit/>
-          </a:bodyPr>
-          <a:lstStyle/>
-          <a:p>
-            <a:pPr indent="0" lvl="0" marL="0" rtl="0" algn="l">
-              <a:spcBef>
-                <a:spcPts val="0"/>
-              </a:spcBef>
-              <a:spcAft>
-                <a:spcPts val="0"/>
-              </a:spcAft>
-              <a:buNone/>
-            </a:pPr>
-            <a:r>
-              <a:t/>
-            </a:r>
-            <a:endParaRPr/>
-          </a:p>
-        </p:txBody>
-      </p:sp>
-      <p:sp>
-        <p:nvSpPr>
-          <p:cNvPr id="112" name="Google Shape;112;g22c53542e4f_6_7:notes"/>
-          <p:cNvSpPr txBox="1"/>
-          <p:nvPr>
-            <p:ph idx="12" type="sldNum"/>
-          </p:nvPr>
-        </p:nvSpPr>
-        <p:spPr>
-          <a:xfrm>
-            <a:off x="3884613" y="8685213"/>
-            <a:ext cx="2971800" cy="458700"/>
-          </a:xfrm>
-          <a:prstGeom prst="rect">
-            <a:avLst/>
-          </a:prstGeom>
-        </p:spPr>
-        <p:txBody>
-          <a:bodyPr anchorCtr="0" anchor="b" bIns="45700" lIns="91425" spcFirstLastPara="1" rIns="91425" wrap="square" tIns="45700">
-            <a:noAutofit/>
-          </a:bodyPr>
-          <a:lstStyle/>
-          <a:p>
-            <a:pPr indent="0" lvl="0" marL="0" rtl="0" algn="r">
-              <a:spcBef>
-                <a:spcPts val="0"/>
-              </a:spcBef>
-              <a:spcAft>
-                <a:spcPts val="0"/>
-              </a:spcAft>
-              <a:buClr>
-                <a:srgbClr val="000000"/>
-              </a:buClr>
-              <a:buSzPts val="1200"/>
-              <a:buFont typeface="Arial"/>
-              <a:buNone/>
-            </a:pPr>
-            <a:fld id="{00000000-1234-1234-1234-123412341234}" type="slidenum">
-              <a:rPr lang="tr-TR"/>
-              <a:t>‹#›</a:t>
-            </a:fld>
-            <a:endParaRPr/>
-          </a:p>
-        </p:txBody>
-      </p:sp>
-    </p:spTree>
-  </p:cSld>
-  <p:clrMapOvr>
-    <a:masterClrMapping/>
-  </p:clrMapOvr>
-</p:notes>
-</file>
-
-<file path=ppt/notesSlides/notesSlide4.xml><?xml version="1.0" encoding="utf-8"?>
-<p:notes xmlns:a="http://schemas.openxmlformats.org/drawingml/2006/main" xmlns:r="http://schemas.openxmlformats.org/officeDocument/2006/relationships" xmlns:mc="http://schemas.openxmlformats.org/markup-compatibility/2006" xmlns:mv="urn:schemas-microsoft-com:mac:vml" xmlns:p="http://schemas.openxmlformats.org/presentationml/2006/main" xmlns:c="http://schemas.openxmlformats.org/drawingml/2006/chart" xmlns:dgm="http://schemas.openxmlformats.org/drawingml/2006/diagram" xmlns:o="urn:schemas-microsoft-com:office:office" xmlns:v="urn:schemas-microsoft-com:vml" xmlns:pvml="urn:schemas-microsoft-com:office:powerpoint" xmlns:com="http://schemas.openxmlformats.org/drawingml/2006/compatibility" xmlns:p14="http://schemas.microsoft.com/office/powerpoint/2010/main" xmlns:p15="http://schemas.microsoft.com/office/powerpoint/2012/main" xmlns:ahyp="http://schemas.microsoft.com/office/drawing/2018/hyperlinkcolor" showMasterPhAnim="0" showMasterSp="0">
-  <p:cSld>
-    <p:spTree>
-      <p:nvGrpSpPr>
-        <p:cNvPr id="118" name="Shape 118"/>
-        <p:cNvGrpSpPr/>
-        <p:nvPr/>
-      </p:nvGrpSpPr>
-      <p:grpSpPr>
-        <a:xfrm>
-          <a:off x="0" y="0"/>
-          <a:ext cx="0" cy="0"/>
-          <a:chOff x="0" y="0"/>
-          <a:chExt cx="0" cy="0"/>
-        </a:xfrm>
-      </p:grpSpPr>
-      <p:sp>
-        <p:nvSpPr>
-          <p:cNvPr id="119" name="Google Shape;119;g22c53542e4f_6_12:notes"/>
-          <p:cNvSpPr/>
-          <p:nvPr>
-            <p:ph idx="2" type="sldImg"/>
-          </p:nvPr>
-        </p:nvSpPr>
-        <p:spPr>
-          <a:xfrm>
-            <a:off x="685800" y="1143000"/>
-            <a:ext cx="5486400" cy="3086100"/>
-          </a:xfrm>
-          <a:custGeom>
-            <a:rect b="b" l="l" r="r" t="t"/>
-            <a:pathLst>
-              <a:path extrusionOk="0" h="120000" w="120000">
-                <a:moveTo>
-                  <a:pt x="0" y="0"/>
-                </a:moveTo>
-                <a:lnTo>
-                  <a:pt x="120000" y="0"/>
-                </a:lnTo>
-                <a:lnTo>
-                  <a:pt x="120000" y="120000"/>
-                </a:lnTo>
-                <a:lnTo>
-                  <a:pt x="0" y="120000"/>
-                </a:lnTo>
-                <a:close/>
-              </a:path>
-            </a:pathLst>
-          </a:custGeom>
-        </p:spPr>
-      </p:sp>
-      <p:sp>
-        <p:nvSpPr>
-          <p:cNvPr id="120" name="Google Shape;120;g22c53542e4f_6_12:notes"/>
-          <p:cNvSpPr txBox="1"/>
-          <p:nvPr>
-            <p:ph idx="1" type="body"/>
-          </p:nvPr>
-        </p:nvSpPr>
-        <p:spPr>
-          <a:xfrm>
-            <a:off x="685800" y="4400550"/>
-            <a:ext cx="5486400" cy="3600600"/>
-          </a:xfrm>
-          <a:prstGeom prst="rect">
-            <a:avLst/>
-          </a:prstGeom>
-        </p:spPr>
-        <p:txBody>
-          <a:bodyPr anchorCtr="0" anchor="t" bIns="45700" lIns="91425" spcFirstLastPara="1" rIns="91425" wrap="square" tIns="45700">
-            <a:noAutofit/>
-          </a:bodyPr>
-          <a:lstStyle/>
-          <a:p>
-            <a:pPr indent="0" lvl="0" marL="0" rtl="0" algn="l">
-              <a:spcBef>
-                <a:spcPts val="0"/>
-              </a:spcBef>
-              <a:spcAft>
-                <a:spcPts val="0"/>
-              </a:spcAft>
-              <a:buNone/>
-            </a:pPr>
-            <a:r>
-              <a:t/>
-            </a:r>
-            <a:endParaRPr/>
-          </a:p>
-        </p:txBody>
-      </p:sp>
-      <p:sp>
-        <p:nvSpPr>
-          <p:cNvPr id="121" name="Google Shape;121;g22c53542e4f_6_12:notes"/>
-          <p:cNvSpPr txBox="1"/>
-          <p:nvPr>
-            <p:ph idx="12" type="sldNum"/>
-          </p:nvPr>
-        </p:nvSpPr>
-        <p:spPr>
-          <a:xfrm>
-            <a:off x="3884613" y="8685213"/>
-            <a:ext cx="2971800" cy="458700"/>
-          </a:xfrm>
-          <a:prstGeom prst="rect">
-            <a:avLst/>
-          </a:prstGeom>
-        </p:spPr>
-        <p:txBody>
-          <a:bodyPr anchorCtr="0" anchor="b" bIns="45700" lIns="91425" spcFirstLastPara="1" rIns="91425" wrap="square" tIns="45700">
-            <a:noAutofit/>
-          </a:bodyPr>
-          <a:lstStyle/>
-          <a:p>
-            <a:pPr indent="0" lvl="0" marL="0" rtl="0" algn="r">
-              <a:spcBef>
-                <a:spcPts val="0"/>
-              </a:spcBef>
-              <a:spcAft>
-                <a:spcPts val="0"/>
-              </a:spcAft>
-              <a:buNone/>
-            </a:pPr>
-            <a:fld id="{00000000-1234-1234-1234-123412341234}" type="slidenum">
-              <a:rPr lang="tr-TR"/>
-              <a:t>‹#›</a:t>
-            </a:fld>
-            <a:endParaRPr/>
-          </a:p>
-        </p:txBody>
-      </p:sp>
-    </p:spTree>
-  </p:cSld>
-  <p:clrMapOvr>
-    <a:masterClrMapping/>
-  </p:clrMapOvr>
-</p:notes>
-</file>
-
-<file path=ppt/notesSlides/notesSlide5.xml><?xml version="1.0" encoding="utf-8"?>
-<p:notes xmlns:a="http://schemas.openxmlformats.org/drawingml/2006/main" xmlns:r="http://schemas.openxmlformats.org/officeDocument/2006/relationships" xmlns:mc="http://schemas.openxmlformats.org/markup-compatibility/2006" xmlns:mv="urn:schemas-microsoft-com:mac:vml" xmlns:p="http://schemas.openxmlformats.org/presentationml/2006/main" xmlns:c="http://schemas.openxmlformats.org/drawingml/2006/chart" xmlns:dgm="http://schemas.openxmlformats.org/drawingml/2006/diagram" xmlns:o="urn:schemas-microsoft-com:office:office" xmlns:v="urn:schemas-microsoft-com:vml" xmlns:pvml="urn:schemas-microsoft-com:office:powerpoint" xmlns:com="http://schemas.openxmlformats.org/drawingml/2006/compatibility" xmlns:p14="http://schemas.microsoft.com/office/powerpoint/2010/main" xmlns:p15="http://schemas.microsoft.com/office/powerpoint/2012/main" xmlns:ahyp="http://schemas.microsoft.com/office/drawing/2018/hyperlinkcolor" showMasterPhAnim="0" showMasterSp="0">
-  <p:cSld>
-    <p:spTree>
-      <p:nvGrpSpPr>
-        <p:cNvPr id="128" name="Shape 128"/>
-        <p:cNvGrpSpPr/>
-        <p:nvPr/>
-      </p:nvGrpSpPr>
-      <p:grpSpPr>
-        <a:xfrm>
-          <a:off x="0" y="0"/>
-          <a:ext cx="0" cy="0"/>
-          <a:chOff x="0" y="0"/>
-          <a:chExt cx="0" cy="0"/>
-        </a:xfrm>
-      </p:grpSpPr>
-      <p:sp>
-        <p:nvSpPr>
-          <p:cNvPr id="129" name="Google Shape;129;g22c53542e4f_6_22:notes"/>
-          <p:cNvSpPr/>
-          <p:nvPr>
-            <p:ph idx="2" type="sldImg"/>
-          </p:nvPr>
-        </p:nvSpPr>
-        <p:spPr>
-          <a:xfrm>
-            <a:off x="685800" y="1143000"/>
-            <a:ext cx="5486400" cy="3086100"/>
-          </a:xfrm>
-          <a:custGeom>
-            <a:rect b="b" l="l" r="r" t="t"/>
-            <a:pathLst>
-              <a:path extrusionOk="0" h="120000" w="120000">
-                <a:moveTo>
-                  <a:pt x="0" y="0"/>
-                </a:moveTo>
-                <a:lnTo>
-                  <a:pt x="120000" y="0"/>
-                </a:lnTo>
-                <a:lnTo>
-                  <a:pt x="120000" y="120000"/>
-                </a:lnTo>
-                <a:lnTo>
-                  <a:pt x="0" y="120000"/>
-                </a:lnTo>
-                <a:close/>
-              </a:path>
-            </a:pathLst>
-          </a:custGeom>
-        </p:spPr>
-      </p:sp>
-      <p:sp>
-        <p:nvSpPr>
-          <p:cNvPr id="130" name="Google Shape;130;g22c53542e4f_6_22:notes"/>
-          <p:cNvSpPr txBox="1"/>
-          <p:nvPr>
-            <p:ph idx="1" type="body"/>
-          </p:nvPr>
-        </p:nvSpPr>
-        <p:spPr>
-          <a:xfrm>
-            <a:off x="685800" y="4400550"/>
-            <a:ext cx="5486400" cy="3600600"/>
-          </a:xfrm>
-          <a:prstGeom prst="rect">
-            <a:avLst/>
-          </a:prstGeom>
-        </p:spPr>
-        <p:txBody>
-          <a:bodyPr anchorCtr="0" anchor="t" bIns="45700" lIns="91425" spcFirstLastPara="1" rIns="91425" wrap="square" tIns="45700">
-            <a:noAutofit/>
-          </a:bodyPr>
-          <a:lstStyle/>
-          <a:p>
-            <a:pPr indent="0" lvl="0" marL="0" rtl="0" algn="l">
-              <a:spcBef>
-                <a:spcPts val="0"/>
-              </a:spcBef>
-              <a:spcAft>
-                <a:spcPts val="0"/>
-              </a:spcAft>
-              <a:buNone/>
-            </a:pPr>
-            <a:r>
-              <a:t/>
-            </a:r>
-            <a:endParaRPr/>
-          </a:p>
-        </p:txBody>
-      </p:sp>
-      <p:sp>
-        <p:nvSpPr>
-          <p:cNvPr id="131" name="Google Shape;131;g22c53542e4f_6_22:notes"/>
-          <p:cNvSpPr txBox="1"/>
-          <p:nvPr>
-            <p:ph idx="12" type="sldNum"/>
-          </p:nvPr>
-        </p:nvSpPr>
-        <p:spPr>
-          <a:xfrm>
-            <a:off x="3884613" y="8685213"/>
-            <a:ext cx="2971800" cy="458700"/>
-          </a:xfrm>
-          <a:prstGeom prst="rect">
-            <a:avLst/>
-          </a:prstGeom>
-        </p:spPr>
-        <p:txBody>
-          <a:bodyPr anchorCtr="0" anchor="b" bIns="45700" lIns="91425" spcFirstLastPara="1" rIns="91425" wrap="square" tIns="45700">
-            <a:noAutofit/>
-          </a:bodyPr>
-          <a:lstStyle/>
-          <a:p>
-            <a:pPr indent="0" lvl="0" marL="0" rtl="0" algn="r">
-              <a:spcBef>
-                <a:spcPts val="0"/>
-              </a:spcBef>
-              <a:spcAft>
-                <a:spcPts val="0"/>
-              </a:spcAft>
-              <a:buNone/>
-            </a:pPr>
-            <a:fld id="{00000000-1234-1234-1234-123412341234}" type="slidenum">
-              <a:rPr lang="tr-TR"/>
-              <a:t>‹#›</a:t>
-            </a:fld>
-            <a:endParaRPr/>
-          </a:p>
-        </p:txBody>
-      </p:sp>
-    </p:spTree>
-  </p:cSld>
-  <p:clrMapOvr>
-    <a:masterClrMapping/>
-  </p:clrMapOvr>
-</p:notes>
-</file>
-
-<file path=ppt/notesSlides/notesSlide6.xml><?xml version="1.0" encoding="utf-8"?>
-<p:notes xmlns:a="http://schemas.openxmlformats.org/drawingml/2006/main" xmlns:r="http://schemas.openxmlformats.org/officeDocument/2006/relationships" xmlns:mc="http://schemas.openxmlformats.org/markup-compatibility/2006" xmlns:mv="urn:schemas-microsoft-com:mac:vml" xmlns:p="http://schemas.openxmlformats.org/presentationml/2006/main" xmlns:c="http://schemas.openxmlformats.org/drawingml/2006/chart" xmlns:dgm="http://schemas.openxmlformats.org/drawingml/2006/diagram" xmlns:o="urn:schemas-microsoft-com:office:office" xmlns:v="urn:schemas-microsoft-com:vml" xmlns:pvml="urn:schemas-microsoft-com:office:powerpoint" xmlns:com="http://schemas.openxmlformats.org/drawingml/2006/compatibility" xmlns:p14="http://schemas.microsoft.com/office/powerpoint/2010/main" xmlns:p15="http://schemas.microsoft.com/office/powerpoint/2012/main" xmlns:ahyp="http://schemas.microsoft.com/office/drawing/2018/hyperlinkcolor" showMasterPhAnim="0" showMasterSp="0">
-  <p:cSld>
-    <p:spTree>
-      <p:nvGrpSpPr>
-        <p:cNvPr id="137" name="Shape 137"/>
-        <p:cNvGrpSpPr/>
-        <p:nvPr/>
-      </p:nvGrpSpPr>
-      <p:grpSpPr>
-        <a:xfrm>
-          <a:off x="0" y="0"/>
-          <a:ext cx="0" cy="0"/>
-          <a:chOff x="0" y="0"/>
-          <a:chExt cx="0" cy="0"/>
-        </a:xfrm>
-      </p:grpSpPr>
-      <p:sp>
-        <p:nvSpPr>
-          <p:cNvPr id="138" name="Google Shape;138;g22c53542e4f_6_27:notes"/>
-          <p:cNvSpPr/>
-          <p:nvPr>
-            <p:ph idx="2" type="sldImg"/>
-          </p:nvPr>
-        </p:nvSpPr>
-        <p:spPr>
-          <a:xfrm>
-            <a:off x="685800" y="1143000"/>
-            <a:ext cx="5486400" cy="3086100"/>
-          </a:xfrm>
-          <a:custGeom>
-            <a:rect b="b" l="l" r="r" t="t"/>
-            <a:pathLst>
-              <a:path extrusionOk="0" h="120000" w="120000">
-                <a:moveTo>
-                  <a:pt x="0" y="0"/>
-                </a:moveTo>
-                <a:lnTo>
-                  <a:pt x="120000" y="0"/>
-                </a:lnTo>
-                <a:lnTo>
-                  <a:pt x="120000" y="120000"/>
-                </a:lnTo>
-                <a:lnTo>
-                  <a:pt x="0" y="120000"/>
-                </a:lnTo>
-                <a:close/>
-              </a:path>
-            </a:pathLst>
-          </a:custGeom>
-        </p:spPr>
-      </p:sp>
-      <p:sp>
-        <p:nvSpPr>
-          <p:cNvPr id="139" name="Google Shape;139;g22c53542e4f_6_27:notes"/>
-          <p:cNvSpPr txBox="1"/>
-          <p:nvPr>
-            <p:ph idx="1" type="body"/>
-          </p:nvPr>
-        </p:nvSpPr>
-        <p:spPr>
-          <a:xfrm>
-            <a:off x="685800" y="4400550"/>
-            <a:ext cx="5486400" cy="3600600"/>
-          </a:xfrm>
-          <a:prstGeom prst="rect">
-            <a:avLst/>
-          </a:prstGeom>
-        </p:spPr>
-        <p:txBody>
-          <a:bodyPr anchorCtr="0" anchor="t" bIns="45700" lIns="91425" spcFirstLastPara="1" rIns="91425" wrap="square" tIns="45700">
-            <a:noAutofit/>
-          </a:bodyPr>
-          <a:lstStyle/>
-          <a:p>
-            <a:pPr indent="0" lvl="0" marL="0" rtl="0" algn="l">
-              <a:spcBef>
-                <a:spcPts val="0"/>
-              </a:spcBef>
-              <a:spcAft>
-                <a:spcPts val="0"/>
-              </a:spcAft>
-              <a:buNone/>
-            </a:pPr>
-            <a:r>
-              <a:t/>
-            </a:r>
-            <a:endParaRPr/>
-          </a:p>
-        </p:txBody>
-      </p:sp>
-      <p:sp>
-        <p:nvSpPr>
-          <p:cNvPr id="140" name="Google Shape;140;g22c53542e4f_6_27:notes"/>
-          <p:cNvSpPr txBox="1"/>
-          <p:nvPr>
-            <p:ph idx="12" type="sldNum"/>
-          </p:nvPr>
-        </p:nvSpPr>
-        <p:spPr>
-          <a:xfrm>
-            <a:off x="3884613" y="8685213"/>
-            <a:ext cx="2971800" cy="458700"/>
-          </a:xfrm>
-          <a:prstGeom prst="rect">
-            <a:avLst/>
-          </a:prstGeom>
-        </p:spPr>
-        <p:txBody>
-          <a:bodyPr anchorCtr="0" anchor="b" bIns="45700" lIns="91425" spcFirstLastPara="1" rIns="91425" wrap="square" tIns="45700">
-            <a:noAutofit/>
-          </a:bodyPr>
-          <a:lstStyle/>
-          <a:p>
-            <a:pPr indent="0" lvl="0" marL="0" rtl="0" algn="r">
-              <a:spcBef>
-                <a:spcPts val="0"/>
-              </a:spcBef>
-              <a:spcAft>
-                <a:spcPts val="0"/>
-              </a:spcAft>
-              <a:buNone/>
-            </a:pPr>
-            <a:fld id="{00000000-1234-1234-1234-123412341234}" type="slidenum">
-              <a:rPr lang="tr-TR"/>
-              <a:t>‹#›</a:t>
-            </a:fld>
-            <a:endParaRPr/>
-          </a:p>
-        </p:txBody>
-      </p:sp>
-    </p:spTree>
-  </p:cSld>
-  <p:clrMapOvr>
-    <a:masterClrMapping/>
-  </p:clrMapOvr>
-</p:notes>
-</file>
-
-<file path=ppt/notesSlides/notesSlide7.xml><?xml version="1.0" encoding="utf-8"?>
-<p:notes xmlns:a="http://schemas.openxmlformats.org/drawingml/2006/main" xmlns:r="http://schemas.openxmlformats.org/officeDocument/2006/relationships" xmlns:mc="http://schemas.openxmlformats.org/markup-compatibility/2006" xmlns:mv="urn:schemas-microsoft-com:mac:vml" xmlns:p="http://schemas.openxmlformats.org/presentationml/2006/main" xmlns:c="http://schemas.openxmlformats.org/drawingml/2006/chart" xmlns:dgm="http://schemas.openxmlformats.org/drawingml/2006/diagram" xmlns:o="urn:schemas-microsoft-com:office:office" xmlns:v="urn:schemas-microsoft-com:vml" xmlns:pvml="urn:schemas-microsoft-com:office:powerpoint" xmlns:com="http://schemas.openxmlformats.org/drawingml/2006/compatibility" xmlns:p14="http://schemas.microsoft.com/office/powerpoint/2010/main" xmlns:p15="http://schemas.microsoft.com/office/powerpoint/2012/main" xmlns:ahyp="http://schemas.microsoft.com/office/drawing/2018/hyperlinkcolor" showMasterPhAnim="0" showMasterSp="0">
-  <p:cSld>
-    <p:spTree>
-      <p:nvGrpSpPr>
-        <p:cNvPr id="147" name="Shape 147"/>
-        <p:cNvGrpSpPr/>
-        <p:nvPr/>
-      </p:nvGrpSpPr>
-      <p:grpSpPr>
-        <a:xfrm>
-          <a:off x="0" y="0"/>
-          <a:ext cx="0" cy="0"/>
-          <a:chOff x="0" y="0"/>
-          <a:chExt cx="0" cy="0"/>
-        </a:xfrm>
-      </p:grpSpPr>
-      <p:sp>
-        <p:nvSpPr>
-          <p:cNvPr id="148" name="Google Shape;148;p9:notes"/>
+          <p:cNvPr id="391" name="Google Shape;391;g22c53542e4f_6_46:notes"/>
           <p:cNvSpPr/>
           <p:nvPr>
             <p:ph idx="2" type="sldImg"/>
@@ -5462,7 +4902,7 @@
       </p:sp>
       <p:sp>
         <p:nvSpPr>
-          <p:cNvPr id="149" name="Google Shape;149;p9:notes"/>
+          <p:cNvPr id="392" name="Google Shape;392;g22c53542e4f_6_46:notes"/>
           <p:cNvSpPr txBox="1"/>
           <p:nvPr>
             <p:ph idx="1" type="body"/>
@@ -5471,7 +4911,7 @@
         <p:spPr>
           <a:xfrm>
             <a:off x="685800" y="4400550"/>
-            <a:ext cx="5486400" cy="3600450"/>
+            <a:ext cx="5486400" cy="3600600"/>
           </a:xfrm>
           <a:prstGeom prst="rect">
             <a:avLst/>
@@ -5509,7 +4949,7 @@
       </p:sp>
       <p:sp>
         <p:nvSpPr>
-          <p:cNvPr id="150" name="Google Shape;150;p9:notes"/>
+          <p:cNvPr id="393" name="Google Shape;393;g22c53542e4f_6_46:notes"/>
           <p:cNvSpPr txBox="1"/>
           <p:nvPr>
             <p:ph idx="12" type="sldNum"/>
@@ -5518,7 +4958,7 @@
         <p:spPr>
           <a:xfrm>
             <a:off x="3884613" y="8685213"/>
-            <a:ext cx="2971800" cy="458787"/>
+            <a:ext cx="2971800" cy="458700"/>
           </a:xfrm>
           <a:prstGeom prst="rect">
             <a:avLst/>
@@ -5563,12 +5003,12 @@
 </p:notes>
 </file>
 
-<file path=ppt/notesSlides/notesSlide8.xml><?xml version="1.0" encoding="utf-8"?>
+<file path=ppt/notesSlides/notesSlide3.xml><?xml version="1.0" encoding="utf-8"?>
 <p:notes xmlns:a="http://schemas.openxmlformats.org/drawingml/2006/main" xmlns:r="http://schemas.openxmlformats.org/officeDocument/2006/relationships" xmlns:mc="http://schemas.openxmlformats.org/markup-compatibility/2006" xmlns:mv="urn:schemas-microsoft-com:mac:vml" xmlns:p="http://schemas.openxmlformats.org/presentationml/2006/main" xmlns:c="http://schemas.openxmlformats.org/drawingml/2006/chart" xmlns:dgm="http://schemas.openxmlformats.org/drawingml/2006/diagram" xmlns:o="urn:schemas-microsoft-com:office:office" xmlns:v="urn:schemas-microsoft-com:vml" xmlns:pvml="urn:schemas-microsoft-com:office:powerpoint" xmlns:com="http://schemas.openxmlformats.org/drawingml/2006/compatibility" xmlns:p14="http://schemas.microsoft.com/office/powerpoint/2010/main" xmlns:p15="http://schemas.microsoft.com/office/powerpoint/2012/main" xmlns:ahyp="http://schemas.microsoft.com/office/drawing/2018/hyperlinkcolor" showMasterPhAnim="0" showMasterSp="0">
   <p:cSld>
     <p:spTree>
       <p:nvGrpSpPr>
-        <p:cNvPr id="167" name="Shape 167"/>
+        <p:cNvPr id="108" name="Shape 108"/>
         <p:cNvGrpSpPr/>
         <p:nvPr/>
       </p:nvGrpSpPr>
@@ -5582,7 +5022,568 @@
       </p:grpSpPr>
       <p:sp>
         <p:nvSpPr>
-          <p:cNvPr id="168" name="Google Shape;168;p11:notes"/>
+          <p:cNvPr id="109" name="Google Shape;109;g22c53542e4f_6_7:notes"/>
+          <p:cNvSpPr/>
+          <p:nvPr>
+            <p:ph idx="2" type="sldImg"/>
+          </p:nvPr>
+        </p:nvSpPr>
+        <p:spPr>
+          <a:xfrm>
+            <a:off x="685800" y="1143000"/>
+            <a:ext cx="5486400" cy="3086100"/>
+          </a:xfrm>
+          <a:custGeom>
+            <a:rect b="b" l="l" r="r" t="t"/>
+            <a:pathLst>
+              <a:path extrusionOk="0" h="120000" w="120000">
+                <a:moveTo>
+                  <a:pt x="0" y="0"/>
+                </a:moveTo>
+                <a:lnTo>
+                  <a:pt x="120000" y="0"/>
+                </a:lnTo>
+                <a:lnTo>
+                  <a:pt x="120000" y="120000"/>
+                </a:lnTo>
+                <a:lnTo>
+                  <a:pt x="0" y="120000"/>
+                </a:lnTo>
+                <a:close/>
+              </a:path>
+            </a:pathLst>
+          </a:custGeom>
+        </p:spPr>
+      </p:sp>
+      <p:sp>
+        <p:nvSpPr>
+          <p:cNvPr id="110" name="Google Shape;110;g22c53542e4f_6_7:notes"/>
+          <p:cNvSpPr txBox="1"/>
+          <p:nvPr>
+            <p:ph idx="1" type="body"/>
+          </p:nvPr>
+        </p:nvSpPr>
+        <p:spPr>
+          <a:xfrm>
+            <a:off x="685800" y="4400550"/>
+            <a:ext cx="5486400" cy="3600600"/>
+          </a:xfrm>
+          <a:prstGeom prst="rect">
+            <a:avLst/>
+          </a:prstGeom>
+        </p:spPr>
+        <p:txBody>
+          <a:bodyPr anchorCtr="0" anchor="t" bIns="45700" lIns="91425" spcFirstLastPara="1" rIns="91425" wrap="square" tIns="45700">
+            <a:noAutofit/>
+          </a:bodyPr>
+          <a:lstStyle/>
+          <a:p>
+            <a:pPr indent="0" lvl="0" marL="0" rtl="0" algn="l">
+              <a:spcBef>
+                <a:spcPts val="0"/>
+              </a:spcBef>
+              <a:spcAft>
+                <a:spcPts val="0"/>
+              </a:spcAft>
+              <a:buNone/>
+            </a:pPr>
+            <a:r>
+              <a:t/>
+            </a:r>
+            <a:endParaRPr/>
+          </a:p>
+        </p:txBody>
+      </p:sp>
+      <p:sp>
+        <p:nvSpPr>
+          <p:cNvPr id="111" name="Google Shape;111;g22c53542e4f_6_7:notes"/>
+          <p:cNvSpPr txBox="1"/>
+          <p:nvPr>
+            <p:ph idx="12" type="sldNum"/>
+          </p:nvPr>
+        </p:nvSpPr>
+        <p:spPr>
+          <a:xfrm>
+            <a:off x="3884613" y="8685213"/>
+            <a:ext cx="2971800" cy="458700"/>
+          </a:xfrm>
+          <a:prstGeom prst="rect">
+            <a:avLst/>
+          </a:prstGeom>
+        </p:spPr>
+        <p:txBody>
+          <a:bodyPr anchorCtr="0" anchor="b" bIns="45700" lIns="91425" spcFirstLastPara="1" rIns="91425" wrap="square" tIns="45700">
+            <a:noAutofit/>
+          </a:bodyPr>
+          <a:lstStyle/>
+          <a:p>
+            <a:pPr indent="0" lvl="0" marL="0" rtl="0" algn="r">
+              <a:spcBef>
+                <a:spcPts val="0"/>
+              </a:spcBef>
+              <a:spcAft>
+                <a:spcPts val="0"/>
+              </a:spcAft>
+              <a:buClr>
+                <a:srgbClr val="000000"/>
+              </a:buClr>
+              <a:buSzPts val="1200"/>
+              <a:buFont typeface="Arial"/>
+              <a:buNone/>
+            </a:pPr>
+            <a:fld id="{00000000-1234-1234-1234-123412341234}" type="slidenum">
+              <a:rPr lang="tr-TR"/>
+              <a:t>‹#›</a:t>
+            </a:fld>
+            <a:endParaRPr/>
+          </a:p>
+        </p:txBody>
+      </p:sp>
+    </p:spTree>
+  </p:cSld>
+  <p:clrMapOvr>
+    <a:masterClrMapping/>
+  </p:clrMapOvr>
+</p:notes>
+</file>
+
+<file path=ppt/notesSlides/notesSlide4.xml><?xml version="1.0" encoding="utf-8"?>
+<p:notes xmlns:a="http://schemas.openxmlformats.org/drawingml/2006/main" xmlns:r="http://schemas.openxmlformats.org/officeDocument/2006/relationships" xmlns:mc="http://schemas.openxmlformats.org/markup-compatibility/2006" xmlns:mv="urn:schemas-microsoft-com:mac:vml" xmlns:p="http://schemas.openxmlformats.org/presentationml/2006/main" xmlns:c="http://schemas.openxmlformats.org/drawingml/2006/chart" xmlns:dgm="http://schemas.openxmlformats.org/drawingml/2006/diagram" xmlns:o="urn:schemas-microsoft-com:office:office" xmlns:v="urn:schemas-microsoft-com:vml" xmlns:pvml="urn:schemas-microsoft-com:office:powerpoint" xmlns:com="http://schemas.openxmlformats.org/drawingml/2006/compatibility" xmlns:p14="http://schemas.microsoft.com/office/powerpoint/2010/main" xmlns:p15="http://schemas.microsoft.com/office/powerpoint/2012/main" xmlns:ahyp="http://schemas.microsoft.com/office/drawing/2018/hyperlinkcolor" showMasterPhAnim="0" showMasterSp="0">
+  <p:cSld>
+    <p:spTree>
+      <p:nvGrpSpPr>
+        <p:cNvPr id="117" name="Shape 117"/>
+        <p:cNvGrpSpPr/>
+        <p:nvPr/>
+      </p:nvGrpSpPr>
+      <p:grpSpPr>
+        <a:xfrm>
+          <a:off x="0" y="0"/>
+          <a:ext cx="0" cy="0"/>
+          <a:chOff x="0" y="0"/>
+          <a:chExt cx="0" cy="0"/>
+        </a:xfrm>
+      </p:grpSpPr>
+      <p:sp>
+        <p:nvSpPr>
+          <p:cNvPr id="118" name="Google Shape;118;g22c53542e4f_6_12:notes"/>
+          <p:cNvSpPr/>
+          <p:nvPr>
+            <p:ph idx="2" type="sldImg"/>
+          </p:nvPr>
+        </p:nvSpPr>
+        <p:spPr>
+          <a:xfrm>
+            <a:off x="685800" y="1143000"/>
+            <a:ext cx="5486400" cy="3086100"/>
+          </a:xfrm>
+          <a:custGeom>
+            <a:rect b="b" l="l" r="r" t="t"/>
+            <a:pathLst>
+              <a:path extrusionOk="0" h="120000" w="120000">
+                <a:moveTo>
+                  <a:pt x="0" y="0"/>
+                </a:moveTo>
+                <a:lnTo>
+                  <a:pt x="120000" y="0"/>
+                </a:lnTo>
+                <a:lnTo>
+                  <a:pt x="120000" y="120000"/>
+                </a:lnTo>
+                <a:lnTo>
+                  <a:pt x="0" y="120000"/>
+                </a:lnTo>
+                <a:close/>
+              </a:path>
+            </a:pathLst>
+          </a:custGeom>
+        </p:spPr>
+      </p:sp>
+      <p:sp>
+        <p:nvSpPr>
+          <p:cNvPr id="119" name="Google Shape;119;g22c53542e4f_6_12:notes"/>
+          <p:cNvSpPr txBox="1"/>
+          <p:nvPr>
+            <p:ph idx="1" type="body"/>
+          </p:nvPr>
+        </p:nvSpPr>
+        <p:spPr>
+          <a:xfrm>
+            <a:off x="685800" y="4400550"/>
+            <a:ext cx="5486400" cy="3600600"/>
+          </a:xfrm>
+          <a:prstGeom prst="rect">
+            <a:avLst/>
+          </a:prstGeom>
+        </p:spPr>
+        <p:txBody>
+          <a:bodyPr anchorCtr="0" anchor="t" bIns="45700" lIns="91425" spcFirstLastPara="1" rIns="91425" wrap="square" tIns="45700">
+            <a:noAutofit/>
+          </a:bodyPr>
+          <a:lstStyle/>
+          <a:p>
+            <a:pPr indent="0" lvl="0" marL="0" rtl="0" algn="l">
+              <a:spcBef>
+                <a:spcPts val="0"/>
+              </a:spcBef>
+              <a:spcAft>
+                <a:spcPts val="0"/>
+              </a:spcAft>
+              <a:buNone/>
+            </a:pPr>
+            <a:r>
+              <a:t/>
+            </a:r>
+            <a:endParaRPr/>
+          </a:p>
+        </p:txBody>
+      </p:sp>
+      <p:sp>
+        <p:nvSpPr>
+          <p:cNvPr id="120" name="Google Shape;120;g22c53542e4f_6_12:notes"/>
+          <p:cNvSpPr txBox="1"/>
+          <p:nvPr>
+            <p:ph idx="12" type="sldNum"/>
+          </p:nvPr>
+        </p:nvSpPr>
+        <p:spPr>
+          <a:xfrm>
+            <a:off x="3884613" y="8685213"/>
+            <a:ext cx="2971800" cy="458700"/>
+          </a:xfrm>
+          <a:prstGeom prst="rect">
+            <a:avLst/>
+          </a:prstGeom>
+        </p:spPr>
+        <p:txBody>
+          <a:bodyPr anchorCtr="0" anchor="b" bIns="45700" lIns="91425" spcFirstLastPara="1" rIns="91425" wrap="square" tIns="45700">
+            <a:noAutofit/>
+          </a:bodyPr>
+          <a:lstStyle/>
+          <a:p>
+            <a:pPr indent="0" lvl="0" marL="0" rtl="0" algn="r">
+              <a:spcBef>
+                <a:spcPts val="0"/>
+              </a:spcBef>
+              <a:spcAft>
+                <a:spcPts val="0"/>
+              </a:spcAft>
+              <a:buNone/>
+            </a:pPr>
+            <a:fld id="{00000000-1234-1234-1234-123412341234}" type="slidenum">
+              <a:rPr lang="tr-TR"/>
+              <a:t>‹#›</a:t>
+            </a:fld>
+            <a:endParaRPr/>
+          </a:p>
+        </p:txBody>
+      </p:sp>
+    </p:spTree>
+  </p:cSld>
+  <p:clrMapOvr>
+    <a:masterClrMapping/>
+  </p:clrMapOvr>
+</p:notes>
+</file>
+
+<file path=ppt/notesSlides/notesSlide5.xml><?xml version="1.0" encoding="utf-8"?>
+<p:notes xmlns:a="http://schemas.openxmlformats.org/drawingml/2006/main" xmlns:r="http://schemas.openxmlformats.org/officeDocument/2006/relationships" xmlns:mc="http://schemas.openxmlformats.org/markup-compatibility/2006" xmlns:mv="urn:schemas-microsoft-com:mac:vml" xmlns:p="http://schemas.openxmlformats.org/presentationml/2006/main" xmlns:c="http://schemas.openxmlformats.org/drawingml/2006/chart" xmlns:dgm="http://schemas.openxmlformats.org/drawingml/2006/diagram" xmlns:o="urn:schemas-microsoft-com:office:office" xmlns:v="urn:schemas-microsoft-com:vml" xmlns:pvml="urn:schemas-microsoft-com:office:powerpoint" xmlns:com="http://schemas.openxmlformats.org/drawingml/2006/compatibility" xmlns:p14="http://schemas.microsoft.com/office/powerpoint/2010/main" xmlns:p15="http://schemas.microsoft.com/office/powerpoint/2012/main" xmlns:ahyp="http://schemas.microsoft.com/office/drawing/2018/hyperlinkcolor" showMasterPhAnim="0" showMasterSp="0">
+  <p:cSld>
+    <p:spTree>
+      <p:nvGrpSpPr>
+        <p:cNvPr id="127" name="Shape 127"/>
+        <p:cNvGrpSpPr/>
+        <p:nvPr/>
+      </p:nvGrpSpPr>
+      <p:grpSpPr>
+        <a:xfrm>
+          <a:off x="0" y="0"/>
+          <a:ext cx="0" cy="0"/>
+          <a:chOff x="0" y="0"/>
+          <a:chExt cx="0" cy="0"/>
+        </a:xfrm>
+      </p:grpSpPr>
+      <p:sp>
+        <p:nvSpPr>
+          <p:cNvPr id="128" name="Google Shape;128;g22c53542e4f_6_22:notes"/>
+          <p:cNvSpPr/>
+          <p:nvPr>
+            <p:ph idx="2" type="sldImg"/>
+          </p:nvPr>
+        </p:nvSpPr>
+        <p:spPr>
+          <a:xfrm>
+            <a:off x="685800" y="1143000"/>
+            <a:ext cx="5486400" cy="3086100"/>
+          </a:xfrm>
+          <a:custGeom>
+            <a:rect b="b" l="l" r="r" t="t"/>
+            <a:pathLst>
+              <a:path extrusionOk="0" h="120000" w="120000">
+                <a:moveTo>
+                  <a:pt x="0" y="0"/>
+                </a:moveTo>
+                <a:lnTo>
+                  <a:pt x="120000" y="0"/>
+                </a:lnTo>
+                <a:lnTo>
+                  <a:pt x="120000" y="120000"/>
+                </a:lnTo>
+                <a:lnTo>
+                  <a:pt x="0" y="120000"/>
+                </a:lnTo>
+                <a:close/>
+              </a:path>
+            </a:pathLst>
+          </a:custGeom>
+        </p:spPr>
+      </p:sp>
+      <p:sp>
+        <p:nvSpPr>
+          <p:cNvPr id="129" name="Google Shape;129;g22c53542e4f_6_22:notes"/>
+          <p:cNvSpPr txBox="1"/>
+          <p:nvPr>
+            <p:ph idx="1" type="body"/>
+          </p:nvPr>
+        </p:nvSpPr>
+        <p:spPr>
+          <a:xfrm>
+            <a:off x="685800" y="4400550"/>
+            <a:ext cx="5486400" cy="3600600"/>
+          </a:xfrm>
+          <a:prstGeom prst="rect">
+            <a:avLst/>
+          </a:prstGeom>
+        </p:spPr>
+        <p:txBody>
+          <a:bodyPr anchorCtr="0" anchor="t" bIns="45700" lIns="91425" spcFirstLastPara="1" rIns="91425" wrap="square" tIns="45700">
+            <a:noAutofit/>
+          </a:bodyPr>
+          <a:lstStyle/>
+          <a:p>
+            <a:pPr indent="0" lvl="0" marL="0" rtl="0" algn="l">
+              <a:spcBef>
+                <a:spcPts val="0"/>
+              </a:spcBef>
+              <a:spcAft>
+                <a:spcPts val="0"/>
+              </a:spcAft>
+              <a:buNone/>
+            </a:pPr>
+            <a:r>
+              <a:t/>
+            </a:r>
+            <a:endParaRPr/>
+          </a:p>
+        </p:txBody>
+      </p:sp>
+      <p:sp>
+        <p:nvSpPr>
+          <p:cNvPr id="130" name="Google Shape;130;g22c53542e4f_6_22:notes"/>
+          <p:cNvSpPr txBox="1"/>
+          <p:nvPr>
+            <p:ph idx="12" type="sldNum"/>
+          </p:nvPr>
+        </p:nvSpPr>
+        <p:spPr>
+          <a:xfrm>
+            <a:off x="3884613" y="8685213"/>
+            <a:ext cx="2971800" cy="458700"/>
+          </a:xfrm>
+          <a:prstGeom prst="rect">
+            <a:avLst/>
+          </a:prstGeom>
+        </p:spPr>
+        <p:txBody>
+          <a:bodyPr anchorCtr="0" anchor="b" bIns="45700" lIns="91425" spcFirstLastPara="1" rIns="91425" wrap="square" tIns="45700">
+            <a:noAutofit/>
+          </a:bodyPr>
+          <a:lstStyle/>
+          <a:p>
+            <a:pPr indent="0" lvl="0" marL="0" rtl="0" algn="r">
+              <a:spcBef>
+                <a:spcPts val="0"/>
+              </a:spcBef>
+              <a:spcAft>
+                <a:spcPts val="0"/>
+              </a:spcAft>
+              <a:buNone/>
+            </a:pPr>
+            <a:fld id="{00000000-1234-1234-1234-123412341234}" type="slidenum">
+              <a:rPr lang="tr-TR"/>
+              <a:t>‹#›</a:t>
+            </a:fld>
+            <a:endParaRPr/>
+          </a:p>
+        </p:txBody>
+      </p:sp>
+    </p:spTree>
+  </p:cSld>
+  <p:clrMapOvr>
+    <a:masterClrMapping/>
+  </p:clrMapOvr>
+</p:notes>
+</file>
+
+<file path=ppt/notesSlides/notesSlide6.xml><?xml version="1.0" encoding="utf-8"?>
+<p:notes xmlns:a="http://schemas.openxmlformats.org/drawingml/2006/main" xmlns:r="http://schemas.openxmlformats.org/officeDocument/2006/relationships" xmlns:mc="http://schemas.openxmlformats.org/markup-compatibility/2006" xmlns:mv="urn:schemas-microsoft-com:mac:vml" xmlns:p="http://schemas.openxmlformats.org/presentationml/2006/main" xmlns:c="http://schemas.openxmlformats.org/drawingml/2006/chart" xmlns:dgm="http://schemas.openxmlformats.org/drawingml/2006/diagram" xmlns:o="urn:schemas-microsoft-com:office:office" xmlns:v="urn:schemas-microsoft-com:vml" xmlns:pvml="urn:schemas-microsoft-com:office:powerpoint" xmlns:com="http://schemas.openxmlformats.org/drawingml/2006/compatibility" xmlns:p14="http://schemas.microsoft.com/office/powerpoint/2010/main" xmlns:p15="http://schemas.microsoft.com/office/powerpoint/2012/main" xmlns:ahyp="http://schemas.microsoft.com/office/drawing/2018/hyperlinkcolor" showMasterPhAnim="0" showMasterSp="0">
+  <p:cSld>
+    <p:spTree>
+      <p:nvGrpSpPr>
+        <p:cNvPr id="136" name="Shape 136"/>
+        <p:cNvGrpSpPr/>
+        <p:nvPr/>
+      </p:nvGrpSpPr>
+      <p:grpSpPr>
+        <a:xfrm>
+          <a:off x="0" y="0"/>
+          <a:ext cx="0" cy="0"/>
+          <a:chOff x="0" y="0"/>
+          <a:chExt cx="0" cy="0"/>
+        </a:xfrm>
+      </p:grpSpPr>
+      <p:sp>
+        <p:nvSpPr>
+          <p:cNvPr id="137" name="Google Shape;137;g22c53542e4f_6_27:notes"/>
+          <p:cNvSpPr/>
+          <p:nvPr>
+            <p:ph idx="2" type="sldImg"/>
+          </p:nvPr>
+        </p:nvSpPr>
+        <p:spPr>
+          <a:xfrm>
+            <a:off x="685800" y="1143000"/>
+            <a:ext cx="5486400" cy="3086100"/>
+          </a:xfrm>
+          <a:custGeom>
+            <a:rect b="b" l="l" r="r" t="t"/>
+            <a:pathLst>
+              <a:path extrusionOk="0" h="120000" w="120000">
+                <a:moveTo>
+                  <a:pt x="0" y="0"/>
+                </a:moveTo>
+                <a:lnTo>
+                  <a:pt x="120000" y="0"/>
+                </a:lnTo>
+                <a:lnTo>
+                  <a:pt x="120000" y="120000"/>
+                </a:lnTo>
+                <a:lnTo>
+                  <a:pt x="0" y="120000"/>
+                </a:lnTo>
+                <a:close/>
+              </a:path>
+            </a:pathLst>
+          </a:custGeom>
+        </p:spPr>
+      </p:sp>
+      <p:sp>
+        <p:nvSpPr>
+          <p:cNvPr id="138" name="Google Shape;138;g22c53542e4f_6_27:notes"/>
+          <p:cNvSpPr txBox="1"/>
+          <p:nvPr>
+            <p:ph idx="1" type="body"/>
+          </p:nvPr>
+        </p:nvSpPr>
+        <p:spPr>
+          <a:xfrm>
+            <a:off x="685800" y="4400550"/>
+            <a:ext cx="5486400" cy="3600600"/>
+          </a:xfrm>
+          <a:prstGeom prst="rect">
+            <a:avLst/>
+          </a:prstGeom>
+        </p:spPr>
+        <p:txBody>
+          <a:bodyPr anchorCtr="0" anchor="t" bIns="45700" lIns="91425" spcFirstLastPara="1" rIns="91425" wrap="square" tIns="45700">
+            <a:noAutofit/>
+          </a:bodyPr>
+          <a:lstStyle/>
+          <a:p>
+            <a:pPr indent="0" lvl="0" marL="0" rtl="0" algn="l">
+              <a:spcBef>
+                <a:spcPts val="0"/>
+              </a:spcBef>
+              <a:spcAft>
+                <a:spcPts val="0"/>
+              </a:spcAft>
+              <a:buNone/>
+            </a:pPr>
+            <a:r>
+              <a:t/>
+            </a:r>
+            <a:endParaRPr/>
+          </a:p>
+        </p:txBody>
+      </p:sp>
+      <p:sp>
+        <p:nvSpPr>
+          <p:cNvPr id="139" name="Google Shape;139;g22c53542e4f_6_27:notes"/>
+          <p:cNvSpPr txBox="1"/>
+          <p:nvPr>
+            <p:ph idx="12" type="sldNum"/>
+          </p:nvPr>
+        </p:nvSpPr>
+        <p:spPr>
+          <a:xfrm>
+            <a:off x="3884613" y="8685213"/>
+            <a:ext cx="2971800" cy="458700"/>
+          </a:xfrm>
+          <a:prstGeom prst="rect">
+            <a:avLst/>
+          </a:prstGeom>
+        </p:spPr>
+        <p:txBody>
+          <a:bodyPr anchorCtr="0" anchor="b" bIns="45700" lIns="91425" spcFirstLastPara="1" rIns="91425" wrap="square" tIns="45700">
+            <a:noAutofit/>
+          </a:bodyPr>
+          <a:lstStyle/>
+          <a:p>
+            <a:pPr indent="0" lvl="0" marL="0" rtl="0" algn="r">
+              <a:spcBef>
+                <a:spcPts val="0"/>
+              </a:spcBef>
+              <a:spcAft>
+                <a:spcPts val="0"/>
+              </a:spcAft>
+              <a:buNone/>
+            </a:pPr>
+            <a:fld id="{00000000-1234-1234-1234-123412341234}" type="slidenum">
+              <a:rPr lang="tr-TR"/>
+              <a:t>‹#›</a:t>
+            </a:fld>
+            <a:endParaRPr/>
+          </a:p>
+        </p:txBody>
+      </p:sp>
+    </p:spTree>
+  </p:cSld>
+  <p:clrMapOvr>
+    <a:masterClrMapping/>
+  </p:clrMapOvr>
+</p:notes>
+</file>
+
+<file path=ppt/notesSlides/notesSlide7.xml><?xml version="1.0" encoding="utf-8"?>
+<p:notes xmlns:a="http://schemas.openxmlformats.org/drawingml/2006/main" xmlns:r="http://schemas.openxmlformats.org/officeDocument/2006/relationships" xmlns:mc="http://schemas.openxmlformats.org/markup-compatibility/2006" xmlns:mv="urn:schemas-microsoft-com:mac:vml" xmlns:p="http://schemas.openxmlformats.org/presentationml/2006/main" xmlns:c="http://schemas.openxmlformats.org/drawingml/2006/chart" xmlns:dgm="http://schemas.openxmlformats.org/drawingml/2006/diagram" xmlns:o="urn:schemas-microsoft-com:office:office" xmlns:v="urn:schemas-microsoft-com:vml" xmlns:pvml="urn:schemas-microsoft-com:office:powerpoint" xmlns:com="http://schemas.openxmlformats.org/drawingml/2006/compatibility" xmlns:p14="http://schemas.microsoft.com/office/powerpoint/2010/main" xmlns:p15="http://schemas.microsoft.com/office/powerpoint/2012/main" xmlns:ahyp="http://schemas.microsoft.com/office/drawing/2018/hyperlinkcolor" showMasterPhAnim="0" showMasterSp="0">
+  <p:cSld>
+    <p:spTree>
+      <p:nvGrpSpPr>
+        <p:cNvPr id="146" name="Shape 146"/>
+        <p:cNvGrpSpPr/>
+        <p:nvPr/>
+      </p:nvGrpSpPr>
+      <p:grpSpPr>
+        <a:xfrm>
+          <a:off x="0" y="0"/>
+          <a:ext cx="0" cy="0"/>
+          <a:chOff x="0" y="0"/>
+          <a:chExt cx="0" cy="0"/>
+        </a:xfrm>
+      </p:grpSpPr>
+      <p:sp>
+        <p:nvSpPr>
+          <p:cNvPr id="147" name="Google Shape;147;p9:notes"/>
           <p:cNvSpPr/>
           <p:nvPr>
             <p:ph idx="2" type="sldImg"/>
@@ -5627,7 +5628,7 @@
       </p:sp>
       <p:sp>
         <p:nvSpPr>
-          <p:cNvPr id="169" name="Google Shape;169;p11:notes"/>
+          <p:cNvPr id="148" name="Google Shape;148;p9:notes"/>
           <p:cNvSpPr txBox="1"/>
           <p:nvPr>
             <p:ph idx="1" type="body"/>
@@ -5674,7 +5675,7 @@
       </p:sp>
       <p:sp>
         <p:nvSpPr>
-          <p:cNvPr id="170" name="Google Shape;170;p11:notes"/>
+          <p:cNvPr id="149" name="Google Shape;149;p9:notes"/>
           <p:cNvSpPr txBox="1"/>
           <p:nvPr>
             <p:ph idx="12" type="sldNum"/>
@@ -5728,12 +5729,12 @@
 </p:notes>
 </file>
 
-<file path=ppt/notesSlides/notesSlide9.xml><?xml version="1.0" encoding="utf-8"?>
+<file path=ppt/notesSlides/notesSlide8.xml><?xml version="1.0" encoding="utf-8"?>
 <p:notes xmlns:a="http://schemas.openxmlformats.org/drawingml/2006/main" xmlns:r="http://schemas.openxmlformats.org/officeDocument/2006/relationships" xmlns:mc="http://schemas.openxmlformats.org/markup-compatibility/2006" xmlns:mv="urn:schemas-microsoft-com:mac:vml" xmlns:p="http://schemas.openxmlformats.org/presentationml/2006/main" xmlns:c="http://schemas.openxmlformats.org/drawingml/2006/chart" xmlns:dgm="http://schemas.openxmlformats.org/drawingml/2006/diagram" xmlns:o="urn:schemas-microsoft-com:office:office" xmlns:v="urn:schemas-microsoft-com:vml" xmlns:pvml="urn:schemas-microsoft-com:office:powerpoint" xmlns:com="http://schemas.openxmlformats.org/drawingml/2006/compatibility" xmlns:p14="http://schemas.microsoft.com/office/powerpoint/2010/main" xmlns:p15="http://schemas.microsoft.com/office/powerpoint/2012/main" xmlns:ahyp="http://schemas.microsoft.com/office/drawing/2018/hyperlinkcolor" showMasterPhAnim="0" showMasterSp="0">
   <p:cSld>
     <p:spTree>
       <p:nvGrpSpPr>
-        <p:cNvPr id="178" name="Shape 178"/>
+        <p:cNvPr id="166" name="Shape 166"/>
         <p:cNvGrpSpPr/>
         <p:nvPr/>
       </p:nvGrpSpPr>
@@ -5747,7 +5748,7 @@
       </p:grpSpPr>
       <p:sp>
         <p:nvSpPr>
-          <p:cNvPr id="179" name="Google Shape;179;g22c53542e4f_0_10:notes"/>
+          <p:cNvPr id="167" name="Google Shape;167;p10:notes"/>
           <p:cNvSpPr/>
           <p:nvPr>
             <p:ph idx="2" type="sldImg"/>
@@ -5792,7 +5793,7 @@
       </p:sp>
       <p:sp>
         <p:nvSpPr>
-          <p:cNvPr id="180" name="Google Shape;180;g22c53542e4f_0_10:notes"/>
+          <p:cNvPr id="168" name="Google Shape;168;p10:notes"/>
           <p:cNvSpPr txBox="1"/>
           <p:nvPr>
             <p:ph idx="1" type="body"/>
@@ -5801,7 +5802,7 @@
         <p:spPr>
           <a:xfrm>
             <a:off x="685800" y="4400550"/>
-            <a:ext cx="5486400" cy="3600600"/>
+            <a:ext cx="5486400" cy="3600450"/>
           </a:xfrm>
           <a:prstGeom prst="rect">
             <a:avLst/>
@@ -5839,7 +5840,7 @@
       </p:sp>
       <p:sp>
         <p:nvSpPr>
-          <p:cNvPr id="181" name="Google Shape;181;g22c53542e4f_0_10:notes"/>
+          <p:cNvPr id="169" name="Google Shape;169;p10:notes"/>
           <p:cNvSpPr txBox="1"/>
           <p:nvPr>
             <p:ph idx="12" type="sldNum"/>
@@ -5848,7 +5849,172 @@
         <p:spPr>
           <a:xfrm>
             <a:off x="3884613" y="8685213"/>
-            <a:ext cx="2971800" cy="458700"/>
+            <a:ext cx="2971800" cy="458787"/>
+          </a:xfrm>
+          <a:prstGeom prst="rect">
+            <a:avLst/>
+          </a:prstGeom>
+          <a:noFill/>
+          <a:ln>
+            <a:noFill/>
+          </a:ln>
+        </p:spPr>
+        <p:txBody>
+          <a:bodyPr anchorCtr="0" anchor="b" bIns="45700" lIns="91425" spcFirstLastPara="1" rIns="91425" wrap="square" tIns="45700">
+            <a:noAutofit/>
+          </a:bodyPr>
+          <a:lstStyle/>
+          <a:p>
+            <a:pPr indent="0" lvl="0" marL="0" rtl="0" algn="r">
+              <a:lnSpc>
+                <a:spcPct val="100000"/>
+              </a:lnSpc>
+              <a:spcBef>
+                <a:spcPts val="0"/>
+              </a:spcBef>
+              <a:spcAft>
+                <a:spcPts val="0"/>
+              </a:spcAft>
+              <a:buSzPts val="1400"/>
+              <a:buNone/>
+            </a:pPr>
+            <a:fld id="{00000000-1234-1234-1234-123412341234}" type="slidenum">
+              <a:rPr lang="tr-TR"/>
+              <a:t>‹#›</a:t>
+            </a:fld>
+            <a:endParaRPr/>
+          </a:p>
+        </p:txBody>
+      </p:sp>
+    </p:spTree>
+  </p:cSld>
+  <p:clrMapOvr>
+    <a:masterClrMapping/>
+  </p:clrMapOvr>
+</p:notes>
+</file>
+
+<file path=ppt/notesSlides/notesSlide9.xml><?xml version="1.0" encoding="utf-8"?>
+<p:notes xmlns:a="http://schemas.openxmlformats.org/drawingml/2006/main" xmlns:r="http://schemas.openxmlformats.org/officeDocument/2006/relationships" xmlns:mc="http://schemas.openxmlformats.org/markup-compatibility/2006" xmlns:mv="urn:schemas-microsoft-com:mac:vml" xmlns:p="http://schemas.openxmlformats.org/presentationml/2006/main" xmlns:c="http://schemas.openxmlformats.org/drawingml/2006/chart" xmlns:dgm="http://schemas.openxmlformats.org/drawingml/2006/diagram" xmlns:o="urn:schemas-microsoft-com:office:office" xmlns:v="urn:schemas-microsoft-com:vml" xmlns:pvml="urn:schemas-microsoft-com:office:powerpoint" xmlns:com="http://schemas.openxmlformats.org/drawingml/2006/compatibility" xmlns:p14="http://schemas.microsoft.com/office/powerpoint/2010/main" xmlns:p15="http://schemas.microsoft.com/office/powerpoint/2012/main" xmlns:ahyp="http://schemas.microsoft.com/office/drawing/2018/hyperlinkcolor" showMasterPhAnim="0" showMasterSp="0">
+  <p:cSld>
+    <p:spTree>
+      <p:nvGrpSpPr>
+        <p:cNvPr id="177" name="Shape 177"/>
+        <p:cNvGrpSpPr/>
+        <p:nvPr/>
+      </p:nvGrpSpPr>
+      <p:grpSpPr>
+        <a:xfrm>
+          <a:off x="0" y="0"/>
+          <a:ext cx="0" cy="0"/>
+          <a:chOff x="0" y="0"/>
+          <a:chExt cx="0" cy="0"/>
+        </a:xfrm>
+      </p:grpSpPr>
+      <p:sp>
+        <p:nvSpPr>
+          <p:cNvPr id="178" name="Google Shape;178;p11:notes"/>
+          <p:cNvSpPr/>
+          <p:nvPr>
+            <p:ph idx="2" type="sldImg"/>
+          </p:nvPr>
+        </p:nvSpPr>
+        <p:spPr>
+          <a:xfrm>
+            <a:off x="685800" y="1143000"/>
+            <a:ext cx="5486400" cy="3086100"/>
+          </a:xfrm>
+          <a:custGeom>
+            <a:rect b="b" l="l" r="r" t="t"/>
+            <a:pathLst>
+              <a:path extrusionOk="0" h="120000" w="120000">
+                <a:moveTo>
+                  <a:pt x="0" y="0"/>
+                </a:moveTo>
+                <a:lnTo>
+                  <a:pt x="120000" y="0"/>
+                </a:lnTo>
+                <a:lnTo>
+                  <a:pt x="120000" y="120000"/>
+                </a:lnTo>
+                <a:lnTo>
+                  <a:pt x="0" y="120000"/>
+                </a:lnTo>
+                <a:close/>
+              </a:path>
+            </a:pathLst>
+          </a:custGeom>
+          <a:noFill/>
+          <a:ln cap="flat" cmpd="sng" w="12700">
+            <a:solidFill>
+              <a:srgbClr val="000000"/>
+            </a:solidFill>
+            <a:prstDash val="solid"/>
+            <a:round/>
+            <a:headEnd len="sm" w="sm" type="none"/>
+            <a:tailEnd len="sm" w="sm" type="none"/>
+          </a:ln>
+        </p:spPr>
+      </p:sp>
+      <p:sp>
+        <p:nvSpPr>
+          <p:cNvPr id="179" name="Google Shape;179;p11:notes"/>
+          <p:cNvSpPr txBox="1"/>
+          <p:nvPr>
+            <p:ph idx="1" type="body"/>
+          </p:nvPr>
+        </p:nvSpPr>
+        <p:spPr>
+          <a:xfrm>
+            <a:off x="685800" y="4400550"/>
+            <a:ext cx="5486400" cy="3600450"/>
+          </a:xfrm>
+          <a:prstGeom prst="rect">
+            <a:avLst/>
+          </a:prstGeom>
+          <a:noFill/>
+          <a:ln>
+            <a:noFill/>
+          </a:ln>
+        </p:spPr>
+        <p:txBody>
+          <a:bodyPr anchorCtr="0" anchor="t" bIns="45700" lIns="91425" spcFirstLastPara="1" rIns="91425" wrap="square" tIns="45700">
+            <a:noAutofit/>
+          </a:bodyPr>
+          <a:lstStyle/>
+          <a:p>
+            <a:pPr indent="0" lvl="0" marL="0" rtl="0" algn="l">
+              <a:lnSpc>
+                <a:spcPct val="100000"/>
+              </a:lnSpc>
+              <a:spcBef>
+                <a:spcPts val="0"/>
+              </a:spcBef>
+              <a:spcAft>
+                <a:spcPts val="0"/>
+              </a:spcAft>
+              <a:buSzPts val="1400"/>
+              <a:buNone/>
+            </a:pPr>
+            <a:r>
+              <a:t/>
+            </a:r>
+            <a:endParaRPr/>
+          </a:p>
+        </p:txBody>
+      </p:sp>
+      <p:sp>
+        <p:nvSpPr>
+          <p:cNvPr id="180" name="Google Shape;180;p11:notes"/>
+          <p:cNvSpPr txBox="1"/>
+          <p:nvPr>
+            <p:ph idx="12" type="sldNum"/>
+          </p:nvPr>
+        </p:nvSpPr>
+        <p:spPr>
+          <a:xfrm>
+            <a:off x="3884613" y="8685213"/>
+            <a:ext cx="2971800" cy="458787"/>
           </a:xfrm>
           <a:prstGeom prst="rect">
             <a:avLst/>
@@ -20367,7 +20533,7 @@
         </p:nvSpPr>
         <p:spPr>
           <a:xfrm>
-            <a:off x="876400" y="3540500"/>
+            <a:off x="839225" y="3301200"/>
             <a:ext cx="7286100" cy="726600"/>
           </a:xfrm>
           <a:prstGeom prst="rect">
@@ -20391,15 +20557,7 @@
             </a:pPr>
             <a:r>
               <a:rPr lang="tr-TR"/>
-              <a:t>SRI CHANDAN </a:t>
-            </a:r>
-            <a:r>
-              <a:rPr lang="tr-TR"/>
-              <a:t>CHINTA</a:t>
-            </a:r>
-            <a:r>
-              <a:rPr lang="tr-TR"/>
-              <a:t>, SAHITH REDDY CHINTALA, SHREYA ROKATI</a:t>
+              <a:t>CHINTA SRI CHANDAN, SAHITH REDDY CHINTALA, SHREYA ROKATI</a:t>
             </a:r>
             <a:endParaRPr/>
           </a:p>
@@ -20441,8 +20599,8 @@
         </p:nvSpPr>
         <p:spPr>
           <a:xfrm>
-            <a:off x="2334250" y="2737163"/>
-            <a:ext cx="4370400" cy="492600"/>
+            <a:off x="2405275" y="2382000"/>
+            <a:ext cx="4370400" cy="631200"/>
           </a:xfrm>
           <a:prstGeom prst="rect">
             <a:avLst/>
@@ -20468,7 +20626,7 @@
               <a:buNone/>
             </a:pPr>
             <a:r>
-              <a:rPr lang="tr-TR" sz="2000">
+              <a:rPr lang="tr-TR" sz="2900">
                 <a:solidFill>
                   <a:schemeClr val="dk1"/>
                 </a:solidFill>
@@ -20479,7 +20637,7 @@
               </a:rPr>
               <a:t>MSBA CAPSTONE</a:t>
             </a:r>
-            <a:endParaRPr sz="2000">
+            <a:endParaRPr sz="2900">
               <a:solidFill>
                 <a:schemeClr val="dk1"/>
               </a:solidFill>
@@ -20519,58 +20677,6 @@
           </a:ln>
         </p:spPr>
       </p:pic>
-      <p:sp>
-        <p:nvSpPr>
-          <p:cNvPr id="99" name="Google Shape;99;p14"/>
-          <p:cNvSpPr txBox="1"/>
-          <p:nvPr/>
-        </p:nvSpPr>
-        <p:spPr>
-          <a:xfrm>
-            <a:off x="2493887" y="2244575"/>
-            <a:ext cx="4721100" cy="492600"/>
-          </a:xfrm>
-          <a:prstGeom prst="rect">
-            <a:avLst/>
-          </a:prstGeom>
-          <a:noFill/>
-          <a:ln>
-            <a:noFill/>
-          </a:ln>
-        </p:spPr>
-        <p:txBody>
-          <a:bodyPr anchorCtr="0" anchor="t" bIns="91425" lIns="91425" spcFirstLastPara="1" rIns="91425" wrap="square" tIns="91425">
-            <a:spAutoFit/>
-          </a:bodyPr>
-          <a:lstStyle/>
-          <a:p>
-            <a:pPr indent="0" lvl="0" marL="0" rtl="0" algn="l">
-              <a:spcBef>
-                <a:spcPts val="0"/>
-              </a:spcBef>
-              <a:spcAft>
-                <a:spcPts val="0"/>
-              </a:spcAft>
-              <a:buNone/>
-            </a:pPr>
-            <a:r>
-              <a:rPr lang="tr-TR" sz="2000">
-                <a:latin typeface="Times New Roman"/>
-                <a:ea typeface="Times New Roman"/>
-                <a:cs typeface="Times New Roman"/>
-                <a:sym typeface="Times New Roman"/>
-              </a:rPr>
-              <a:t>CUSTOMER SUCCESS PREDICTION</a:t>
-            </a:r>
-            <a:endParaRPr sz="2000">
-              <a:latin typeface="Times New Roman"/>
-              <a:ea typeface="Times New Roman"/>
-              <a:cs typeface="Times New Roman"/>
-              <a:sym typeface="Times New Roman"/>
-            </a:endParaRPr>
-          </a:p>
-        </p:txBody>
-      </p:sp>
     </p:spTree>
   </p:cSld>
   <p:clrMapOvr>
@@ -20584,7 +20690,7 @@
   <p:cSld>
     <p:spTree>
       <p:nvGrpSpPr>
-        <p:cNvPr id="193" name="Shape 193"/>
+        <p:cNvPr id="192" name="Shape 192"/>
         <p:cNvGrpSpPr/>
         <p:nvPr/>
       </p:nvGrpSpPr>
@@ -20598,13 +20704,13 @@
       </p:grpSpPr>
       <p:sp>
         <p:nvSpPr>
-          <p:cNvPr id="194" name="Google Shape;194;p23"/>
+          <p:cNvPr id="193" name="Google Shape;193;p23"/>
           <p:cNvSpPr txBox="1"/>
           <p:nvPr/>
         </p:nvSpPr>
         <p:spPr>
           <a:xfrm>
-            <a:off x="913572" y="1627076"/>
+            <a:off x="808322" y="1711588"/>
             <a:ext cx="2471100" cy="346200"/>
           </a:xfrm>
           <a:prstGeom prst="rect">
@@ -20664,13 +20770,13 @@
       </p:sp>
       <p:sp>
         <p:nvSpPr>
-          <p:cNvPr id="195" name="Google Shape;195;p23"/>
+          <p:cNvPr id="194" name="Google Shape;194;p23"/>
           <p:cNvSpPr txBox="1"/>
           <p:nvPr/>
         </p:nvSpPr>
         <p:spPr>
           <a:xfrm>
-            <a:off x="913575" y="2160625"/>
+            <a:off x="808325" y="2224838"/>
             <a:ext cx="3406500" cy="346200"/>
           </a:xfrm>
           <a:prstGeom prst="rect">
@@ -20714,7 +20820,7 @@
                 <a:cs typeface="Times New Roman"/>
                 <a:sym typeface="Times New Roman"/>
               </a:rPr>
-              <a:t>Sales in each trade channel</a:t>
+              <a:t>Calories of Beverage vs Sales</a:t>
             </a:r>
             <a:endParaRPr b="1" i="0" sz="1800" u="none" cap="none" strike="noStrike">
               <a:solidFill>
@@ -20730,14 +20836,14 @@
       </p:sp>
       <p:sp>
         <p:nvSpPr>
-          <p:cNvPr id="196" name="Google Shape;196;p23"/>
+          <p:cNvPr id="195" name="Google Shape;195;p23"/>
           <p:cNvSpPr txBox="1"/>
           <p:nvPr/>
         </p:nvSpPr>
         <p:spPr>
           <a:xfrm>
-            <a:off x="559800" y="2849400"/>
-            <a:ext cx="3591300" cy="1592700"/>
+            <a:off x="473225" y="2738100"/>
+            <a:ext cx="3679500" cy="1592700"/>
           </a:xfrm>
           <a:prstGeom prst="rect">
             <a:avLst/>
@@ -20753,7 +20859,7 @@
           </a:bodyPr>
           <a:lstStyle/>
           <a:p>
-            <a:pPr indent="-330200" lvl="0" marL="457200" marR="0" rtl="0" algn="l">
+            <a:pPr indent="-330200" lvl="0" marL="457200" marR="0" rtl="0" algn="just">
               <a:lnSpc>
                 <a:spcPct val="150000"/>
               </a:lnSpc>
@@ -20780,7 +20886,7 @@
                 <a:cs typeface="Times New Roman"/>
                 <a:sym typeface="Times New Roman"/>
               </a:rPr>
-              <a:t>2 of the top 3 trade channels with most sales serve food.</a:t>
+              <a:t>Regular calorie beverages have more probability to be sold and has less risk of loss.</a:t>
             </a:r>
             <a:endParaRPr sz="1600">
               <a:solidFill>
@@ -20796,21 +20902,22 @@
       </p:sp>
       <p:pic>
         <p:nvPicPr>
-          <p:cNvPr id="197" name="Google Shape;197;p23"/>
+          <p:cNvPr id="196" name="Google Shape;196;p23"/>
           <p:cNvPicPr preferRelativeResize="0"/>
           <p:nvPr/>
         </p:nvPicPr>
-        <p:blipFill rotWithShape="1">
+        <p:blipFill>
           <a:blip r:embed="rId3">
             <a:alphaModFix/>
           </a:blip>
-          <a:srcRect b="-2499" l="0" r="0" t="2500"/>
-          <a:stretch/>
+          <a:stretch>
+            <a:fillRect/>
+          </a:stretch>
         </p:blipFill>
         <p:spPr>
           <a:xfrm>
-            <a:off x="4320075" y="1254200"/>
-            <a:ext cx="4469126" cy="3673926"/>
+            <a:off x="4561325" y="1359725"/>
+            <a:ext cx="4469126" cy="3423499"/>
           </a:xfrm>
           <a:prstGeom prst="rect">
             <a:avLst/>
@@ -20823,7 +20930,7 @@
       </p:pic>
       <p:pic>
         <p:nvPicPr>
-          <p:cNvPr id="198" name="Google Shape;198;p23"/>
+          <p:cNvPr id="197" name="Google Shape;197;p23"/>
           <p:cNvPicPr preferRelativeResize="0"/>
           <p:nvPr/>
         </p:nvPicPr>
@@ -20851,7 +20958,7 @@
       </p:pic>
       <p:pic>
         <p:nvPicPr>
-          <p:cNvPr id="199" name="Google Shape;199;p23"/>
+          <p:cNvPr id="198" name="Google Shape;198;p23"/>
           <p:cNvPicPr preferRelativeResize="0"/>
           <p:nvPr/>
         </p:nvPicPr>
@@ -20890,7 +20997,7 @@
   <p:cSld>
     <p:spTree>
       <p:nvGrpSpPr>
-        <p:cNvPr id="204" name="Shape 204"/>
+        <p:cNvPr id="203" name="Shape 203"/>
         <p:cNvGrpSpPr/>
         <p:nvPr/>
       </p:nvGrpSpPr>
@@ -20904,13 +21011,13 @@
       </p:grpSpPr>
       <p:sp>
         <p:nvSpPr>
-          <p:cNvPr id="205" name="Google Shape;205;p24"/>
+          <p:cNvPr id="204" name="Google Shape;204;p24"/>
           <p:cNvSpPr txBox="1"/>
           <p:nvPr/>
         </p:nvSpPr>
         <p:spPr>
           <a:xfrm>
-            <a:off x="941647" y="1449163"/>
+            <a:off x="913572" y="1627076"/>
             <a:ext cx="2471100" cy="346200"/>
           </a:xfrm>
           <a:prstGeom prst="rect">
@@ -20970,13 +21077,13 @@
       </p:sp>
       <p:sp>
         <p:nvSpPr>
-          <p:cNvPr id="206" name="Google Shape;206;p24"/>
+          <p:cNvPr id="205" name="Google Shape;205;p24"/>
           <p:cNvSpPr txBox="1"/>
           <p:nvPr/>
         </p:nvSpPr>
         <p:spPr>
           <a:xfrm>
-            <a:off x="941650" y="1795375"/>
+            <a:off x="913575" y="2160625"/>
             <a:ext cx="3406500" cy="346200"/>
           </a:xfrm>
           <a:prstGeom prst="rect">
@@ -21020,11 +21127,77 @@
                 <a:cs typeface="Times New Roman"/>
                 <a:sym typeface="Times New Roman"/>
               </a:rPr>
-              <a:t>Sales in each City.</a:t>
+              <a:t>Sales in each trade channel</a:t>
             </a:r>
             <a:endParaRPr b="1" i="0" sz="1800" u="none" cap="none" strike="noStrike">
               <a:solidFill>
                 <a:srgbClr val="C00000"/>
+              </a:solidFill>
+              <a:latin typeface="Times New Roman"/>
+              <a:ea typeface="Times New Roman"/>
+              <a:cs typeface="Times New Roman"/>
+              <a:sym typeface="Times New Roman"/>
+            </a:endParaRPr>
+          </a:p>
+        </p:txBody>
+      </p:sp>
+      <p:sp>
+        <p:nvSpPr>
+          <p:cNvPr id="206" name="Google Shape;206;p24"/>
+          <p:cNvSpPr txBox="1"/>
+          <p:nvPr/>
+        </p:nvSpPr>
+        <p:spPr>
+          <a:xfrm>
+            <a:off x="559800" y="2849400"/>
+            <a:ext cx="3591300" cy="1592700"/>
+          </a:xfrm>
+          <a:prstGeom prst="rect">
+            <a:avLst/>
+          </a:prstGeom>
+          <a:noFill/>
+          <a:ln>
+            <a:noFill/>
+          </a:ln>
+        </p:spPr>
+        <p:txBody>
+          <a:bodyPr anchorCtr="0" anchor="t" bIns="34275" lIns="68575" spcFirstLastPara="1" rIns="68575" wrap="square" tIns="34275">
+            <a:noAutofit/>
+          </a:bodyPr>
+          <a:lstStyle/>
+          <a:p>
+            <a:pPr indent="-330200" lvl="0" marL="457200" marR="0" rtl="0" algn="l">
+              <a:lnSpc>
+                <a:spcPct val="150000"/>
+              </a:lnSpc>
+              <a:spcBef>
+                <a:spcPts val="0"/>
+              </a:spcBef>
+              <a:spcAft>
+                <a:spcPts val="0"/>
+              </a:spcAft>
+              <a:buClr>
+                <a:schemeClr val="dk1"/>
+              </a:buClr>
+              <a:buSzPts val="1600"/>
+              <a:buFont typeface="Times New Roman"/>
+              <a:buChar char="●"/>
+            </a:pPr>
+            <a:r>
+              <a:rPr lang="tr-TR" sz="1600">
+                <a:solidFill>
+                  <a:schemeClr val="dk1"/>
+                </a:solidFill>
+                <a:latin typeface="Times New Roman"/>
+                <a:ea typeface="Times New Roman"/>
+                <a:cs typeface="Times New Roman"/>
+                <a:sym typeface="Times New Roman"/>
+              </a:rPr>
+              <a:t>2 of the top 3 trade channels with most sales serve food.</a:t>
+            </a:r>
+            <a:endParaRPr sz="1600">
+              <a:solidFill>
+                <a:schemeClr val="dk1"/>
               </a:solidFill>
               <a:latin typeface="Times New Roman"/>
               <a:ea typeface="Times New Roman"/>
@@ -21040,18 +21213,17 @@
           <p:cNvPicPr preferRelativeResize="0"/>
           <p:nvPr/>
         </p:nvPicPr>
-        <p:blipFill>
+        <p:blipFill rotWithShape="1">
           <a:blip r:embed="rId3">
             <a:alphaModFix/>
           </a:blip>
-          <a:stretch>
-            <a:fillRect/>
-          </a:stretch>
+          <a:srcRect b="-2499" l="0" r="0" t="2500"/>
+          <a:stretch/>
         </p:blipFill>
         <p:spPr>
           <a:xfrm>
-            <a:off x="4478025" y="856975"/>
-            <a:ext cx="4469126" cy="3999176"/>
+            <a:off x="4320075" y="1254200"/>
+            <a:ext cx="4469126" cy="3673926"/>
           </a:xfrm>
           <a:prstGeom prst="rect">
             <a:avLst/>
@@ -21078,8 +21250,8 @@
         </p:blipFill>
         <p:spPr>
           <a:xfrm>
-            <a:off x="185525" y="2183825"/>
-            <a:ext cx="4131849" cy="2800375"/>
+            <a:off x="0" y="4267100"/>
+            <a:ext cx="876401" cy="876399"/>
           </a:xfrm>
           <a:prstGeom prst="rect">
             <a:avLst/>
@@ -21098,34 +21270,6 @@
         </p:nvPicPr>
         <p:blipFill>
           <a:blip r:embed="rId5">
-            <a:alphaModFix/>
-          </a:blip>
-          <a:stretch>
-            <a:fillRect/>
-          </a:stretch>
-        </p:blipFill>
-        <p:spPr>
-          <a:xfrm>
-            <a:off x="0" y="4267100"/>
-            <a:ext cx="876401" cy="876399"/>
-          </a:xfrm>
-          <a:prstGeom prst="rect">
-            <a:avLst/>
-          </a:prstGeom>
-          <a:noFill/>
-          <a:ln>
-            <a:noFill/>
-          </a:ln>
-        </p:spPr>
-      </p:pic>
-      <p:pic>
-        <p:nvPicPr>
-          <p:cNvPr id="210" name="Google Shape;210;p24"/>
-          <p:cNvPicPr preferRelativeResize="0"/>
-          <p:nvPr/>
-        </p:nvPicPr>
-        <p:blipFill>
-          <a:blip r:embed="rId6">
             <a:alphaModFix/>
           </a:blip>
           <a:stretch>
@@ -21159,7 +21303,7 @@
   <p:cSld>
     <p:spTree>
       <p:nvGrpSpPr>
-        <p:cNvPr id="215" name="Shape 215"/>
+        <p:cNvPr id="214" name="Shape 214"/>
         <p:cNvGrpSpPr/>
         <p:nvPr/>
       </p:nvGrpSpPr>
@@ -21173,13 +21317,13 @@
       </p:grpSpPr>
       <p:sp>
         <p:nvSpPr>
-          <p:cNvPr id="216" name="Google Shape;216;p25"/>
+          <p:cNvPr id="215" name="Google Shape;215;p25"/>
           <p:cNvSpPr txBox="1"/>
           <p:nvPr/>
         </p:nvSpPr>
         <p:spPr>
           <a:xfrm>
-            <a:off x="963572" y="648851"/>
+            <a:off x="941647" y="1449163"/>
             <a:ext cx="2471100" cy="346200"/>
           </a:xfrm>
           <a:prstGeom prst="rect">
@@ -21239,14 +21383,14 @@
       </p:sp>
       <p:sp>
         <p:nvSpPr>
-          <p:cNvPr id="217" name="Google Shape;217;p25"/>
+          <p:cNvPr id="216" name="Google Shape;216;p25"/>
           <p:cNvSpPr txBox="1"/>
           <p:nvPr/>
         </p:nvSpPr>
         <p:spPr>
           <a:xfrm>
-            <a:off x="963575" y="1033750"/>
-            <a:ext cx="4127400" cy="346200"/>
+            <a:off x="941650" y="1795375"/>
+            <a:ext cx="3406500" cy="346200"/>
           </a:xfrm>
           <a:prstGeom prst="rect">
             <a:avLst/>
@@ -21289,7 +21433,7 @@
                 <a:cs typeface="Times New Roman"/>
                 <a:sym typeface="Times New Roman"/>
               </a:rPr>
-              <a:t>Correlation of Profit VS Discount and Sales</a:t>
+              <a:t>Sales in each City.</a:t>
             </a:r>
             <a:endParaRPr b="1" i="0" sz="1800" u="none" cap="none" strike="noStrike">
               <a:solidFill>
@@ -21305,7 +21449,7 @@
       </p:sp>
       <p:pic>
         <p:nvPicPr>
-          <p:cNvPr id="218" name="Google Shape;218;p25"/>
+          <p:cNvPr id="217" name="Google Shape;217;p25"/>
           <p:cNvPicPr preferRelativeResize="0"/>
           <p:nvPr/>
         </p:nvPicPr>
@@ -21319,8 +21463,36 @@
         </p:blipFill>
         <p:spPr>
           <a:xfrm>
-            <a:off x="4612100" y="1501999"/>
-            <a:ext cx="4127400" cy="3095550"/>
+            <a:off x="4478025" y="856975"/>
+            <a:ext cx="4469126" cy="3999176"/>
+          </a:xfrm>
+          <a:prstGeom prst="rect">
+            <a:avLst/>
+          </a:prstGeom>
+          <a:noFill/>
+          <a:ln>
+            <a:noFill/>
+          </a:ln>
+        </p:spPr>
+      </p:pic>
+      <p:pic>
+        <p:nvPicPr>
+          <p:cNvPr id="218" name="Google Shape;218;p25"/>
+          <p:cNvPicPr preferRelativeResize="0"/>
+          <p:nvPr/>
+        </p:nvPicPr>
+        <p:blipFill>
+          <a:blip r:embed="rId4">
+            <a:alphaModFix/>
+          </a:blip>
+          <a:stretch>
+            <a:fillRect/>
+          </a:stretch>
+        </p:blipFill>
+        <p:spPr>
+          <a:xfrm>
+            <a:off x="185525" y="2183825"/>
+            <a:ext cx="4131849" cy="2800375"/>
           </a:xfrm>
           <a:prstGeom prst="rect">
             <a:avLst/>
@@ -21338,7 +21510,7 @@
           <p:nvPr/>
         </p:nvPicPr>
         <p:blipFill>
-          <a:blip r:embed="rId4">
+          <a:blip r:embed="rId5">
             <a:alphaModFix/>
           </a:blip>
           <a:stretch>
@@ -21362,34 +21534,6 @@
       <p:pic>
         <p:nvPicPr>
           <p:cNvPr id="220" name="Google Shape;220;p25"/>
-          <p:cNvPicPr preferRelativeResize="0"/>
-          <p:nvPr/>
-        </p:nvPicPr>
-        <p:blipFill>
-          <a:blip r:embed="rId5">
-            <a:alphaModFix/>
-          </a:blip>
-          <a:stretch>
-            <a:fillRect/>
-          </a:stretch>
-        </p:blipFill>
-        <p:spPr>
-          <a:xfrm>
-            <a:off x="876400" y="1562350"/>
-            <a:ext cx="3842475" cy="2983700"/>
-          </a:xfrm>
-          <a:prstGeom prst="rect">
-            <a:avLst/>
-          </a:prstGeom>
-          <a:noFill/>
-          <a:ln>
-            <a:noFill/>
-          </a:ln>
-        </p:spPr>
-      </p:pic>
-      <p:pic>
-        <p:nvPicPr>
-          <p:cNvPr id="221" name="Google Shape;221;p25"/>
           <p:cNvPicPr preferRelativeResize="0"/>
           <p:nvPr/>
         </p:nvPicPr>
@@ -21428,7 +21572,7 @@
   <p:cSld>
     <p:spTree>
       <p:nvGrpSpPr>
-        <p:cNvPr id="226" name="Shape 226"/>
+        <p:cNvPr id="225" name="Shape 225"/>
         <p:cNvGrpSpPr/>
         <p:nvPr/>
       </p:nvGrpSpPr>
@@ -21442,7 +21586,7 @@
       </p:grpSpPr>
       <p:grpSp>
         <p:nvGrpSpPr>
-          <p:cNvPr id="227" name="Google Shape;227;p26"/>
+          <p:cNvPr id="226" name="Google Shape;226;p26"/>
           <p:cNvGrpSpPr/>
           <p:nvPr/>
         </p:nvGrpSpPr>
@@ -21456,7 +21600,7 @@
         </p:grpSpPr>
         <p:sp>
           <p:nvSpPr>
-            <p:cNvPr id="228" name="Google Shape;228;p26"/>
+            <p:cNvPr id="227" name="Google Shape;227;p26"/>
             <p:cNvSpPr/>
             <p:nvPr/>
           </p:nvSpPr>
@@ -21515,7 +21659,7 @@
         </p:sp>
         <p:grpSp>
           <p:nvGrpSpPr>
-            <p:cNvPr id="229" name="Google Shape;229;p26"/>
+            <p:cNvPr id="228" name="Google Shape;228;p26"/>
             <p:cNvGrpSpPr/>
             <p:nvPr/>
           </p:nvGrpSpPr>
@@ -21529,7 +21673,7 @@
           </p:grpSpPr>
           <p:sp>
             <p:nvSpPr>
-              <p:cNvPr id="230" name="Google Shape;230;p26"/>
+              <p:cNvPr id="229" name="Google Shape;229;p26"/>
               <p:cNvSpPr/>
               <p:nvPr/>
             </p:nvSpPr>
@@ -21588,7 +21732,7 @@
           </p:sp>
           <p:sp>
             <p:nvSpPr>
-              <p:cNvPr id="231" name="Google Shape;231;p26"/>
+              <p:cNvPr id="230" name="Google Shape;230;p26"/>
               <p:cNvSpPr/>
               <p:nvPr/>
             </p:nvSpPr>
@@ -21651,7 +21795,7 @@
           </p:sp>
           <p:sp>
             <p:nvSpPr>
-              <p:cNvPr id="232" name="Google Shape;232;p26"/>
+              <p:cNvPr id="231" name="Google Shape;231;p26"/>
               <p:cNvSpPr/>
               <p:nvPr/>
             </p:nvSpPr>
@@ -21712,7 +21856,7 @@
       </p:grpSp>
       <p:sp>
         <p:nvSpPr>
-          <p:cNvPr id="233" name="Google Shape;233;p26"/>
+          <p:cNvPr id="232" name="Google Shape;232;p26"/>
           <p:cNvSpPr txBox="1"/>
           <p:nvPr/>
         </p:nvSpPr>
@@ -21802,7 +21946,7 @@
       </p:sp>
       <p:sp>
         <p:nvSpPr>
-          <p:cNvPr id="234" name="Google Shape;234;p26"/>
+          <p:cNvPr id="233" name="Google Shape;233;p26"/>
           <p:cNvSpPr txBox="1"/>
           <p:nvPr/>
         </p:nvSpPr>
@@ -21880,7 +22024,7 @@
       </p:sp>
       <p:sp>
         <p:nvSpPr>
-          <p:cNvPr id="235" name="Google Shape;235;p26"/>
+          <p:cNvPr id="234" name="Google Shape;234;p26"/>
           <p:cNvSpPr txBox="1"/>
           <p:nvPr/>
         </p:nvSpPr>
@@ -21946,7 +22090,7 @@
       </p:sp>
       <p:sp>
         <p:nvSpPr>
-          <p:cNvPr id="236" name="Google Shape;236;p26"/>
+          <p:cNvPr id="235" name="Google Shape;235;p26"/>
           <p:cNvSpPr/>
           <p:nvPr/>
         </p:nvSpPr>
@@ -22012,7 +22156,7 @@
       </p:sp>
       <p:grpSp>
         <p:nvGrpSpPr>
-          <p:cNvPr id="237" name="Google Shape;237;p26"/>
+          <p:cNvPr id="236" name="Google Shape;236;p26"/>
           <p:cNvGrpSpPr/>
           <p:nvPr/>
         </p:nvGrpSpPr>
@@ -22026,7 +22170,7 @@
         </p:grpSpPr>
         <p:sp>
           <p:nvSpPr>
-            <p:cNvPr id="238" name="Google Shape;238;p26"/>
+            <p:cNvPr id="237" name="Google Shape;237;p26"/>
             <p:cNvSpPr/>
             <p:nvPr/>
           </p:nvSpPr>
@@ -22085,7 +22229,7 @@
         </p:sp>
         <p:cxnSp>
           <p:nvCxnSpPr>
-            <p:cNvPr id="239" name="Google Shape;239;p26"/>
+            <p:cNvPr id="238" name="Google Shape;238;p26"/>
             <p:cNvCxnSpPr/>
             <p:nvPr/>
           </p:nvCxnSpPr>
@@ -22112,7 +22256,7 @@
       </p:grpSp>
       <p:pic>
         <p:nvPicPr>
-          <p:cNvPr id="240" name="Google Shape;240;p26"/>
+          <p:cNvPr id="239" name="Google Shape;239;p26"/>
           <p:cNvPicPr preferRelativeResize="0"/>
           <p:nvPr/>
         </p:nvPicPr>
@@ -22140,7 +22284,7 @@
       </p:pic>
       <p:pic>
         <p:nvPicPr>
-          <p:cNvPr id="241" name="Google Shape;241;p26"/>
+          <p:cNvPr id="240" name="Google Shape;240;p26"/>
           <p:cNvPicPr preferRelativeResize="0"/>
           <p:nvPr/>
         </p:nvPicPr>
@@ -22204,13 +22348,86 @@
                                       <p:cBhvr>
                                         <p:cTn dur="4000" fill="hold"/>
                                         <p:tgtEl>
-                                          <p:spTgt spid="227"/>
+                                          <p:spTgt spid="226"/>
                                         </p:tgtEl>
                                         <p:attrNameLst>
                                           <p:attrName>r</p:attrName>
                                         </p:attrNameLst>
                                       </p:cBhvr>
                                     </p:animRot>
+                                  </p:childTnLst>
+                                </p:cTn>
+                              </p:par>
+                              <p:par>
+                                <p:cTn fill="hold" nodeType="withEffect" presetClass="entr" presetID="23" presetSubtype="16">
+                                  <p:stCondLst>
+                                    <p:cond delay="0"/>
+                                  </p:stCondLst>
+                                  <p:childTnLst>
+                                    <p:set>
+                                      <p:cBhvr>
+                                        <p:cTn dur="1" fill="hold">
+                                          <p:stCondLst>
+                                            <p:cond delay="0"/>
+                                          </p:stCondLst>
+                                        </p:cTn>
+                                        <p:tgtEl>
+                                          <p:spTgt spid="232"/>
+                                        </p:tgtEl>
+                                        <p:attrNameLst>
+                                          <p:attrName>style.visibility</p:attrName>
+                                        </p:attrNameLst>
+                                      </p:cBhvr>
+                                      <p:to>
+                                        <p:strVal val="visible"/>
+                                      </p:to>
+                                    </p:set>
+                                    <p:anim calcmode="lin" valueType="num">
+                                      <p:cBhvr additive="base">
+                                        <p:cTn dur="500"/>
+                                        <p:tgtEl>
+                                          <p:spTgt spid="232"/>
+                                        </p:tgtEl>
+                                        <p:attrNameLst>
+                                          <p:attrName>ppt_w</p:attrName>
+                                        </p:attrNameLst>
+                                      </p:cBhvr>
+                                      <p:tavLst>
+                                        <p:tav fmla="" tm="0">
+                                          <p:val>
+                                            <p:strVal val="0"/>
+                                          </p:val>
+                                        </p:tav>
+                                        <p:tav fmla="" tm="100000">
+                                          <p:val>
+                                            <p:strVal val="#ppt_w"/>
+                                          </p:val>
+                                        </p:tav>
+                                      </p:tavLst>
+                                    </p:anim>
+                                    <p:anim calcmode="lin" valueType="num">
+                                      <p:cBhvr additive="base">
+                                        <p:cTn dur="500"/>
+                                        <p:tgtEl>
+                                          <p:spTgt spid="232"/>
+                                        </p:tgtEl>
+                                        <p:attrNameLst>
+                                          <p:attrName>ppt_h</p:attrName>
+                                        </p:attrNameLst>
+                                      </p:cBhvr>
+                                      <p:tavLst>
+                                        <p:tav fmla="" tm="0">
+                                          <p:val>
+                                            <p:strVal val="0"/>
+                                          </p:val>
+                                        </p:tav>
+                                        <p:tav fmla="" tm="100000">
+                                          <p:val>
+                                            <p:strVal val="#ppt_h"/>
+                                          </p:val>
+                                        </p:tav>
+                                      </p:tavLst>
+                                    </p:anim>
                                   </p:childTnLst>
                                 </p:cTn>
                               </p:par>
@@ -22288,9 +22505,9 @@
                                 </p:cTn>
                               </p:par>
                               <p:par>
-                                <p:cTn fill="hold" nodeType="withEffect" presetClass="entr" presetID="23" presetSubtype="16">
+                                <p:cTn fill="hold" nodeType="withEffect" presetClass="entr" presetID="10" presetSubtype="0">
                                   <p:stCondLst>
-                                    <p:cond delay="0"/>
+                                    <p:cond delay="250"/>
                                   </p:stCondLst>
                                   <p:childTnLst>
                                     <p:set>
@@ -22311,52 +22528,14 @@
                                         <p:strVal val="visible"/>
                                       </p:to>
                                     </p:set>
-                                    <p:anim calcmode="lin" valueType="num">
-                                      <p:cBhvr additive="base">
+                                    <p:animEffect filter="fade" transition="in">
+                                      <p:cBhvr>
                                         <p:cTn dur="500"/>
                                         <p:tgtEl>
                                           <p:spTgt spid="234"/>
                                         </p:tgtEl>
-                                        <p:attrNameLst>
-                                          <p:attrName>ppt_w</p:attrName>
-                                        </p:attrNameLst>
                                       </p:cBhvr>
-                                      <p:tavLst>
-                                        <p:tav fmla="" tm="0">
-                                          <p:val>
-                                            <p:strVal val="0"/>
-                                          </p:val>
-                                        </p:tav>
-                                        <p:tav fmla="" tm="100000">
-                                          <p:val>
-                                            <p:strVal val="#ppt_w"/>
-                                          </p:val>
-                                        </p:tav>
-                                      </p:tavLst>
-                                    </p:anim>
-                                    <p:anim calcmode="lin" valueType="num">
-                                      <p:cBhvr additive="base">
-                                        <p:cTn dur="500"/>
-                                        <p:tgtEl>
-                                          <p:spTgt spid="234"/>
-                                        </p:tgtEl>
-                                        <p:attrNameLst>
-                                          <p:attrName>ppt_h</p:attrName>
-                                        </p:attrNameLst>
-                                      </p:cBhvr>
-                                      <p:tavLst>
-                                        <p:tav fmla="" tm="0">
-                                          <p:val>
-                                            <p:strVal val="0"/>
-                                          </p:val>
-                                        </p:tav>
-                                        <p:tav fmla="" tm="100000">
-                                          <p:val>
-                                            <p:strVal val="#ppt_h"/>
-                                          </p:val>
-                                        </p:tav>
-                                      </p:tavLst>
-                                    </p:anim>
+                                    </p:animEffect>
                                   </p:childTnLst>
                                 </p:cTn>
                               </p:par>
@@ -22398,7 +22577,7 @@
                               <p:par>
                                 <p:cTn fill="hold" nodeType="withEffect" presetClass="entr" presetID="10" presetSubtype="0">
                                   <p:stCondLst>
-                                    <p:cond delay="250"/>
+                                    <p:cond delay="0"/>
                                   </p:stCondLst>
                                   <p:childTnLst>
                                     <p:set>
@@ -22424,41 +22603,6 @@
                                         <p:cTn dur="500"/>
                                         <p:tgtEl>
                                           <p:spTgt spid="236"/>
-                                        </p:tgtEl>
-                                      </p:cBhvr>
-                                    </p:animEffect>
-                                  </p:childTnLst>
-                                </p:cTn>
-                              </p:par>
-                              <p:par>
-                                <p:cTn fill="hold" nodeType="withEffect" presetClass="entr" presetID="10" presetSubtype="0">
-                                  <p:stCondLst>
-                                    <p:cond delay="0"/>
-                                  </p:stCondLst>
-                                  <p:childTnLst>
-                                    <p:set>
-                                      <p:cBhvr>
-                                        <p:cTn dur="1" fill="hold">
-                                          <p:stCondLst>
-                                            <p:cond delay="0"/>
-                                          </p:stCondLst>
-                                        </p:cTn>
-                                        <p:tgtEl>
-                                          <p:spTgt spid="237"/>
-                                        </p:tgtEl>
-                                        <p:attrNameLst>
-                                          <p:attrName>style.visibility</p:attrName>
-                                        </p:attrNameLst>
-                                      </p:cBhvr>
-                                      <p:to>
-                                        <p:strVal val="visible"/>
-                                      </p:to>
-                                    </p:set>
-                                    <p:animEffect filter="fade" transition="in">
-                                      <p:cBhvr>
-                                        <p:cTn dur="500"/>
-                                        <p:tgtEl>
-                                          <p:spTgt spid="237"/>
                                         </p:tgtEl>
                                       </p:cBhvr>
                                     </p:animEffect>
@@ -22501,7 +22645,7 @@
   <p:cSld>
     <p:spTree>
       <p:nvGrpSpPr>
-        <p:cNvPr id="246" name="Shape 246"/>
+        <p:cNvPr id="245" name="Shape 245"/>
         <p:cNvGrpSpPr/>
         <p:nvPr/>
       </p:nvGrpSpPr>
@@ -22515,7 +22659,7 @@
       </p:grpSpPr>
       <p:sp>
         <p:nvSpPr>
-          <p:cNvPr id="247" name="Google Shape;247;p27"/>
+          <p:cNvPr id="246" name="Google Shape;246;p27"/>
           <p:cNvSpPr/>
           <p:nvPr/>
         </p:nvSpPr>
@@ -22636,7 +22780,7 @@
       </p:sp>
       <p:sp>
         <p:nvSpPr>
-          <p:cNvPr id="248" name="Google Shape;248;p27"/>
+          <p:cNvPr id="247" name="Google Shape;247;p27"/>
           <p:cNvSpPr txBox="1"/>
           <p:nvPr/>
         </p:nvSpPr>
@@ -22702,7 +22846,7 @@
       </p:sp>
       <p:sp>
         <p:nvSpPr>
-          <p:cNvPr id="249" name="Google Shape;249;p27"/>
+          <p:cNvPr id="248" name="Google Shape;248;p27"/>
           <p:cNvSpPr txBox="1"/>
           <p:nvPr/>
         </p:nvSpPr>
@@ -22768,7 +22912,7 @@
       </p:sp>
       <p:pic>
         <p:nvPicPr>
-          <p:cNvPr id="250" name="Google Shape;250;p27"/>
+          <p:cNvPr id="249" name="Google Shape;249;p27"/>
           <p:cNvPicPr preferRelativeResize="0"/>
           <p:nvPr/>
         </p:nvPicPr>
@@ -22796,7 +22940,7 @@
       </p:pic>
       <p:pic>
         <p:nvPicPr>
-          <p:cNvPr id="251" name="Google Shape;251;p27"/>
+          <p:cNvPr id="250" name="Google Shape;250;p27"/>
           <p:cNvPicPr preferRelativeResize="0"/>
           <p:nvPr/>
         </p:nvPicPr>
@@ -22823,7 +22967,7 @@
       </p:pic>
       <p:pic>
         <p:nvPicPr>
-          <p:cNvPr id="252" name="Google Shape;252;p27"/>
+          <p:cNvPr id="251" name="Google Shape;251;p27"/>
           <p:cNvPicPr preferRelativeResize="0"/>
           <p:nvPr/>
         </p:nvPicPr>
@@ -22851,7 +22995,7 @@
       </p:pic>
       <p:pic>
         <p:nvPicPr>
-          <p:cNvPr id="253" name="Google Shape;253;p27"/>
+          <p:cNvPr id="252" name="Google Shape;252;p27"/>
           <p:cNvPicPr preferRelativeResize="0"/>
           <p:nvPr/>
         </p:nvPicPr>
@@ -22879,7 +23023,7 @@
       </p:pic>
       <p:pic>
         <p:nvPicPr>
-          <p:cNvPr id="254" name="Google Shape;254;p27"/>
+          <p:cNvPr id="253" name="Google Shape;253;p27"/>
           <p:cNvPicPr preferRelativeResize="0"/>
           <p:nvPr/>
         </p:nvPicPr>
@@ -22907,7 +23051,7 @@
       </p:pic>
       <p:pic>
         <p:nvPicPr>
-          <p:cNvPr id="255" name="Google Shape;255;p27"/>
+          <p:cNvPr id="254" name="Google Shape;254;p27"/>
           <p:cNvPicPr preferRelativeResize="0"/>
           <p:nvPr/>
         </p:nvPicPr>
@@ -22935,7 +23079,7 @@
       </p:pic>
       <p:pic>
         <p:nvPicPr>
-          <p:cNvPr id="256" name="Google Shape;256;p27"/>
+          <p:cNvPr id="255" name="Google Shape;255;p27"/>
           <p:cNvPicPr preferRelativeResize="0"/>
           <p:nvPr/>
         </p:nvPicPr>
@@ -23003,7 +23147,7 @@
                                           </p:stCondLst>
                                         </p:cTn>
                                         <p:tgtEl>
-                                          <p:spTgt spid="247"/>
+                                          <p:spTgt spid="246"/>
                                         </p:tgtEl>
                                         <p:attrNameLst>
                                           <p:attrName>style.visibility</p:attrName>
@@ -23017,7 +23161,7 @@
                                       <p:cBhvr>
                                         <p:cTn dur="500"/>
                                         <p:tgtEl>
-                                          <p:spTgt spid="247"/>
+                                          <p:spTgt spid="246"/>
                                         </p:tgtEl>
                                       </p:cBhvr>
                                     </p:animEffect>
@@ -23060,7 +23204,7 @@
   <p:cSld>
     <p:spTree>
       <p:nvGrpSpPr>
-        <p:cNvPr id="261" name="Shape 261"/>
+        <p:cNvPr id="260" name="Shape 260"/>
         <p:cNvGrpSpPr/>
         <p:nvPr/>
       </p:nvGrpSpPr>
@@ -23074,7 +23218,7 @@
       </p:grpSpPr>
       <p:sp>
         <p:nvSpPr>
-          <p:cNvPr id="262" name="Google Shape;262;p28"/>
+          <p:cNvPr id="261" name="Google Shape;261;p28"/>
           <p:cNvSpPr/>
           <p:nvPr/>
         </p:nvSpPr>
@@ -23268,7 +23412,7 @@
       </p:sp>
       <p:sp>
         <p:nvSpPr>
-          <p:cNvPr id="263" name="Google Shape;263;p28"/>
+          <p:cNvPr id="262" name="Google Shape;262;p28"/>
           <p:cNvSpPr txBox="1"/>
           <p:nvPr/>
         </p:nvSpPr>
@@ -23334,7 +23478,7 @@
       </p:sp>
       <p:pic>
         <p:nvPicPr>
-          <p:cNvPr id="264" name="Google Shape;264;p28"/>
+          <p:cNvPr id="263" name="Google Shape;263;p28"/>
           <p:cNvPicPr preferRelativeResize="0"/>
           <p:nvPr/>
         </p:nvPicPr>
@@ -23362,7 +23506,7 @@
       </p:pic>
       <p:pic>
         <p:nvPicPr>
-          <p:cNvPr id="265" name="Google Shape;265;p28"/>
+          <p:cNvPr id="264" name="Google Shape;264;p28"/>
           <p:cNvPicPr preferRelativeResize="0"/>
           <p:nvPr/>
         </p:nvPicPr>
@@ -23430,7 +23574,7 @@
                                           </p:stCondLst>
                                         </p:cTn>
                                         <p:tgtEl>
-                                          <p:spTgt spid="262"/>
+                                          <p:spTgt spid="261"/>
                                         </p:tgtEl>
                                         <p:attrNameLst>
                                           <p:attrName>style.visibility</p:attrName>
@@ -23444,7 +23588,7 @@
                                       <p:cBhvr>
                                         <p:cTn dur="500"/>
                                         <p:tgtEl>
-                                          <p:spTgt spid="262"/>
+                                          <p:spTgt spid="261"/>
                                         </p:tgtEl>
                                       </p:cBhvr>
                                     </p:animEffect>
@@ -23487,7 +23631,7 @@
   <p:cSld>
     <p:spTree>
       <p:nvGrpSpPr>
-        <p:cNvPr id="270" name="Shape 270"/>
+        <p:cNvPr id="269" name="Shape 269"/>
         <p:cNvGrpSpPr/>
         <p:nvPr/>
       </p:nvGrpSpPr>
@@ -23501,13 +23645,79 @@
       </p:grpSpPr>
       <p:sp>
         <p:nvSpPr>
+          <p:cNvPr id="270" name="Google Shape;270;p29"/>
+          <p:cNvSpPr txBox="1"/>
+          <p:nvPr/>
+        </p:nvSpPr>
+        <p:spPr>
+          <a:xfrm>
+            <a:off x="517512" y="2009722"/>
+            <a:ext cx="3354300" cy="300000"/>
+          </a:xfrm>
+          <a:prstGeom prst="rect">
+            <a:avLst/>
+          </a:prstGeom>
+          <a:noFill/>
+          <a:ln>
+            <a:noFill/>
+          </a:ln>
+        </p:spPr>
+        <p:txBody>
+          <a:bodyPr anchorCtr="0" anchor="t" bIns="34275" lIns="68575" spcFirstLastPara="1" rIns="68575" wrap="square" tIns="34275">
+            <a:noAutofit/>
+          </a:bodyPr>
+          <a:lstStyle/>
+          <a:p>
+            <a:pPr indent="0" lvl="0" marL="0" marR="0" rtl="0" algn="just">
+              <a:lnSpc>
+                <a:spcPct val="100000"/>
+              </a:lnSpc>
+              <a:spcBef>
+                <a:spcPts val="0"/>
+              </a:spcBef>
+              <a:spcAft>
+                <a:spcPts val="0"/>
+              </a:spcAft>
+              <a:buClr>
+                <a:srgbClr val="000000"/>
+              </a:buClr>
+              <a:buSzPts val="1500"/>
+              <a:buFont typeface="Arial"/>
+              <a:buNone/>
+            </a:pPr>
+            <a:r>
+              <a:rPr b="1" lang="tr-TR" sz="1500">
+                <a:solidFill>
+                  <a:srgbClr val="C00000"/>
+                </a:solidFill>
+                <a:latin typeface="Century Gothic"/>
+                <a:ea typeface="Century Gothic"/>
+                <a:cs typeface="Century Gothic"/>
+                <a:sym typeface="Century Gothic"/>
+              </a:rPr>
+              <a:t>Featuers considered</a:t>
+            </a:r>
+            <a:endParaRPr b="1" i="0" sz="1500" u="none" cap="none" strike="noStrike">
+              <a:solidFill>
+                <a:srgbClr val="7F7F7F"/>
+              </a:solidFill>
+              <a:latin typeface="Century Gothic"/>
+              <a:ea typeface="Century Gothic"/>
+              <a:cs typeface="Century Gothic"/>
+              <a:sym typeface="Century Gothic"/>
+            </a:endParaRPr>
+          </a:p>
+        </p:txBody>
+      </p:sp>
+      <p:sp>
+        <p:nvSpPr>
           <p:cNvPr id="271" name="Google Shape;271;p29"/>
           <p:cNvSpPr/>
           <p:nvPr/>
         </p:nvSpPr>
         <p:spPr>
           <a:xfrm>
-            <a:off x="540600" y="2196800"/>
+            <a:off x="517500" y="3670825"/>
             <a:ext cx="7802100" cy="1590000"/>
           </a:xfrm>
           <a:prstGeom prst="rect">
@@ -23564,72 +23774,6 @@
             </a:endParaRPr>
           </a:p>
           <a:p>
-            <a:pPr indent="-330200" lvl="0" marL="457200" marR="0" rtl="0" algn="l">
-              <a:lnSpc>
-                <a:spcPct val="115000"/>
-              </a:lnSpc>
-              <a:spcBef>
-                <a:spcPts val="0"/>
-              </a:spcBef>
-              <a:spcAft>
-                <a:spcPts val="0"/>
-              </a:spcAft>
-              <a:buClr>
-                <a:schemeClr val="dk1"/>
-              </a:buClr>
-              <a:buSzPts val="1600"/>
-              <a:buFont typeface="Times New Roman"/>
-              <a:buChar char="●"/>
-            </a:pPr>
-            <a:r>
-              <a:rPr lang="tr-TR" sz="1600">
-                <a:solidFill>
-                  <a:schemeClr val="dk1"/>
-                </a:solidFill>
-                <a:latin typeface="Times New Roman"/>
-                <a:ea typeface="Times New Roman"/>
-                <a:cs typeface="Times New Roman"/>
-                <a:sym typeface="Times New Roman"/>
-              </a:rPr>
-              <a:t>We have dropped few features which add little to no value to the model.</a:t>
-            </a:r>
-            <a:endParaRPr sz="1600">
-              <a:solidFill>
-                <a:schemeClr val="dk1"/>
-              </a:solidFill>
-              <a:latin typeface="Times New Roman"/>
-              <a:ea typeface="Times New Roman"/>
-              <a:cs typeface="Times New Roman"/>
-              <a:sym typeface="Times New Roman"/>
-            </a:endParaRPr>
-          </a:p>
-          <a:p>
-            <a:pPr indent="0" lvl="0" marL="457200" rtl="0" algn="l">
-              <a:lnSpc>
-                <a:spcPct val="115000"/>
-              </a:lnSpc>
-              <a:spcBef>
-                <a:spcPts val="1200"/>
-              </a:spcBef>
-              <a:spcAft>
-                <a:spcPts val="0"/>
-              </a:spcAft>
-              <a:buNone/>
-            </a:pPr>
-            <a:r>
-              <a:t/>
-            </a:r>
-            <a:endParaRPr sz="1600">
-              <a:solidFill>
-                <a:schemeClr val="dk1"/>
-              </a:solidFill>
-              <a:latin typeface="Times New Roman"/>
-              <a:ea typeface="Times New Roman"/>
-              <a:cs typeface="Times New Roman"/>
-              <a:sym typeface="Times New Roman"/>
-            </a:endParaRPr>
-          </a:p>
-          <a:p>
             <a:pPr indent="0" lvl="0" marL="457200" marR="0" rtl="0" algn="just">
               <a:lnSpc>
                 <a:spcPct val="150000"/>
@@ -23657,15 +23801,115 @@
           </a:p>
         </p:txBody>
       </p:sp>
+      <p:grpSp>
+        <p:nvGrpSpPr>
+          <p:cNvPr id="272" name="Google Shape;272;p29"/>
+          <p:cNvGrpSpPr/>
+          <p:nvPr/>
+        </p:nvGrpSpPr>
+        <p:grpSpPr>
+          <a:xfrm>
+            <a:off x="629399" y="2402152"/>
+            <a:ext cx="3340219" cy="34200"/>
+            <a:chOff x="5029200" y="2769580"/>
+            <a:chExt cx="4453625" cy="45600"/>
+          </a:xfrm>
+        </p:grpSpPr>
+        <p:sp>
+          <p:nvSpPr>
+            <p:cNvPr id="273" name="Google Shape;273;p29"/>
+            <p:cNvSpPr/>
+            <p:nvPr/>
+          </p:nvSpPr>
+          <p:spPr>
+            <a:xfrm>
+              <a:off x="5029200" y="2769580"/>
+              <a:ext cx="723900" cy="45600"/>
+            </a:xfrm>
+            <a:prstGeom prst="rect">
+              <a:avLst/>
+            </a:prstGeom>
+            <a:solidFill>
+              <a:srgbClr val="C00000"/>
+            </a:solidFill>
+            <a:ln>
+              <a:noFill/>
+            </a:ln>
+          </p:spPr>
+          <p:txBody>
+            <a:bodyPr anchorCtr="0" anchor="ctr" bIns="45700" lIns="91425" spcFirstLastPara="1" rIns="91425" wrap="square" tIns="45700">
+              <a:noAutofit/>
+            </a:bodyPr>
+            <a:lstStyle/>
+            <a:p>
+              <a:pPr indent="0" lvl="0" marL="0" marR="0" rtl="0" algn="ctr">
+                <a:lnSpc>
+                  <a:spcPct val="100000"/>
+                </a:lnSpc>
+                <a:spcBef>
+                  <a:spcPts val="0"/>
+                </a:spcBef>
+                <a:spcAft>
+                  <a:spcPts val="0"/>
+                </a:spcAft>
+                <a:buClr>
+                  <a:srgbClr val="000000"/>
+                </a:buClr>
+                <a:buSzPts val="1400"/>
+                <a:buFont typeface="Arial"/>
+                <a:buNone/>
+              </a:pPr>
+              <a:r>
+                <a:t/>
+              </a:r>
+              <a:endParaRPr b="0" i="0" sz="1400" u="none" cap="none" strike="noStrike">
+                <a:solidFill>
+                  <a:schemeClr val="lt1"/>
+                </a:solidFill>
+                <a:latin typeface="Century Gothic"/>
+                <a:ea typeface="Century Gothic"/>
+                <a:cs typeface="Century Gothic"/>
+                <a:sym typeface="Century Gothic"/>
+              </a:endParaRPr>
+            </a:p>
+          </p:txBody>
+        </p:sp>
+        <p:cxnSp>
+          <p:nvCxnSpPr>
+            <p:cNvPr id="274" name="Google Shape;274;p29"/>
+            <p:cNvCxnSpPr/>
+            <p:nvPr/>
+          </p:nvCxnSpPr>
+          <p:spPr>
+            <a:xfrm>
+              <a:off x="5711825" y="2792439"/>
+              <a:ext cx="3771000" cy="0"/>
+            </a:xfrm>
+            <a:prstGeom prst="straightConnector1">
+              <a:avLst/>
+            </a:prstGeom>
+            <a:noFill/>
+            <a:ln cap="flat" cmpd="sng" w="9525">
+              <a:solidFill>
+                <a:srgbClr val="C00000"/>
+              </a:solidFill>
+              <a:prstDash val="solid"/>
+              <a:miter lim="800000"/>
+              <a:headEnd len="sm" w="sm" type="none"/>
+              <a:tailEnd len="sm" w="sm" type="none"/>
+            </a:ln>
+          </p:spPr>
+        </p:cxnSp>
+      </p:grpSp>
       <p:sp>
         <p:nvSpPr>
-          <p:cNvPr id="272" name="Google Shape;272;p29"/>
+          <p:cNvPr id="275" name="Google Shape;275;p29"/>
           <p:cNvSpPr txBox="1"/>
           <p:nvPr/>
         </p:nvSpPr>
         <p:spPr>
           <a:xfrm>
-            <a:off x="876397" y="1564264"/>
+            <a:off x="864572" y="1194389"/>
             <a:ext cx="2471100" cy="346200"/>
           </a:xfrm>
           <a:prstGeom prst="rect">
@@ -23709,7 +23953,7 @@
                 <a:cs typeface="Times New Roman"/>
                 <a:sym typeface="Times New Roman"/>
               </a:rPr>
-              <a:t>Data Pre-processing</a:t>
+              <a:t>Modeling</a:t>
             </a:r>
             <a:endParaRPr b="1" i="0" sz="1800" u="none" cap="none" strike="noStrike">
               <a:solidFill>
@@ -23725,12 +23969,106 @@
       </p:sp>
       <p:pic>
         <p:nvPicPr>
-          <p:cNvPr id="273" name="Google Shape;273;p29"/>
+          <p:cNvPr id="276" name="Google Shape;276;p29"/>
           <p:cNvPicPr preferRelativeResize="0"/>
           <p:nvPr/>
         </p:nvPicPr>
         <p:blipFill>
           <a:blip r:embed="rId3">
+            <a:alphaModFix/>
+          </a:blip>
+          <a:stretch>
+            <a:fillRect/>
+          </a:stretch>
+        </p:blipFill>
+        <p:spPr>
+          <a:xfrm>
+            <a:off x="0" y="2009724"/>
+            <a:ext cx="9143999" cy="1438425"/>
+          </a:xfrm>
+          <a:prstGeom prst="rect">
+            <a:avLst/>
+          </a:prstGeom>
+          <a:noFill/>
+          <a:ln>
+            <a:noFill/>
+          </a:ln>
+        </p:spPr>
+      </p:pic>
+      <p:sp>
+        <p:nvSpPr>
+          <p:cNvPr id="277" name="Google Shape;277;p29"/>
+          <p:cNvSpPr txBox="1"/>
+          <p:nvPr/>
+        </p:nvSpPr>
+        <p:spPr>
+          <a:xfrm>
+            <a:off x="864572" y="1602064"/>
+            <a:ext cx="2471100" cy="346200"/>
+          </a:xfrm>
+          <a:prstGeom prst="rect">
+            <a:avLst/>
+          </a:prstGeom>
+          <a:noFill/>
+          <a:ln>
+            <a:noFill/>
+          </a:ln>
+        </p:spPr>
+        <p:txBody>
+          <a:bodyPr anchorCtr="0" anchor="t" bIns="34275" lIns="68575" spcFirstLastPara="1" rIns="68575" wrap="square" tIns="34275">
+            <a:noAutofit/>
+          </a:bodyPr>
+          <a:lstStyle/>
+          <a:p>
+            <a:pPr indent="0" lvl="0" marL="0" marR="0" rtl="0" algn="just">
+              <a:lnSpc>
+                <a:spcPct val="100000"/>
+              </a:lnSpc>
+              <a:spcBef>
+                <a:spcPts val="0"/>
+              </a:spcBef>
+              <a:spcAft>
+                <a:spcPts val="0"/>
+              </a:spcAft>
+              <a:buClr>
+                <a:srgbClr val="000000"/>
+              </a:buClr>
+              <a:buSzPts val="1800"/>
+              <a:buFont typeface="Arial"/>
+              <a:buNone/>
+            </a:pPr>
+            <a:r>
+              <a:rPr b="1" lang="tr-TR" sz="1800">
+                <a:solidFill>
+                  <a:srgbClr val="C00000"/>
+                </a:solidFill>
+                <a:latin typeface="Times New Roman"/>
+                <a:ea typeface="Times New Roman"/>
+                <a:cs typeface="Times New Roman"/>
+                <a:sym typeface="Times New Roman"/>
+              </a:rPr>
+              <a:t>Feature Encoding</a:t>
+            </a:r>
+            <a:endParaRPr b="1" i="0" sz="1800" u="none" cap="none" strike="noStrike">
+              <a:solidFill>
+                <a:srgbClr val="C00000"/>
+              </a:solidFill>
+              <a:latin typeface="Times New Roman"/>
+              <a:ea typeface="Times New Roman"/>
+              <a:cs typeface="Times New Roman"/>
+              <a:sym typeface="Times New Roman"/>
+            </a:endParaRPr>
+          </a:p>
+        </p:txBody>
+      </p:sp>
+      <p:pic>
+        <p:nvPicPr>
+          <p:cNvPr id="278" name="Google Shape;278;p29"/>
+          <p:cNvPicPr preferRelativeResize="0"/>
+          <p:nvPr/>
+        </p:nvPicPr>
+        <p:blipFill>
+          <a:blip r:embed="rId4">
             <a:alphaModFix/>
           </a:blip>
           <a:stretch>
@@ -23753,12 +24091,12 @@
       </p:pic>
       <p:pic>
         <p:nvPicPr>
-          <p:cNvPr id="274" name="Google Shape;274;p29"/>
+          <p:cNvPr id="279" name="Google Shape;279;p29"/>
           <p:cNvPicPr preferRelativeResize="0"/>
           <p:nvPr/>
         </p:nvPicPr>
         <p:blipFill>
-          <a:blip r:embed="rId4">
+          <a:blip r:embed="rId5">
             <a:alphaModFix/>
           </a:blip>
           <a:stretch>
@@ -23792,7 +24130,7 @@
   <p:cSld>
     <p:spTree>
       <p:nvGrpSpPr>
-        <p:cNvPr id="279" name="Shape 279"/>
+        <p:cNvPr id="284" name="Shape 284"/>
         <p:cNvGrpSpPr/>
         <p:nvPr/>
       </p:nvGrpSpPr>
@@ -23806,14 +24144,14 @@
       </p:grpSpPr>
       <p:sp>
         <p:nvSpPr>
-          <p:cNvPr id="280" name="Google Shape;280;p30"/>
+          <p:cNvPr id="285" name="Google Shape;285;p30"/>
           <p:cNvSpPr txBox="1"/>
           <p:nvPr/>
         </p:nvSpPr>
         <p:spPr>
           <a:xfrm>
-            <a:off x="1035375" y="1821500"/>
-            <a:ext cx="5058300" cy="300000"/>
+            <a:off x="819637" y="1765522"/>
+            <a:ext cx="3354300" cy="300000"/>
           </a:xfrm>
           <a:prstGeom prst="rect">
             <a:avLst/>
@@ -23847,7 +24185,7 @@
               <a:buNone/>
             </a:pPr>
             <a:r>
-              <a:rPr b="1" lang="tr-TR" sz="1800">
+              <a:rPr b="1" lang="tr-TR" sz="1700">
                 <a:solidFill>
                   <a:srgbClr val="C00000"/>
                 </a:solidFill>
@@ -23856,9 +24194,9 @@
                 <a:cs typeface="Times New Roman"/>
                 <a:sym typeface="Times New Roman"/>
               </a:rPr>
-              <a:t>Splitting the data for training and testing</a:t>
+              <a:t>Features dropped</a:t>
             </a:r>
-            <a:endParaRPr b="1" i="0" sz="1800" u="none" cap="none" strike="noStrike">
+            <a:endParaRPr b="1" i="0" sz="1700" u="none" cap="none" strike="noStrike">
               <a:solidFill>
                 <a:srgbClr val="7F7F7F"/>
               </a:solidFill>
@@ -23872,13 +24210,13 @@
       </p:sp>
       <p:sp>
         <p:nvSpPr>
-          <p:cNvPr id="281" name="Google Shape;281;p30"/>
+          <p:cNvPr id="286" name="Google Shape;286;p30"/>
           <p:cNvSpPr/>
           <p:nvPr/>
         </p:nvSpPr>
         <p:spPr>
           <a:xfrm>
-            <a:off x="335500" y="2444125"/>
+            <a:off x="88000" y="3784500"/>
             <a:ext cx="7802100" cy="645000"/>
           </a:xfrm>
           <a:prstGeom prst="rect">
@@ -23895,7 +24233,7 @@
           </a:bodyPr>
           <a:lstStyle/>
           <a:p>
-            <a:pPr indent="-330200" lvl="0" marL="457200" marR="0" rtl="0" algn="just">
+            <a:pPr indent="-298450" lvl="0" marL="457200" marR="0" rtl="0" algn="just">
               <a:lnSpc>
                 <a:spcPct val="150000"/>
               </a:lnSpc>
@@ -23906,10 +24244,10 @@
                 <a:spcPts val="0"/>
               </a:spcAft>
               <a:buClr>
-                <a:schemeClr val="dk1"/>
-              </a:buClr>
-              <a:buSzPts val="1600"/>
-              <a:buFont typeface="Times New Roman"/>
+                <a:srgbClr val="595959"/>
+              </a:buClr>
+              <a:buSzPts val="1100"/>
+              <a:buFont typeface="Century Gothic"/>
               <a:buChar char="●"/>
             </a:pPr>
             <a:r>
@@ -23922,7 +24260,7 @@
                 <a:cs typeface="Times New Roman"/>
                 <a:sym typeface="Times New Roman"/>
               </a:rPr>
-              <a:t>We have split the data in the ratio of 70 to 30. </a:t>
+              <a:t>We have dropped few features which add little to no value to the model.</a:t>
             </a:r>
             <a:endParaRPr sz="1600">
               <a:solidFill>
@@ -23981,27 +24319,127 @@
             <a:r>
               <a:t/>
             </a:r>
-            <a:endParaRPr i="0" sz="1600" u="none" cap="none" strike="noStrike">
+            <a:endParaRPr b="0" i="0" sz="1100" u="none" cap="none" strike="noStrike">
               <a:solidFill>
-                <a:schemeClr val="dk1"/>
+                <a:srgbClr val="595959"/>
               </a:solidFill>
-              <a:latin typeface="Times New Roman"/>
-              <a:ea typeface="Times New Roman"/>
-              <a:cs typeface="Times New Roman"/>
-              <a:sym typeface="Times New Roman"/>
+              <a:latin typeface="Century Gothic"/>
+              <a:ea typeface="Century Gothic"/>
+              <a:cs typeface="Century Gothic"/>
+              <a:sym typeface="Century Gothic"/>
             </a:endParaRPr>
           </a:p>
         </p:txBody>
       </p:sp>
+      <p:grpSp>
+        <p:nvGrpSpPr>
+          <p:cNvPr id="287" name="Google Shape;287;p30"/>
+          <p:cNvGrpSpPr/>
+          <p:nvPr/>
+        </p:nvGrpSpPr>
+        <p:grpSpPr>
+          <a:xfrm>
+            <a:off x="199474" y="3640552"/>
+            <a:ext cx="3340219" cy="34289"/>
+            <a:chOff x="5029200" y="2769580"/>
+            <a:chExt cx="4453625" cy="45719"/>
+          </a:xfrm>
+        </p:grpSpPr>
+        <p:sp>
+          <p:nvSpPr>
+            <p:cNvPr id="288" name="Google Shape;288;p30"/>
+            <p:cNvSpPr/>
+            <p:nvPr/>
+          </p:nvSpPr>
+          <p:spPr>
+            <a:xfrm>
+              <a:off x="5029200" y="2769580"/>
+              <a:ext cx="723900" cy="45719"/>
+            </a:xfrm>
+            <a:prstGeom prst="rect">
+              <a:avLst/>
+            </a:prstGeom>
+            <a:solidFill>
+              <a:srgbClr val="C00000"/>
+            </a:solidFill>
+            <a:ln>
+              <a:noFill/>
+            </a:ln>
+          </p:spPr>
+          <p:txBody>
+            <a:bodyPr anchorCtr="0" anchor="ctr" bIns="45700" lIns="91425" spcFirstLastPara="1" rIns="91425" wrap="square" tIns="45700">
+              <a:noAutofit/>
+            </a:bodyPr>
+            <a:lstStyle/>
+            <a:p>
+              <a:pPr indent="0" lvl="0" marL="0" marR="0" rtl="0" algn="ctr">
+                <a:lnSpc>
+                  <a:spcPct val="100000"/>
+                </a:lnSpc>
+                <a:spcBef>
+                  <a:spcPts val="0"/>
+                </a:spcBef>
+                <a:spcAft>
+                  <a:spcPts val="0"/>
+                </a:spcAft>
+                <a:buClr>
+                  <a:srgbClr val="000000"/>
+                </a:buClr>
+                <a:buSzPts val="1400"/>
+                <a:buFont typeface="Arial"/>
+                <a:buNone/>
+              </a:pPr>
+              <a:r>
+                <a:t/>
+              </a:r>
+              <a:endParaRPr b="0" i="0" sz="1400" u="none" cap="none" strike="noStrike">
+                <a:solidFill>
+                  <a:schemeClr val="lt1"/>
+                </a:solidFill>
+                <a:latin typeface="Century Gothic"/>
+                <a:ea typeface="Century Gothic"/>
+                <a:cs typeface="Century Gothic"/>
+                <a:sym typeface="Century Gothic"/>
+              </a:endParaRPr>
+            </a:p>
+          </p:txBody>
+        </p:sp>
+        <p:cxnSp>
+          <p:nvCxnSpPr>
+            <p:cNvPr id="289" name="Google Shape;289;p30"/>
+            <p:cNvCxnSpPr/>
+            <p:nvPr/>
+          </p:nvCxnSpPr>
+          <p:spPr>
+            <a:xfrm>
+              <a:off x="5711825" y="2792439"/>
+              <a:ext cx="3771000" cy="0"/>
+            </a:xfrm>
+            <a:prstGeom prst="straightConnector1">
+              <a:avLst/>
+            </a:prstGeom>
+            <a:noFill/>
+            <a:ln cap="flat" cmpd="sng" w="9525">
+              <a:solidFill>
+                <a:srgbClr val="C00000"/>
+              </a:solidFill>
+              <a:prstDash val="solid"/>
+              <a:miter lim="800000"/>
+              <a:headEnd len="sm" w="sm" type="none"/>
+              <a:tailEnd len="sm" w="sm" type="none"/>
+            </a:ln>
+          </p:spPr>
+        </p:cxnSp>
+      </p:grpSp>
       <p:sp>
         <p:nvSpPr>
-          <p:cNvPr id="282" name="Google Shape;282;p30"/>
+          <p:cNvPr id="290" name="Google Shape;290;p30"/>
           <p:cNvSpPr txBox="1"/>
           <p:nvPr/>
         </p:nvSpPr>
         <p:spPr>
           <a:xfrm>
-            <a:off x="1035372" y="1392501"/>
+            <a:off x="819622" y="1327026"/>
             <a:ext cx="2471100" cy="346200"/>
           </a:xfrm>
           <a:prstGeom prst="rect">
@@ -24061,12 +24499,40 @@
       </p:sp>
       <p:pic>
         <p:nvPicPr>
-          <p:cNvPr id="283" name="Google Shape;283;p30"/>
+          <p:cNvPr id="291" name="Google Shape;291;p30"/>
           <p:cNvPicPr preferRelativeResize="0"/>
           <p:nvPr/>
         </p:nvPicPr>
         <p:blipFill>
           <a:blip r:embed="rId3">
+            <a:alphaModFix/>
+          </a:blip>
+          <a:stretch>
+            <a:fillRect/>
+          </a:stretch>
+        </p:blipFill>
+        <p:spPr>
+          <a:xfrm>
+            <a:off x="199475" y="2226823"/>
+            <a:ext cx="8368701" cy="1098975"/>
+          </a:xfrm>
+          <a:prstGeom prst="rect">
+            <a:avLst/>
+          </a:prstGeom>
+          <a:noFill/>
+          <a:ln>
+            <a:noFill/>
+          </a:ln>
+        </p:spPr>
+      </p:pic>
+      <p:pic>
+        <p:nvPicPr>
+          <p:cNvPr id="292" name="Google Shape;292;p30"/>
+          <p:cNvPicPr preferRelativeResize="0"/>
+          <p:nvPr/>
+        </p:nvPicPr>
+        <p:blipFill>
+          <a:blip r:embed="rId4">
             <a:alphaModFix/>
           </a:blip>
           <a:stretch>
@@ -24089,12 +24555,12 @@
       </p:pic>
       <p:pic>
         <p:nvPicPr>
-          <p:cNvPr id="284" name="Google Shape;284;p30"/>
+          <p:cNvPr id="293" name="Google Shape;293;p30"/>
           <p:cNvPicPr preferRelativeResize="0"/>
           <p:nvPr/>
         </p:nvPicPr>
         <p:blipFill>
-          <a:blip r:embed="rId4">
+          <a:blip r:embed="rId5">
             <a:alphaModFix/>
           </a:blip>
           <a:stretch>
@@ -24103,7 +24569,7 @@
         </p:blipFill>
         <p:spPr>
           <a:xfrm>
-            <a:off x="0" y="8050"/>
+            <a:off x="0" y="0"/>
             <a:ext cx="9144001" cy="1716500"/>
           </a:xfrm>
           <a:prstGeom prst="rect">
@@ -24128,7 +24594,7 @@
   <p:cSld>
     <p:spTree>
       <p:nvGrpSpPr>
-        <p:cNvPr id="289" name="Shape 289"/>
+        <p:cNvPr id="298" name="Shape 298"/>
         <p:cNvGrpSpPr/>
         <p:nvPr/>
       </p:nvGrpSpPr>
@@ -24142,7 +24608,7 @@
       </p:grpSpPr>
       <p:sp>
         <p:nvSpPr>
-          <p:cNvPr id="290" name="Google Shape;290;p31"/>
+          <p:cNvPr id="299" name="Google Shape;299;p31"/>
           <p:cNvSpPr txBox="1"/>
           <p:nvPr/>
         </p:nvSpPr>
@@ -24208,14 +24674,14 @@
       </p:sp>
       <p:sp>
         <p:nvSpPr>
-          <p:cNvPr id="291" name="Google Shape;291;p31"/>
+          <p:cNvPr id="300" name="Google Shape;300;p31"/>
           <p:cNvSpPr/>
           <p:nvPr/>
         </p:nvSpPr>
         <p:spPr>
           <a:xfrm>
-            <a:off x="1097025" y="4267100"/>
-            <a:ext cx="6784200" cy="645000"/>
+            <a:off x="88025" y="3801975"/>
+            <a:ext cx="7802100" cy="645000"/>
           </a:xfrm>
           <a:prstGeom prst="rect">
             <a:avLst/>
@@ -24341,9 +24807,109 @@
           </a:p>
         </p:txBody>
       </p:sp>
+      <p:grpSp>
+        <p:nvGrpSpPr>
+          <p:cNvPr id="301" name="Google Shape;301;p31"/>
+          <p:cNvGrpSpPr/>
+          <p:nvPr/>
+        </p:nvGrpSpPr>
+        <p:grpSpPr>
+          <a:xfrm>
+            <a:off x="249449" y="3576590"/>
+            <a:ext cx="3340219" cy="34200"/>
+            <a:chOff x="5029200" y="2769580"/>
+            <a:chExt cx="4453625" cy="45600"/>
+          </a:xfrm>
+        </p:grpSpPr>
+        <p:sp>
+          <p:nvSpPr>
+            <p:cNvPr id="302" name="Google Shape;302;p31"/>
+            <p:cNvSpPr/>
+            <p:nvPr/>
+          </p:nvSpPr>
+          <p:spPr>
+            <a:xfrm>
+              <a:off x="5029200" y="2769580"/>
+              <a:ext cx="723900" cy="45600"/>
+            </a:xfrm>
+            <a:prstGeom prst="rect">
+              <a:avLst/>
+            </a:prstGeom>
+            <a:solidFill>
+              <a:srgbClr val="C00000"/>
+            </a:solidFill>
+            <a:ln>
+              <a:noFill/>
+            </a:ln>
+          </p:spPr>
+          <p:txBody>
+            <a:bodyPr anchorCtr="0" anchor="ctr" bIns="45700" lIns="91425" spcFirstLastPara="1" rIns="91425" wrap="square" tIns="45700">
+              <a:noAutofit/>
+            </a:bodyPr>
+            <a:lstStyle/>
+            <a:p>
+              <a:pPr indent="0" lvl="0" marL="0" marR="0" rtl="0" algn="ctr">
+                <a:lnSpc>
+                  <a:spcPct val="100000"/>
+                </a:lnSpc>
+                <a:spcBef>
+                  <a:spcPts val="0"/>
+                </a:spcBef>
+                <a:spcAft>
+                  <a:spcPts val="0"/>
+                </a:spcAft>
+                <a:buClr>
+                  <a:srgbClr val="000000"/>
+                </a:buClr>
+                <a:buSzPts val="1400"/>
+                <a:buFont typeface="Arial"/>
+                <a:buNone/>
+              </a:pPr>
+              <a:r>
+                <a:t/>
+              </a:r>
+              <a:endParaRPr b="0" i="0" sz="1400" u="none" cap="none" strike="noStrike">
+                <a:solidFill>
+                  <a:schemeClr val="lt1"/>
+                </a:solidFill>
+                <a:latin typeface="Century Gothic"/>
+                <a:ea typeface="Century Gothic"/>
+                <a:cs typeface="Century Gothic"/>
+                <a:sym typeface="Century Gothic"/>
+              </a:endParaRPr>
+            </a:p>
+          </p:txBody>
+        </p:sp>
+        <p:cxnSp>
+          <p:nvCxnSpPr>
+            <p:cNvPr id="303" name="Google Shape;303;p31"/>
+            <p:cNvCxnSpPr/>
+            <p:nvPr/>
+          </p:nvCxnSpPr>
+          <p:spPr>
+            <a:xfrm>
+              <a:off x="5711825" y="2792439"/>
+              <a:ext cx="3771000" cy="0"/>
+            </a:xfrm>
+            <a:prstGeom prst="straightConnector1">
+              <a:avLst/>
+            </a:prstGeom>
+            <a:noFill/>
+            <a:ln cap="flat" cmpd="sng" w="9525">
+              <a:solidFill>
+                <a:srgbClr val="C00000"/>
+              </a:solidFill>
+              <a:prstDash val="solid"/>
+              <a:miter lim="800000"/>
+              <a:headEnd len="sm" w="sm" type="none"/>
+              <a:tailEnd len="sm" w="sm" type="none"/>
+            </a:ln>
+          </p:spPr>
+        </p:cxnSp>
+      </p:grpSp>
       <p:sp>
         <p:nvSpPr>
-          <p:cNvPr id="292" name="Google Shape;292;p31"/>
+          <p:cNvPr id="304" name="Google Shape;304;p31"/>
           <p:cNvSpPr txBox="1"/>
           <p:nvPr/>
         </p:nvSpPr>
@@ -24409,12 +24975,40 @@
       </p:sp>
       <p:pic>
         <p:nvPicPr>
-          <p:cNvPr id="293" name="Google Shape;293;p31"/>
+          <p:cNvPr id="305" name="Google Shape;305;p31"/>
           <p:cNvPicPr preferRelativeResize="0"/>
           <p:nvPr/>
         </p:nvPicPr>
         <p:blipFill>
           <a:blip r:embed="rId3">
+            <a:alphaModFix/>
+          </a:blip>
+          <a:stretch>
+            <a:fillRect/>
+          </a:stretch>
+        </p:blipFill>
+        <p:spPr>
+          <a:xfrm>
+            <a:off x="182375" y="2067750"/>
+            <a:ext cx="8032387" cy="1392975"/>
+          </a:xfrm>
+          <a:prstGeom prst="rect">
+            <a:avLst/>
+          </a:prstGeom>
+          <a:noFill/>
+          <a:ln>
+            <a:noFill/>
+          </a:ln>
+        </p:spPr>
+      </p:pic>
+      <p:pic>
+        <p:nvPicPr>
+          <p:cNvPr id="306" name="Google Shape;306;p31"/>
+          <p:cNvPicPr preferRelativeResize="0"/>
+          <p:nvPr/>
+        </p:nvPicPr>
+        <p:blipFill>
+          <a:blip r:embed="rId4">
             <a:alphaModFix/>
           </a:blip>
           <a:stretch>
@@ -24437,35 +25031,7 @@
       </p:pic>
       <p:pic>
         <p:nvPicPr>
-          <p:cNvPr id="294" name="Google Shape;294;p31"/>
-          <p:cNvPicPr preferRelativeResize="0"/>
-          <p:nvPr/>
-        </p:nvPicPr>
-        <p:blipFill>
-          <a:blip r:embed="rId4">
-            <a:alphaModFix/>
-          </a:blip>
-          <a:stretch>
-            <a:fillRect/>
-          </a:stretch>
-        </p:blipFill>
-        <p:spPr>
-          <a:xfrm>
-            <a:off x="0" y="0"/>
-            <a:ext cx="9144001" cy="1716500"/>
-          </a:xfrm>
-          <a:prstGeom prst="rect">
-            <a:avLst/>
-          </a:prstGeom>
-          <a:noFill/>
-          <a:ln>
-            <a:noFill/>
-          </a:ln>
-        </p:spPr>
-      </p:pic>
-      <p:pic>
-        <p:nvPicPr>
-          <p:cNvPr id="295" name="Google Shape;295;p31"/>
+          <p:cNvPr id="307" name="Google Shape;307;p31"/>
           <p:cNvPicPr preferRelativeResize="0"/>
           <p:nvPr/>
         </p:nvPicPr>
@@ -24479,8 +25045,8 @@
         </p:blipFill>
         <p:spPr>
           <a:xfrm>
-            <a:off x="1436400" y="1960950"/>
-            <a:ext cx="4570350" cy="2306150"/>
+            <a:off x="0" y="0"/>
+            <a:ext cx="9144001" cy="1716500"/>
           </a:xfrm>
           <a:prstGeom prst="rect">
             <a:avLst/>
@@ -24504,7 +25070,7 @@
   <p:cSld>
     <p:spTree>
       <p:nvGrpSpPr>
-        <p:cNvPr id="300" name="Shape 300"/>
+        <p:cNvPr id="312" name="Shape 312"/>
         <p:cNvGrpSpPr/>
         <p:nvPr/>
       </p:nvGrpSpPr>
@@ -24518,7 +25084,7 @@
       </p:grpSpPr>
       <p:sp>
         <p:nvSpPr>
-          <p:cNvPr id="301" name="Google Shape;301;p32"/>
+          <p:cNvPr id="313" name="Google Shape;313;p32"/>
           <p:cNvSpPr txBox="1"/>
           <p:nvPr/>
         </p:nvSpPr>
@@ -24596,7 +25162,7 @@
       </p:sp>
       <p:sp>
         <p:nvSpPr>
-          <p:cNvPr id="302" name="Google Shape;302;p32"/>
+          <p:cNvPr id="314" name="Google Shape;314;p32"/>
           <p:cNvSpPr/>
           <p:nvPr/>
         </p:nvSpPr>
@@ -24719,7 +25285,7 @@
       </p:sp>
       <p:sp>
         <p:nvSpPr>
-          <p:cNvPr id="303" name="Google Shape;303;p32"/>
+          <p:cNvPr id="315" name="Google Shape;315;p32"/>
           <p:cNvSpPr txBox="1"/>
           <p:nvPr/>
         </p:nvSpPr>
@@ -24785,7 +25351,7 @@
       </p:sp>
       <p:pic>
         <p:nvPicPr>
-          <p:cNvPr id="304" name="Google Shape;304;p32"/>
+          <p:cNvPr id="316" name="Google Shape;316;p32"/>
           <p:cNvPicPr preferRelativeResize="0"/>
           <p:nvPr/>
         </p:nvPicPr>
@@ -24813,7 +25379,7 @@
       </p:pic>
       <p:pic>
         <p:nvPicPr>
-          <p:cNvPr id="305" name="Google Shape;305;p32"/>
+          <p:cNvPr id="317" name="Google Shape;317;p32"/>
           <p:cNvPicPr preferRelativeResize="0"/>
           <p:nvPr/>
         </p:nvPicPr>
@@ -24841,7 +25407,7 @@
       </p:pic>
       <p:pic>
         <p:nvPicPr>
-          <p:cNvPr id="306" name="Google Shape;306;p32"/>
+          <p:cNvPr id="318" name="Google Shape;318;p32"/>
           <p:cNvPicPr preferRelativeResize="0"/>
           <p:nvPr/>
         </p:nvPicPr>
@@ -24880,7 +25446,7 @@
   <p:cSld>
     <p:spTree>
       <p:nvGrpSpPr>
-        <p:cNvPr id="104" name="Shape 104"/>
+        <p:cNvPr id="103" name="Shape 103"/>
         <p:cNvGrpSpPr/>
         <p:nvPr/>
       </p:nvGrpSpPr>
@@ -24894,7 +25460,7 @@
       </p:grpSpPr>
       <p:pic>
         <p:nvPicPr>
-          <p:cNvPr id="105" name="Google Shape;105;p15"/>
+          <p:cNvPr id="104" name="Google Shape;104;p15"/>
           <p:cNvPicPr preferRelativeResize="0"/>
           <p:nvPr/>
         </p:nvPicPr>
@@ -24922,14 +25488,14 @@
       </p:pic>
       <p:sp>
         <p:nvSpPr>
-          <p:cNvPr id="106" name="Google Shape;106;p15"/>
+          <p:cNvPr id="105" name="Google Shape;105;p15"/>
           <p:cNvSpPr txBox="1"/>
           <p:nvPr/>
         </p:nvSpPr>
         <p:spPr>
           <a:xfrm>
             <a:off x="962475" y="1699200"/>
-            <a:ext cx="3364500" cy="3016800"/>
+            <a:ext cx="3364500" cy="2647500"/>
           </a:xfrm>
           <a:prstGeom prst="rect">
             <a:avLst/>
@@ -25123,52 +25689,6 @@
                 <a:sym typeface="Times New Roman"/>
               </a:rPr>
               <a:t>EDA </a:t>
-            </a:r>
-            <a:endParaRPr sz="1600">
-              <a:solidFill>
-                <a:schemeClr val="dk1"/>
-              </a:solidFill>
-              <a:highlight>
-                <a:srgbClr val="FFFFFF"/>
-              </a:highlight>
-              <a:latin typeface="Times New Roman"/>
-              <a:ea typeface="Times New Roman"/>
-              <a:cs typeface="Times New Roman"/>
-              <a:sym typeface="Times New Roman"/>
-            </a:endParaRPr>
-          </a:p>
-          <a:p>
-            <a:pPr indent="-330200" lvl="0" marL="457200" rtl="0" algn="l">
-              <a:lnSpc>
-                <a:spcPct val="150000"/>
-              </a:lnSpc>
-              <a:spcBef>
-                <a:spcPts val="0"/>
-              </a:spcBef>
-              <a:spcAft>
-                <a:spcPts val="0"/>
-              </a:spcAft>
-              <a:buClr>
-                <a:schemeClr val="dk1"/>
-              </a:buClr>
-              <a:buSzPts val="1600"/>
-              <a:buFont typeface="Times New Roman"/>
-              <a:buChar char="●"/>
-            </a:pPr>
-            <a:r>
-              <a:rPr lang="tr-TR" sz="1600">
-                <a:solidFill>
-                  <a:schemeClr val="dk1"/>
-                </a:solidFill>
-                <a:highlight>
-                  <a:srgbClr val="FFFFFF"/>
-                </a:highlight>
-                <a:latin typeface="Times New Roman"/>
-                <a:ea typeface="Times New Roman"/>
-                <a:cs typeface="Times New Roman"/>
-                <a:sym typeface="Times New Roman"/>
-              </a:rPr>
-              <a:t>Data Pre-processing</a:t>
             </a:r>
             <a:endParaRPr sz="1600">
               <a:solidFill>
@@ -25325,7 +25845,7 @@
       </p:sp>
       <p:sp>
         <p:nvSpPr>
-          <p:cNvPr id="107" name="Google Shape;107;p15"/>
+          <p:cNvPr id="106" name="Google Shape;106;p15"/>
           <p:cNvSpPr txBox="1"/>
           <p:nvPr/>
         </p:nvSpPr>
@@ -25392,7 +25912,7 @@
       </p:sp>
       <p:pic>
         <p:nvPicPr>
-          <p:cNvPr id="108" name="Google Shape;108;p15"/>
+          <p:cNvPr id="107" name="Google Shape;107;p15"/>
           <p:cNvPicPr preferRelativeResize="0"/>
           <p:nvPr/>
         </p:nvPicPr>
@@ -25431,7 +25951,7 @@
   <p:cSld>
     <p:spTree>
       <p:nvGrpSpPr>
-        <p:cNvPr id="311" name="Shape 311"/>
+        <p:cNvPr id="323" name="Shape 323"/>
         <p:cNvGrpSpPr/>
         <p:nvPr/>
       </p:nvGrpSpPr>
@@ -25445,7 +25965,395 @@
       </p:grpSpPr>
       <p:sp>
         <p:nvSpPr>
-          <p:cNvPr id="312" name="Google Shape;312;p33"/>
+          <p:cNvPr id="324" name="Google Shape;324;p33"/>
+          <p:cNvSpPr txBox="1"/>
+          <p:nvPr/>
+        </p:nvSpPr>
+        <p:spPr>
+          <a:xfrm>
+            <a:off x="1035375" y="1821500"/>
+            <a:ext cx="5058300" cy="300000"/>
+          </a:xfrm>
+          <a:prstGeom prst="rect">
+            <a:avLst/>
+          </a:prstGeom>
+          <a:noFill/>
+          <a:ln>
+            <a:noFill/>
+          </a:ln>
+        </p:spPr>
+        <p:txBody>
+          <a:bodyPr anchorCtr="0" anchor="t" bIns="34275" lIns="68575" spcFirstLastPara="1" rIns="68575" wrap="square" tIns="34275">
+            <a:noAutofit/>
+          </a:bodyPr>
+          <a:lstStyle/>
+          <a:p>
+            <a:pPr indent="0" lvl="0" marL="0" marR="0" rtl="0" algn="just">
+              <a:lnSpc>
+                <a:spcPct val="100000"/>
+              </a:lnSpc>
+              <a:spcBef>
+                <a:spcPts val="0"/>
+              </a:spcBef>
+              <a:spcAft>
+                <a:spcPts val="0"/>
+              </a:spcAft>
+              <a:buClr>
+                <a:srgbClr val="000000"/>
+              </a:buClr>
+              <a:buSzPts val="1500"/>
+              <a:buFont typeface="Arial"/>
+              <a:buNone/>
+            </a:pPr>
+            <a:r>
+              <a:rPr b="1" lang="tr-TR" sz="1800">
+                <a:solidFill>
+                  <a:srgbClr val="C00000"/>
+                </a:solidFill>
+                <a:latin typeface="Times New Roman"/>
+                <a:ea typeface="Times New Roman"/>
+                <a:cs typeface="Times New Roman"/>
+                <a:sym typeface="Times New Roman"/>
+              </a:rPr>
+              <a:t>Splitting the data for training and testing</a:t>
+            </a:r>
+            <a:endParaRPr b="1" i="0" sz="1800" u="none" cap="none" strike="noStrike">
+              <a:solidFill>
+                <a:srgbClr val="7F7F7F"/>
+              </a:solidFill>
+              <a:latin typeface="Times New Roman"/>
+              <a:ea typeface="Times New Roman"/>
+              <a:cs typeface="Times New Roman"/>
+              <a:sym typeface="Times New Roman"/>
+            </a:endParaRPr>
+          </a:p>
+        </p:txBody>
+      </p:sp>
+      <p:sp>
+        <p:nvSpPr>
+          <p:cNvPr id="325" name="Google Shape;325;p33"/>
+          <p:cNvSpPr/>
+          <p:nvPr/>
+        </p:nvSpPr>
+        <p:spPr>
+          <a:xfrm>
+            <a:off x="371475" y="3622100"/>
+            <a:ext cx="7802100" cy="645000"/>
+          </a:xfrm>
+          <a:prstGeom prst="rect">
+            <a:avLst/>
+          </a:prstGeom>
+          <a:noFill/>
+          <a:ln>
+            <a:noFill/>
+          </a:ln>
+        </p:spPr>
+        <p:txBody>
+          <a:bodyPr anchorCtr="0" anchor="t" bIns="34275" lIns="68575" spcFirstLastPara="1" rIns="68575" wrap="square" tIns="34275">
+            <a:noAutofit/>
+          </a:bodyPr>
+          <a:lstStyle/>
+          <a:p>
+            <a:pPr indent="-330200" lvl="0" marL="457200" marR="0" rtl="0" algn="just">
+              <a:lnSpc>
+                <a:spcPct val="150000"/>
+              </a:lnSpc>
+              <a:spcBef>
+                <a:spcPts val="0"/>
+              </a:spcBef>
+              <a:spcAft>
+                <a:spcPts val="0"/>
+              </a:spcAft>
+              <a:buClr>
+                <a:schemeClr val="dk1"/>
+              </a:buClr>
+              <a:buSzPts val="1600"/>
+              <a:buFont typeface="Times New Roman"/>
+              <a:buChar char="●"/>
+            </a:pPr>
+            <a:r>
+              <a:rPr lang="tr-TR" sz="1600">
+                <a:solidFill>
+                  <a:schemeClr val="dk1"/>
+                </a:solidFill>
+                <a:latin typeface="Times New Roman"/>
+                <a:ea typeface="Times New Roman"/>
+                <a:cs typeface="Times New Roman"/>
+                <a:sym typeface="Times New Roman"/>
+              </a:rPr>
+              <a:t>We have </a:t>
+            </a:r>
+            <a:r>
+              <a:rPr lang="tr-TR" sz="1600">
+                <a:solidFill>
+                  <a:schemeClr val="dk1"/>
+                </a:solidFill>
+                <a:latin typeface="Times New Roman"/>
+                <a:ea typeface="Times New Roman"/>
+                <a:cs typeface="Times New Roman"/>
+                <a:sym typeface="Times New Roman"/>
+              </a:rPr>
+              <a:t>split</a:t>
+            </a:r>
+            <a:r>
+              <a:rPr lang="tr-TR" sz="1600">
+                <a:solidFill>
+                  <a:schemeClr val="dk1"/>
+                </a:solidFill>
+                <a:latin typeface="Times New Roman"/>
+                <a:ea typeface="Times New Roman"/>
+                <a:cs typeface="Times New Roman"/>
+                <a:sym typeface="Times New Roman"/>
+              </a:rPr>
+              <a:t> the data in the ratio of 70 to 30. </a:t>
+            </a:r>
+            <a:endParaRPr sz="1600">
+              <a:solidFill>
+                <a:schemeClr val="dk1"/>
+              </a:solidFill>
+              <a:latin typeface="Times New Roman"/>
+              <a:ea typeface="Times New Roman"/>
+              <a:cs typeface="Times New Roman"/>
+              <a:sym typeface="Times New Roman"/>
+            </a:endParaRPr>
+          </a:p>
+          <a:p>
+            <a:pPr indent="0" lvl="0" marL="457200" marR="0" rtl="0" algn="just">
+              <a:lnSpc>
+                <a:spcPct val="150000"/>
+              </a:lnSpc>
+              <a:spcBef>
+                <a:spcPts val="0"/>
+              </a:spcBef>
+              <a:spcAft>
+                <a:spcPts val="0"/>
+              </a:spcAft>
+              <a:buNone/>
+            </a:pPr>
+            <a:r>
+              <a:t/>
+            </a:r>
+            <a:endParaRPr sz="1600">
+              <a:solidFill>
+                <a:schemeClr val="dk1"/>
+              </a:solidFill>
+              <a:latin typeface="Times New Roman"/>
+              <a:ea typeface="Times New Roman"/>
+              <a:cs typeface="Times New Roman"/>
+              <a:sym typeface="Times New Roman"/>
+            </a:endParaRPr>
+          </a:p>
+          <a:p>
+            <a:pPr indent="0" lvl="0" marL="0" marR="0" rtl="0" algn="just">
+              <a:lnSpc>
+                <a:spcPct val="150000"/>
+              </a:lnSpc>
+              <a:spcBef>
+                <a:spcPts val="0"/>
+              </a:spcBef>
+              <a:spcAft>
+                <a:spcPts val="0"/>
+              </a:spcAft>
+              <a:buClr>
+                <a:srgbClr val="000000"/>
+              </a:buClr>
+              <a:buSzPts val="1100"/>
+              <a:buFont typeface="Arial"/>
+              <a:buNone/>
+            </a:pPr>
+            <a:r>
+              <a:t/>
+            </a:r>
+            <a:endParaRPr i="0" sz="1600" u="none" cap="none" strike="noStrike">
+              <a:solidFill>
+                <a:schemeClr val="dk1"/>
+              </a:solidFill>
+              <a:latin typeface="Times New Roman"/>
+              <a:ea typeface="Times New Roman"/>
+              <a:cs typeface="Times New Roman"/>
+              <a:sym typeface="Times New Roman"/>
+            </a:endParaRPr>
+          </a:p>
+        </p:txBody>
+      </p:sp>
+      <p:sp>
+        <p:nvSpPr>
+          <p:cNvPr id="326" name="Google Shape;326;p33"/>
+          <p:cNvSpPr txBox="1"/>
+          <p:nvPr/>
+        </p:nvSpPr>
+        <p:spPr>
+          <a:xfrm>
+            <a:off x="1035372" y="1392501"/>
+            <a:ext cx="2471100" cy="346200"/>
+          </a:xfrm>
+          <a:prstGeom prst="rect">
+            <a:avLst/>
+          </a:prstGeom>
+          <a:noFill/>
+          <a:ln>
+            <a:noFill/>
+          </a:ln>
+        </p:spPr>
+        <p:txBody>
+          <a:bodyPr anchorCtr="0" anchor="t" bIns="34275" lIns="68575" spcFirstLastPara="1" rIns="68575" wrap="square" tIns="34275">
+            <a:noAutofit/>
+          </a:bodyPr>
+          <a:lstStyle/>
+          <a:p>
+            <a:pPr indent="0" lvl="0" marL="0" marR="0" rtl="0" algn="just">
+              <a:lnSpc>
+                <a:spcPct val="100000"/>
+              </a:lnSpc>
+              <a:spcBef>
+                <a:spcPts val="0"/>
+              </a:spcBef>
+              <a:spcAft>
+                <a:spcPts val="0"/>
+              </a:spcAft>
+              <a:buClr>
+                <a:srgbClr val="000000"/>
+              </a:buClr>
+              <a:buSzPts val="1800"/>
+              <a:buFont typeface="Arial"/>
+              <a:buNone/>
+            </a:pPr>
+            <a:r>
+              <a:rPr b="1" lang="tr-TR" sz="1800">
+                <a:solidFill>
+                  <a:srgbClr val="C00000"/>
+                </a:solidFill>
+                <a:latin typeface="Times New Roman"/>
+                <a:ea typeface="Times New Roman"/>
+                <a:cs typeface="Times New Roman"/>
+                <a:sym typeface="Times New Roman"/>
+              </a:rPr>
+              <a:t>Modeling</a:t>
+            </a:r>
+            <a:endParaRPr b="1" i="0" sz="1800" u="none" cap="none" strike="noStrike">
+              <a:solidFill>
+                <a:srgbClr val="C00000"/>
+              </a:solidFill>
+              <a:latin typeface="Times New Roman"/>
+              <a:ea typeface="Times New Roman"/>
+              <a:cs typeface="Times New Roman"/>
+              <a:sym typeface="Times New Roman"/>
+            </a:endParaRPr>
+          </a:p>
+        </p:txBody>
+      </p:sp>
+      <p:pic>
+        <p:nvPicPr>
+          <p:cNvPr id="327" name="Google Shape;327;p33"/>
+          <p:cNvPicPr preferRelativeResize="0"/>
+          <p:nvPr/>
+        </p:nvPicPr>
+        <p:blipFill>
+          <a:blip r:embed="rId3">
+            <a:alphaModFix/>
+          </a:blip>
+          <a:stretch>
+            <a:fillRect/>
+          </a:stretch>
+        </p:blipFill>
+        <p:spPr>
+          <a:xfrm>
+            <a:off x="1205600" y="2428950"/>
+            <a:ext cx="6875901" cy="1117475"/>
+          </a:xfrm>
+          <a:prstGeom prst="rect">
+            <a:avLst/>
+          </a:prstGeom>
+          <a:noFill/>
+          <a:ln>
+            <a:noFill/>
+          </a:ln>
+        </p:spPr>
+      </p:pic>
+      <p:pic>
+        <p:nvPicPr>
+          <p:cNvPr id="328" name="Google Shape;328;p33"/>
+          <p:cNvPicPr preferRelativeResize="0"/>
+          <p:nvPr/>
+        </p:nvPicPr>
+        <p:blipFill>
+          <a:blip r:embed="rId4">
+            <a:alphaModFix/>
+          </a:blip>
+          <a:stretch>
+            <a:fillRect/>
+          </a:stretch>
+        </p:blipFill>
+        <p:spPr>
+          <a:xfrm>
+            <a:off x="0" y="4267100"/>
+            <a:ext cx="876401" cy="876399"/>
+          </a:xfrm>
+          <a:prstGeom prst="rect">
+            <a:avLst/>
+          </a:prstGeom>
+          <a:noFill/>
+          <a:ln>
+            <a:noFill/>
+          </a:ln>
+        </p:spPr>
+      </p:pic>
+      <p:pic>
+        <p:nvPicPr>
+          <p:cNvPr id="329" name="Google Shape;329;p33"/>
+          <p:cNvPicPr preferRelativeResize="0"/>
+          <p:nvPr/>
+        </p:nvPicPr>
+        <p:blipFill>
+          <a:blip r:embed="rId5">
+            <a:alphaModFix/>
+          </a:blip>
+          <a:stretch>
+            <a:fillRect/>
+          </a:stretch>
+        </p:blipFill>
+        <p:spPr>
+          <a:xfrm>
+            <a:off x="0" y="8050"/>
+            <a:ext cx="9144001" cy="1716500"/>
+          </a:xfrm>
+          <a:prstGeom prst="rect">
+            <a:avLst/>
+          </a:prstGeom>
+          <a:noFill/>
+          <a:ln>
+            <a:noFill/>
+          </a:ln>
+        </p:spPr>
+      </p:pic>
+    </p:spTree>
+  </p:cSld>
+  <p:clrMapOvr>
+    <a:masterClrMapping/>
+  </p:clrMapOvr>
+</p:sld>
+</file>
+
+<file path=ppt/slides/slide21.xml><?xml version="1.0" encoding="utf-8"?>
+<p:sld xmlns:a="http://schemas.openxmlformats.org/drawingml/2006/main" xmlns:r="http://schemas.openxmlformats.org/officeDocument/2006/relationships" xmlns:mc="http://schemas.openxmlformats.org/markup-compatibility/2006" xmlns:mv="urn:schemas-microsoft-com:mac:vml" xmlns:p="http://schemas.openxmlformats.org/presentationml/2006/main" xmlns:c="http://schemas.openxmlformats.org/drawingml/2006/chart" xmlns:dgm="http://schemas.openxmlformats.org/drawingml/2006/diagram" xmlns:o="urn:schemas-microsoft-com:office:office" xmlns:v="urn:schemas-microsoft-com:vml" xmlns:pvml="urn:schemas-microsoft-com:office:powerpoint" xmlns:com="http://schemas.openxmlformats.org/drawingml/2006/compatibility" xmlns:p14="http://schemas.microsoft.com/office/powerpoint/2010/main" xmlns:p15="http://schemas.microsoft.com/office/powerpoint/2012/main" xmlns:ahyp="http://schemas.microsoft.com/office/drawing/2018/hyperlinkcolor">
+  <p:cSld>
+    <p:spTree>
+      <p:nvGrpSpPr>
+        <p:cNvPr id="334" name="Shape 334"/>
+        <p:cNvGrpSpPr/>
+        <p:nvPr/>
+      </p:nvGrpSpPr>
+      <p:grpSpPr>
+        <a:xfrm>
+          <a:off x="0" y="0"/>
+          <a:ext cx="0" cy="0"/>
+          <a:chOff x="0" y="0"/>
+          <a:chExt cx="0" cy="0"/>
+        </a:xfrm>
+      </p:grpSpPr>
+      <p:sp>
+        <p:nvSpPr>
+          <p:cNvPr id="335" name="Google Shape;335;p34"/>
           <p:cNvSpPr txBox="1"/>
           <p:nvPr/>
         </p:nvSpPr>
@@ -25511,7 +26419,7 @@
       </p:sp>
       <p:sp>
         <p:nvSpPr>
-          <p:cNvPr id="313" name="Google Shape;313;p33"/>
+          <p:cNvPr id="336" name="Google Shape;336;p34"/>
           <p:cNvSpPr/>
           <p:nvPr/>
         </p:nvSpPr>
@@ -25674,7 +26582,7 @@
       </p:sp>
       <p:sp>
         <p:nvSpPr>
-          <p:cNvPr id="314" name="Google Shape;314;p33"/>
+          <p:cNvPr id="337" name="Google Shape;337;p34"/>
           <p:cNvSpPr txBox="1"/>
           <p:nvPr/>
         </p:nvSpPr>
@@ -25731,7 +26639,7 @@
       </p:sp>
       <p:sp>
         <p:nvSpPr>
-          <p:cNvPr id="315" name="Google Shape;315;p33"/>
+          <p:cNvPr id="338" name="Google Shape;338;p34"/>
           <p:cNvSpPr txBox="1"/>
           <p:nvPr/>
         </p:nvSpPr>
@@ -25809,7 +26717,7 @@
       </p:sp>
       <p:pic>
         <p:nvPicPr>
-          <p:cNvPr id="316" name="Google Shape;316;p33"/>
+          <p:cNvPr id="339" name="Google Shape;339;p34"/>
           <p:cNvPicPr preferRelativeResize="0"/>
           <p:nvPr/>
         </p:nvPicPr>
@@ -25837,7 +26745,7 @@
       </p:pic>
       <p:pic>
         <p:nvPicPr>
-          <p:cNvPr id="317" name="Google Shape;317;p33"/>
+          <p:cNvPr id="340" name="Google Shape;340;p34"/>
           <p:cNvPicPr preferRelativeResize="0"/>
           <p:nvPr/>
         </p:nvPicPr>
@@ -25865,7 +26773,7 @@
       </p:pic>
       <p:pic>
         <p:nvPicPr>
-          <p:cNvPr id="318" name="Google Shape;318;p33"/>
+          <p:cNvPr id="341" name="Google Shape;341;p34"/>
           <p:cNvPicPr preferRelativeResize="0"/>
           <p:nvPr/>
         </p:nvPicPr>
@@ -25899,12 +26807,12 @@
 </p:sld>
 </file>
 
-<file path=ppt/slides/slide21.xml><?xml version="1.0" encoding="utf-8"?>
+<file path=ppt/slides/slide22.xml><?xml version="1.0" encoding="utf-8"?>
 <p:sld xmlns:a="http://schemas.openxmlformats.org/drawingml/2006/main" xmlns:r="http://schemas.openxmlformats.org/officeDocument/2006/relationships" xmlns:mc="http://schemas.openxmlformats.org/markup-compatibility/2006" xmlns:mv="urn:schemas-microsoft-com:mac:vml" xmlns:p="http://schemas.openxmlformats.org/presentationml/2006/main" xmlns:c="http://schemas.openxmlformats.org/drawingml/2006/chart" xmlns:dgm="http://schemas.openxmlformats.org/drawingml/2006/diagram" xmlns:o="urn:schemas-microsoft-com:office:office" xmlns:v="urn:schemas-microsoft-com:vml" xmlns:pvml="urn:schemas-microsoft-com:office:powerpoint" xmlns:com="http://schemas.openxmlformats.org/drawingml/2006/compatibility" xmlns:p14="http://schemas.microsoft.com/office/powerpoint/2010/main" xmlns:p15="http://schemas.microsoft.com/office/powerpoint/2012/main" xmlns:ahyp="http://schemas.microsoft.com/office/drawing/2018/hyperlinkcolor">
   <p:cSld>
     <p:spTree>
       <p:nvGrpSpPr>
-        <p:cNvPr id="323" name="Shape 323"/>
+        <p:cNvPr id="346" name="Shape 346"/>
         <p:cNvGrpSpPr/>
         <p:nvPr/>
       </p:nvGrpSpPr>
@@ -25918,7 +26826,7 @@
       </p:grpSpPr>
       <p:sp>
         <p:nvSpPr>
-          <p:cNvPr id="324" name="Google Shape;324;p34"/>
+          <p:cNvPr id="347" name="Google Shape;347;p35"/>
           <p:cNvSpPr txBox="1"/>
           <p:nvPr/>
         </p:nvSpPr>
@@ -25984,7 +26892,7 @@
       </p:sp>
       <p:sp>
         <p:nvSpPr>
-          <p:cNvPr id="325" name="Google Shape;325;p34"/>
+          <p:cNvPr id="348" name="Google Shape;348;p35"/>
           <p:cNvSpPr/>
           <p:nvPr/>
         </p:nvSpPr>
@@ -26147,7 +27055,7 @@
       </p:sp>
       <p:pic>
         <p:nvPicPr>
-          <p:cNvPr id="326" name="Google Shape;326;p34"/>
+          <p:cNvPr id="349" name="Google Shape;349;p35"/>
           <p:cNvPicPr preferRelativeResize="0"/>
           <p:nvPr/>
         </p:nvPicPr>
@@ -26175,7 +27083,7 @@
       </p:pic>
       <p:pic>
         <p:nvPicPr>
-          <p:cNvPr id="327" name="Google Shape;327;p34"/>
+          <p:cNvPr id="350" name="Google Shape;350;p35"/>
           <p:cNvPicPr preferRelativeResize="0"/>
           <p:nvPr/>
         </p:nvPicPr>
@@ -26203,279 +27111,7 @@
       </p:pic>
       <p:pic>
         <p:nvPicPr>
-          <p:cNvPr id="328" name="Google Shape;328;p34"/>
-          <p:cNvPicPr preferRelativeResize="0"/>
-          <p:nvPr/>
-        </p:nvPicPr>
-        <p:blipFill>
-          <a:blip r:embed="rId5">
-            <a:alphaModFix/>
-          </a:blip>
-          <a:stretch>
-            <a:fillRect/>
-          </a:stretch>
-        </p:blipFill>
-        <p:spPr>
-          <a:xfrm>
-            <a:off x="0" y="4267100"/>
-            <a:ext cx="876401" cy="876399"/>
-          </a:xfrm>
-          <a:prstGeom prst="rect">
-            <a:avLst/>
-          </a:prstGeom>
-          <a:noFill/>
-          <a:ln>
-            <a:noFill/>
-          </a:ln>
-        </p:spPr>
-      </p:pic>
-    </p:spTree>
-  </p:cSld>
-  <p:clrMapOvr>
-    <a:masterClrMapping/>
-  </p:clrMapOvr>
-</p:sld>
-</file>
-
-<file path=ppt/slides/slide22.xml><?xml version="1.0" encoding="utf-8"?>
-<p:sld xmlns:a="http://schemas.openxmlformats.org/drawingml/2006/main" xmlns:r="http://schemas.openxmlformats.org/officeDocument/2006/relationships" xmlns:mc="http://schemas.openxmlformats.org/markup-compatibility/2006" xmlns:mv="urn:schemas-microsoft-com:mac:vml" xmlns:p="http://schemas.openxmlformats.org/presentationml/2006/main" xmlns:c="http://schemas.openxmlformats.org/drawingml/2006/chart" xmlns:dgm="http://schemas.openxmlformats.org/drawingml/2006/diagram" xmlns:o="urn:schemas-microsoft-com:office:office" xmlns:v="urn:schemas-microsoft-com:vml" xmlns:pvml="urn:schemas-microsoft-com:office:powerpoint" xmlns:com="http://schemas.openxmlformats.org/drawingml/2006/compatibility" xmlns:p14="http://schemas.microsoft.com/office/powerpoint/2010/main" xmlns:p15="http://schemas.microsoft.com/office/powerpoint/2012/main" xmlns:ahyp="http://schemas.microsoft.com/office/drawing/2018/hyperlinkcolor">
-  <p:cSld>
-    <p:spTree>
-      <p:nvGrpSpPr>
-        <p:cNvPr id="333" name="Shape 333"/>
-        <p:cNvGrpSpPr/>
-        <p:nvPr/>
-      </p:nvGrpSpPr>
-      <p:grpSpPr>
-        <a:xfrm>
-          <a:off x="0" y="0"/>
-          <a:ext cx="0" cy="0"/>
-          <a:chOff x="0" y="0"/>
-          <a:chExt cx="0" cy="0"/>
-        </a:xfrm>
-      </p:grpSpPr>
-      <p:sp>
-        <p:nvSpPr>
-          <p:cNvPr id="334" name="Google Shape;334;p35"/>
-          <p:cNvSpPr txBox="1"/>
-          <p:nvPr/>
-        </p:nvSpPr>
-        <p:spPr>
-          <a:xfrm>
-            <a:off x="279400" y="2091075"/>
-            <a:ext cx="4734000" cy="300000"/>
-          </a:xfrm>
-          <a:prstGeom prst="rect">
-            <a:avLst/>
-          </a:prstGeom>
-          <a:noFill/>
-          <a:ln>
-            <a:noFill/>
-          </a:ln>
-        </p:spPr>
-        <p:txBody>
-          <a:bodyPr anchorCtr="0" anchor="t" bIns="34275" lIns="68575" spcFirstLastPara="1" rIns="68575" wrap="square" tIns="34275">
-            <a:noAutofit/>
-          </a:bodyPr>
-          <a:lstStyle/>
-          <a:p>
-            <a:pPr indent="0" lvl="0" marL="0" marR="0" rtl="0" algn="just">
-              <a:lnSpc>
-                <a:spcPct val="100000"/>
-              </a:lnSpc>
-              <a:spcBef>
-                <a:spcPts val="0"/>
-              </a:spcBef>
-              <a:spcAft>
-                <a:spcPts val="0"/>
-              </a:spcAft>
-              <a:buClr>
-                <a:srgbClr val="000000"/>
-              </a:buClr>
-              <a:buSzPts val="1500"/>
-              <a:buFont typeface="Arial"/>
-              <a:buNone/>
-            </a:pPr>
-            <a:r>
-              <a:rPr b="1" lang="tr-TR" sz="1800">
-                <a:solidFill>
-                  <a:srgbClr val="C00000"/>
-                </a:solidFill>
-                <a:latin typeface="Times New Roman"/>
-                <a:ea typeface="Times New Roman"/>
-                <a:cs typeface="Times New Roman"/>
-                <a:sym typeface="Times New Roman"/>
-              </a:rPr>
-              <a:t>Cross Validation of the Deep Learning Model</a:t>
-            </a:r>
-            <a:endParaRPr b="1" i="0" sz="1800" u="none" cap="none" strike="noStrike">
-              <a:solidFill>
-                <a:srgbClr val="7F7F7F"/>
-              </a:solidFill>
-              <a:latin typeface="Times New Roman"/>
-              <a:ea typeface="Times New Roman"/>
-              <a:cs typeface="Times New Roman"/>
-              <a:sym typeface="Times New Roman"/>
-            </a:endParaRPr>
-          </a:p>
-        </p:txBody>
-      </p:sp>
-      <p:sp>
-        <p:nvSpPr>
-          <p:cNvPr id="335" name="Google Shape;335;p35"/>
-          <p:cNvSpPr/>
-          <p:nvPr/>
-        </p:nvSpPr>
-        <p:spPr>
-          <a:xfrm>
-            <a:off x="279400" y="2704625"/>
-            <a:ext cx="4533900" cy="1058100"/>
-          </a:xfrm>
-          <a:prstGeom prst="rect">
-            <a:avLst/>
-          </a:prstGeom>
-          <a:noFill/>
-          <a:ln>
-            <a:noFill/>
-          </a:ln>
-        </p:spPr>
-        <p:txBody>
-          <a:bodyPr anchorCtr="0" anchor="t" bIns="34275" lIns="68575" spcFirstLastPara="1" rIns="68575" wrap="square" tIns="34275">
-            <a:noAutofit/>
-          </a:bodyPr>
-          <a:lstStyle/>
-          <a:p>
-            <a:pPr indent="-330200" lvl="0" marL="457200" marR="0" rtl="0" algn="just">
-              <a:lnSpc>
-                <a:spcPct val="150000"/>
-              </a:lnSpc>
-              <a:spcBef>
-                <a:spcPts val="0"/>
-              </a:spcBef>
-              <a:spcAft>
-                <a:spcPts val="0"/>
-              </a:spcAft>
-              <a:buClr>
-                <a:schemeClr val="dk1"/>
-              </a:buClr>
-              <a:buSzPts val="1600"/>
-              <a:buFont typeface="Times New Roman"/>
-              <a:buChar char="●"/>
-            </a:pPr>
-            <a:r>
-              <a:rPr lang="tr-TR" sz="1600">
-                <a:solidFill>
-                  <a:schemeClr val="dk1"/>
-                </a:solidFill>
-                <a:latin typeface="Times New Roman"/>
-                <a:ea typeface="Times New Roman"/>
-                <a:cs typeface="Times New Roman"/>
-                <a:sym typeface="Times New Roman"/>
-              </a:rPr>
-              <a:t>With cross Validation we got a mean accuracy  of 0.83 and standard deviation of 0.078.</a:t>
-            </a:r>
-            <a:endParaRPr sz="1600">
-              <a:solidFill>
-                <a:schemeClr val="dk1"/>
-              </a:solidFill>
-              <a:latin typeface="Times New Roman"/>
-              <a:ea typeface="Times New Roman"/>
-              <a:cs typeface="Times New Roman"/>
-              <a:sym typeface="Times New Roman"/>
-            </a:endParaRPr>
-          </a:p>
-          <a:p>
-            <a:pPr indent="0" lvl="0" marL="0" marR="0" rtl="0" algn="just">
-              <a:lnSpc>
-                <a:spcPct val="150000"/>
-              </a:lnSpc>
-              <a:spcBef>
-                <a:spcPts val="0"/>
-              </a:spcBef>
-              <a:spcAft>
-                <a:spcPts val="0"/>
-              </a:spcAft>
-              <a:buClr>
-                <a:srgbClr val="000000"/>
-              </a:buClr>
-              <a:buSzPts val="1100"/>
-              <a:buFont typeface="Arial"/>
-              <a:buNone/>
-            </a:pPr>
-            <a:r>
-              <a:t/>
-            </a:r>
-            <a:endParaRPr i="0" sz="1600" u="none" cap="none" strike="noStrike">
-              <a:solidFill>
-                <a:schemeClr val="dk1"/>
-              </a:solidFill>
-              <a:latin typeface="Times New Roman"/>
-              <a:ea typeface="Times New Roman"/>
-              <a:cs typeface="Times New Roman"/>
-              <a:sym typeface="Times New Roman"/>
-            </a:endParaRPr>
-          </a:p>
-        </p:txBody>
-      </p:sp>
-      <p:pic>
-        <p:nvPicPr>
-          <p:cNvPr id="336" name="Google Shape;336;p35"/>
-          <p:cNvPicPr preferRelativeResize="0"/>
-          <p:nvPr/>
-        </p:nvPicPr>
-        <p:blipFill>
-          <a:blip r:embed="rId3">
-            <a:alphaModFix/>
-          </a:blip>
-          <a:stretch>
-            <a:fillRect/>
-          </a:stretch>
-        </p:blipFill>
-        <p:spPr>
-          <a:xfrm>
-            <a:off x="5214500" y="1611200"/>
-            <a:ext cx="3374751" cy="3089250"/>
-          </a:xfrm>
-          <a:prstGeom prst="rect">
-            <a:avLst/>
-          </a:prstGeom>
-          <a:noFill/>
-          <a:ln>
-            <a:noFill/>
-          </a:ln>
-        </p:spPr>
-      </p:pic>
-      <p:pic>
-        <p:nvPicPr>
-          <p:cNvPr id="337" name="Google Shape;337;p35"/>
-          <p:cNvPicPr preferRelativeResize="0"/>
-          <p:nvPr/>
-        </p:nvPicPr>
-        <p:blipFill>
-          <a:blip r:embed="rId4">
-            <a:alphaModFix/>
-          </a:blip>
-          <a:stretch>
-            <a:fillRect/>
-          </a:stretch>
-        </p:blipFill>
-        <p:spPr>
-          <a:xfrm>
-            <a:off x="0" y="0"/>
-            <a:ext cx="9144001" cy="1930400"/>
-          </a:xfrm>
-          <a:prstGeom prst="rect">
-            <a:avLst/>
-          </a:prstGeom>
-          <a:noFill/>
-          <a:ln>
-            <a:noFill/>
-          </a:ln>
-        </p:spPr>
-      </p:pic>
-      <p:pic>
-        <p:nvPicPr>
-          <p:cNvPr id="338" name="Google Shape;338;p35"/>
+          <p:cNvPr id="351" name="Google Shape;351;p35"/>
           <p:cNvPicPr preferRelativeResize="0"/>
           <p:nvPr/>
         </p:nvPicPr>
@@ -26514,7 +27150,7 @@
   <p:cSld>
     <p:spTree>
       <p:nvGrpSpPr>
-        <p:cNvPr id="343" name="Shape 343"/>
+        <p:cNvPr id="356" name="Shape 356"/>
         <p:cNvGrpSpPr/>
         <p:nvPr/>
       </p:nvGrpSpPr>
@@ -26528,7 +27164,279 @@
       </p:grpSpPr>
       <p:sp>
         <p:nvSpPr>
-          <p:cNvPr id="344" name="Google Shape;344;p36"/>
+          <p:cNvPr id="357" name="Google Shape;357;p36"/>
+          <p:cNvSpPr txBox="1"/>
+          <p:nvPr/>
+        </p:nvSpPr>
+        <p:spPr>
+          <a:xfrm>
+            <a:off x="279400" y="2091075"/>
+            <a:ext cx="4734000" cy="300000"/>
+          </a:xfrm>
+          <a:prstGeom prst="rect">
+            <a:avLst/>
+          </a:prstGeom>
+          <a:noFill/>
+          <a:ln>
+            <a:noFill/>
+          </a:ln>
+        </p:spPr>
+        <p:txBody>
+          <a:bodyPr anchorCtr="0" anchor="t" bIns="34275" lIns="68575" spcFirstLastPara="1" rIns="68575" wrap="square" tIns="34275">
+            <a:noAutofit/>
+          </a:bodyPr>
+          <a:lstStyle/>
+          <a:p>
+            <a:pPr indent="0" lvl="0" marL="0" marR="0" rtl="0" algn="just">
+              <a:lnSpc>
+                <a:spcPct val="100000"/>
+              </a:lnSpc>
+              <a:spcBef>
+                <a:spcPts val="0"/>
+              </a:spcBef>
+              <a:spcAft>
+                <a:spcPts val="0"/>
+              </a:spcAft>
+              <a:buClr>
+                <a:srgbClr val="000000"/>
+              </a:buClr>
+              <a:buSzPts val="1500"/>
+              <a:buFont typeface="Arial"/>
+              <a:buNone/>
+            </a:pPr>
+            <a:r>
+              <a:rPr b="1" lang="tr-TR" sz="1800">
+                <a:solidFill>
+                  <a:srgbClr val="C00000"/>
+                </a:solidFill>
+                <a:latin typeface="Times New Roman"/>
+                <a:ea typeface="Times New Roman"/>
+                <a:cs typeface="Times New Roman"/>
+                <a:sym typeface="Times New Roman"/>
+              </a:rPr>
+              <a:t>Cross Validation of the Deep Learning Model</a:t>
+            </a:r>
+            <a:endParaRPr b="1" i="0" sz="1800" u="none" cap="none" strike="noStrike">
+              <a:solidFill>
+                <a:srgbClr val="7F7F7F"/>
+              </a:solidFill>
+              <a:latin typeface="Times New Roman"/>
+              <a:ea typeface="Times New Roman"/>
+              <a:cs typeface="Times New Roman"/>
+              <a:sym typeface="Times New Roman"/>
+            </a:endParaRPr>
+          </a:p>
+        </p:txBody>
+      </p:sp>
+      <p:sp>
+        <p:nvSpPr>
+          <p:cNvPr id="358" name="Google Shape;358;p36"/>
+          <p:cNvSpPr/>
+          <p:nvPr/>
+        </p:nvSpPr>
+        <p:spPr>
+          <a:xfrm>
+            <a:off x="279400" y="2704625"/>
+            <a:ext cx="4533900" cy="1058100"/>
+          </a:xfrm>
+          <a:prstGeom prst="rect">
+            <a:avLst/>
+          </a:prstGeom>
+          <a:noFill/>
+          <a:ln>
+            <a:noFill/>
+          </a:ln>
+        </p:spPr>
+        <p:txBody>
+          <a:bodyPr anchorCtr="0" anchor="t" bIns="34275" lIns="68575" spcFirstLastPara="1" rIns="68575" wrap="square" tIns="34275">
+            <a:noAutofit/>
+          </a:bodyPr>
+          <a:lstStyle/>
+          <a:p>
+            <a:pPr indent="-330200" lvl="0" marL="457200" marR="0" rtl="0" algn="just">
+              <a:lnSpc>
+                <a:spcPct val="150000"/>
+              </a:lnSpc>
+              <a:spcBef>
+                <a:spcPts val="0"/>
+              </a:spcBef>
+              <a:spcAft>
+                <a:spcPts val="0"/>
+              </a:spcAft>
+              <a:buClr>
+                <a:schemeClr val="dk1"/>
+              </a:buClr>
+              <a:buSzPts val="1600"/>
+              <a:buFont typeface="Times New Roman"/>
+              <a:buChar char="●"/>
+            </a:pPr>
+            <a:r>
+              <a:rPr lang="tr-TR" sz="1600">
+                <a:solidFill>
+                  <a:schemeClr val="dk1"/>
+                </a:solidFill>
+                <a:latin typeface="Times New Roman"/>
+                <a:ea typeface="Times New Roman"/>
+                <a:cs typeface="Times New Roman"/>
+                <a:sym typeface="Times New Roman"/>
+              </a:rPr>
+              <a:t>With cross Validation we got a mean accuracy  of 0.83 and standard deviation of 0.078.</a:t>
+            </a:r>
+            <a:endParaRPr sz="1600">
+              <a:solidFill>
+                <a:schemeClr val="dk1"/>
+              </a:solidFill>
+              <a:latin typeface="Times New Roman"/>
+              <a:ea typeface="Times New Roman"/>
+              <a:cs typeface="Times New Roman"/>
+              <a:sym typeface="Times New Roman"/>
+            </a:endParaRPr>
+          </a:p>
+          <a:p>
+            <a:pPr indent="0" lvl="0" marL="0" marR="0" rtl="0" algn="just">
+              <a:lnSpc>
+                <a:spcPct val="150000"/>
+              </a:lnSpc>
+              <a:spcBef>
+                <a:spcPts val="0"/>
+              </a:spcBef>
+              <a:spcAft>
+                <a:spcPts val="0"/>
+              </a:spcAft>
+              <a:buClr>
+                <a:srgbClr val="000000"/>
+              </a:buClr>
+              <a:buSzPts val="1100"/>
+              <a:buFont typeface="Arial"/>
+              <a:buNone/>
+            </a:pPr>
+            <a:r>
+              <a:t/>
+            </a:r>
+            <a:endParaRPr i="0" sz="1600" u="none" cap="none" strike="noStrike">
+              <a:solidFill>
+                <a:schemeClr val="dk1"/>
+              </a:solidFill>
+              <a:latin typeface="Times New Roman"/>
+              <a:ea typeface="Times New Roman"/>
+              <a:cs typeface="Times New Roman"/>
+              <a:sym typeface="Times New Roman"/>
+            </a:endParaRPr>
+          </a:p>
+        </p:txBody>
+      </p:sp>
+      <p:pic>
+        <p:nvPicPr>
+          <p:cNvPr id="359" name="Google Shape;359;p36"/>
+          <p:cNvPicPr preferRelativeResize="0"/>
+          <p:nvPr/>
+        </p:nvPicPr>
+        <p:blipFill>
+          <a:blip r:embed="rId3">
+            <a:alphaModFix/>
+          </a:blip>
+          <a:stretch>
+            <a:fillRect/>
+          </a:stretch>
+        </p:blipFill>
+        <p:spPr>
+          <a:xfrm>
+            <a:off x="5214500" y="1611200"/>
+            <a:ext cx="3374751" cy="3089250"/>
+          </a:xfrm>
+          <a:prstGeom prst="rect">
+            <a:avLst/>
+          </a:prstGeom>
+          <a:noFill/>
+          <a:ln>
+            <a:noFill/>
+          </a:ln>
+        </p:spPr>
+      </p:pic>
+      <p:pic>
+        <p:nvPicPr>
+          <p:cNvPr id="360" name="Google Shape;360;p36"/>
+          <p:cNvPicPr preferRelativeResize="0"/>
+          <p:nvPr/>
+        </p:nvPicPr>
+        <p:blipFill>
+          <a:blip r:embed="rId4">
+            <a:alphaModFix/>
+          </a:blip>
+          <a:stretch>
+            <a:fillRect/>
+          </a:stretch>
+        </p:blipFill>
+        <p:spPr>
+          <a:xfrm>
+            <a:off x="0" y="0"/>
+            <a:ext cx="9144001" cy="1930400"/>
+          </a:xfrm>
+          <a:prstGeom prst="rect">
+            <a:avLst/>
+          </a:prstGeom>
+          <a:noFill/>
+          <a:ln>
+            <a:noFill/>
+          </a:ln>
+        </p:spPr>
+      </p:pic>
+      <p:pic>
+        <p:nvPicPr>
+          <p:cNvPr id="361" name="Google Shape;361;p36"/>
+          <p:cNvPicPr preferRelativeResize="0"/>
+          <p:nvPr/>
+        </p:nvPicPr>
+        <p:blipFill>
+          <a:blip r:embed="rId5">
+            <a:alphaModFix/>
+          </a:blip>
+          <a:stretch>
+            <a:fillRect/>
+          </a:stretch>
+        </p:blipFill>
+        <p:spPr>
+          <a:xfrm>
+            <a:off x="0" y="4267100"/>
+            <a:ext cx="876401" cy="876399"/>
+          </a:xfrm>
+          <a:prstGeom prst="rect">
+            <a:avLst/>
+          </a:prstGeom>
+          <a:noFill/>
+          <a:ln>
+            <a:noFill/>
+          </a:ln>
+        </p:spPr>
+      </p:pic>
+    </p:spTree>
+  </p:cSld>
+  <p:clrMapOvr>
+    <a:masterClrMapping/>
+  </p:clrMapOvr>
+</p:sld>
+</file>
+
+<file path=ppt/slides/slide24.xml><?xml version="1.0" encoding="utf-8"?>
+<p:sld xmlns:a="http://schemas.openxmlformats.org/drawingml/2006/main" xmlns:r="http://schemas.openxmlformats.org/officeDocument/2006/relationships" xmlns:mc="http://schemas.openxmlformats.org/markup-compatibility/2006" xmlns:mv="urn:schemas-microsoft-com:mac:vml" xmlns:p="http://schemas.openxmlformats.org/presentationml/2006/main" xmlns:c="http://schemas.openxmlformats.org/drawingml/2006/chart" xmlns:dgm="http://schemas.openxmlformats.org/drawingml/2006/diagram" xmlns:o="urn:schemas-microsoft-com:office:office" xmlns:v="urn:schemas-microsoft-com:vml" xmlns:pvml="urn:schemas-microsoft-com:office:powerpoint" xmlns:com="http://schemas.openxmlformats.org/drawingml/2006/compatibility" xmlns:p14="http://schemas.microsoft.com/office/powerpoint/2010/main" xmlns:p15="http://schemas.microsoft.com/office/powerpoint/2012/main" xmlns:ahyp="http://schemas.microsoft.com/office/drawing/2018/hyperlinkcolor">
+  <p:cSld>
+    <p:spTree>
+      <p:nvGrpSpPr>
+        <p:cNvPr id="366" name="Shape 366"/>
+        <p:cNvGrpSpPr/>
+        <p:nvPr/>
+      </p:nvGrpSpPr>
+      <p:grpSpPr>
+        <a:xfrm>
+          <a:off x="0" y="0"/>
+          <a:ext cx="0" cy="0"/>
+          <a:chOff x="0" y="0"/>
+          <a:chExt cx="0" cy="0"/>
+        </a:xfrm>
+      </p:grpSpPr>
+      <p:sp>
+        <p:nvSpPr>
+          <p:cNvPr id="367" name="Google Shape;367;p37"/>
           <p:cNvSpPr/>
           <p:nvPr/>
         </p:nvSpPr>
@@ -26663,7 +27571,7 @@
       </p:sp>
       <p:pic>
         <p:nvPicPr>
-          <p:cNvPr id="345" name="Google Shape;345;p36"/>
+          <p:cNvPr id="368" name="Google Shape;368;p37"/>
           <p:cNvPicPr preferRelativeResize="0"/>
           <p:nvPr/>
         </p:nvPicPr>
@@ -26691,7 +27599,7 @@
       </p:pic>
       <p:pic>
         <p:nvPicPr>
-          <p:cNvPr id="346" name="Google Shape;346;p36"/>
+          <p:cNvPr id="369" name="Google Shape;369;p37"/>
           <p:cNvPicPr preferRelativeResize="0"/>
           <p:nvPr/>
         </p:nvPicPr>
@@ -26719,7 +27627,7 @@
       </p:pic>
       <p:sp>
         <p:nvSpPr>
-          <p:cNvPr id="347" name="Google Shape;347;p36"/>
+          <p:cNvPr id="370" name="Google Shape;370;p37"/>
           <p:cNvSpPr txBox="1"/>
           <p:nvPr>
             <p:ph type="title"/>
@@ -26777,12 +27685,12 @@
 </p:sld>
 </file>
 
-<file path=ppt/slides/slide24.xml><?xml version="1.0" encoding="utf-8"?>
+<file path=ppt/slides/slide25.xml><?xml version="1.0" encoding="utf-8"?>
 <p:sld xmlns:a="http://schemas.openxmlformats.org/drawingml/2006/main" xmlns:r="http://schemas.openxmlformats.org/officeDocument/2006/relationships" xmlns:mc="http://schemas.openxmlformats.org/markup-compatibility/2006" xmlns:mv="urn:schemas-microsoft-com:mac:vml" xmlns:p="http://schemas.openxmlformats.org/presentationml/2006/main" xmlns:c="http://schemas.openxmlformats.org/drawingml/2006/chart" xmlns:dgm="http://schemas.openxmlformats.org/drawingml/2006/diagram" xmlns:o="urn:schemas-microsoft-com:office:office" xmlns:v="urn:schemas-microsoft-com:vml" xmlns:pvml="urn:schemas-microsoft-com:office:powerpoint" xmlns:com="http://schemas.openxmlformats.org/drawingml/2006/compatibility" xmlns:p14="http://schemas.microsoft.com/office/powerpoint/2010/main" xmlns:p15="http://schemas.microsoft.com/office/powerpoint/2012/main" xmlns:ahyp="http://schemas.microsoft.com/office/drawing/2018/hyperlinkcolor">
   <p:cSld>
     <p:spTree>
       <p:nvGrpSpPr>
-        <p:cNvPr id="352" name="Shape 352"/>
+        <p:cNvPr id="375" name="Shape 375"/>
         <p:cNvGrpSpPr/>
         <p:nvPr/>
       </p:nvGrpSpPr>
@@ -26796,7 +27704,7 @@
       </p:grpSpPr>
       <p:sp>
         <p:nvSpPr>
-          <p:cNvPr id="353" name="Google Shape;353;p37"/>
+          <p:cNvPr id="376" name="Google Shape;376;p38"/>
           <p:cNvSpPr txBox="1"/>
           <p:nvPr/>
         </p:nvSpPr>
@@ -26853,7 +27761,7 @@
       </p:sp>
       <p:pic>
         <p:nvPicPr>
-          <p:cNvPr id="354" name="Google Shape;354;p37"/>
+          <p:cNvPr id="377" name="Google Shape;377;p38"/>
           <p:cNvPicPr preferRelativeResize="0"/>
           <p:nvPr/>
         </p:nvPicPr>
@@ -26881,7 +27789,7 @@
       </p:pic>
       <p:sp>
         <p:nvSpPr>
-          <p:cNvPr id="355" name="Google Shape;355;p37"/>
+          <p:cNvPr id="378" name="Google Shape;378;p38"/>
           <p:cNvSpPr txBox="1"/>
           <p:nvPr>
             <p:ph type="title"/>
@@ -26937,7 +27845,7 @@
       </p:sp>
       <p:sp>
         <p:nvSpPr>
-          <p:cNvPr id="356" name="Google Shape;356;p37"/>
+          <p:cNvPr id="379" name="Google Shape;379;p38"/>
           <p:cNvSpPr txBox="1"/>
           <p:nvPr>
             <p:ph idx="1" type="body"/>
@@ -27107,7 +28015,7 @@
       </p:sp>
       <p:pic>
         <p:nvPicPr>
-          <p:cNvPr id="357" name="Google Shape;357;p37"/>
+          <p:cNvPr id="380" name="Google Shape;380;p38"/>
           <p:cNvPicPr preferRelativeResize="0"/>
           <p:nvPr/>
         </p:nvPicPr>
@@ -27175,7 +28083,7 @@
                                           </p:stCondLst>
                                         </p:cTn>
                                         <p:tgtEl>
-                                          <p:spTgt spid="353"/>
+                                          <p:spTgt spid="376"/>
                                         </p:tgtEl>
                                         <p:attrNameLst>
                                           <p:attrName>style.visibility</p:attrName>
@@ -27189,7 +28097,7 @@
                                       <p:cBhvr>
                                         <p:cTn dur="500"/>
                                         <p:tgtEl>
-                                          <p:spTgt spid="353"/>
+                                          <p:spTgt spid="376"/>
                                         </p:tgtEl>
                                       </p:cBhvr>
                                     </p:animEffect>
@@ -27227,12 +28135,12 @@
 </p:sld>
 </file>
 
-<file path=ppt/slides/slide25.xml><?xml version="1.0" encoding="utf-8"?>
+<file path=ppt/slides/slide26.xml><?xml version="1.0" encoding="utf-8"?>
 <p:sld xmlns:a="http://schemas.openxmlformats.org/drawingml/2006/main" xmlns:r="http://schemas.openxmlformats.org/officeDocument/2006/relationships" xmlns:mc="http://schemas.openxmlformats.org/markup-compatibility/2006" xmlns:mv="urn:schemas-microsoft-com:mac:vml" xmlns:p="http://schemas.openxmlformats.org/presentationml/2006/main" xmlns:c="http://schemas.openxmlformats.org/drawingml/2006/chart" xmlns:dgm="http://schemas.openxmlformats.org/drawingml/2006/diagram" xmlns:o="urn:schemas-microsoft-com:office:office" xmlns:v="urn:schemas-microsoft-com:vml" xmlns:pvml="urn:schemas-microsoft-com:office:powerpoint" xmlns:com="http://schemas.openxmlformats.org/drawingml/2006/compatibility" xmlns:p14="http://schemas.microsoft.com/office/powerpoint/2010/main" xmlns:p15="http://schemas.microsoft.com/office/powerpoint/2012/main" xmlns:ahyp="http://schemas.microsoft.com/office/drawing/2018/hyperlinkcolor">
   <p:cSld>
     <p:spTree>
       <p:nvGrpSpPr>
-        <p:cNvPr id="362" name="Shape 362"/>
+        <p:cNvPr id="385" name="Shape 385"/>
         <p:cNvGrpSpPr/>
         <p:nvPr/>
       </p:nvGrpSpPr>
@@ -27246,7 +28154,7 @@
       </p:grpSpPr>
       <p:sp>
         <p:nvSpPr>
-          <p:cNvPr id="363" name="Google Shape;363;p38"/>
+          <p:cNvPr id="386" name="Google Shape;386;p39"/>
           <p:cNvSpPr txBox="1"/>
           <p:nvPr/>
         </p:nvSpPr>
@@ -27303,7 +28211,7 @@
       </p:sp>
       <p:pic>
         <p:nvPicPr>
-          <p:cNvPr id="364" name="Google Shape;364;p38"/>
+          <p:cNvPr id="387" name="Google Shape;387;p39"/>
           <p:cNvPicPr preferRelativeResize="0"/>
           <p:nvPr/>
         </p:nvPicPr>
@@ -27331,7 +28239,7 @@
       </p:pic>
       <p:sp>
         <p:nvSpPr>
-          <p:cNvPr id="365" name="Google Shape;365;p38"/>
+          <p:cNvPr id="388" name="Google Shape;388;p39"/>
           <p:cNvSpPr txBox="1"/>
           <p:nvPr>
             <p:ph type="title"/>
@@ -27382,7 +28290,7 @@
       </p:sp>
       <p:pic>
         <p:nvPicPr>
-          <p:cNvPr id="366" name="Google Shape;366;p38"/>
+          <p:cNvPr id="389" name="Google Shape;389;p39"/>
           <p:cNvPicPr preferRelativeResize="0"/>
           <p:nvPr/>
         </p:nvPicPr>
@@ -27450,7 +28358,7 @@
                                           </p:stCondLst>
                                         </p:cTn>
                                         <p:tgtEl>
-                                          <p:spTgt spid="363"/>
+                                          <p:spTgt spid="386"/>
                                         </p:tgtEl>
                                         <p:attrNameLst>
                                           <p:attrName>style.visibility</p:attrName>
@@ -27464,7 +28372,7 @@
                                       <p:cBhvr>
                                         <p:cTn dur="500"/>
                                         <p:tgtEl>
-                                          <p:spTgt spid="363"/>
+                                          <p:spTgt spid="386"/>
                                         </p:tgtEl>
                                       </p:cBhvr>
                                     </p:animEffect>
@@ -27502,12 +28410,12 @@
 </p:sld>
 </file>
 
-<file path=ppt/slides/slide26.xml><?xml version="1.0" encoding="utf-8"?>
+<file path=ppt/slides/slide27.xml><?xml version="1.0" encoding="utf-8"?>
 <p:sld xmlns:a="http://schemas.openxmlformats.org/drawingml/2006/main" xmlns:r="http://schemas.openxmlformats.org/officeDocument/2006/relationships" xmlns:mc="http://schemas.openxmlformats.org/markup-compatibility/2006" xmlns:mv="urn:schemas-microsoft-com:mac:vml" xmlns:p="http://schemas.openxmlformats.org/presentationml/2006/main" xmlns:c="http://schemas.openxmlformats.org/drawingml/2006/chart" xmlns:dgm="http://schemas.openxmlformats.org/drawingml/2006/diagram" xmlns:o="urn:schemas-microsoft-com:office:office" xmlns:v="urn:schemas-microsoft-com:vml" xmlns:pvml="urn:schemas-microsoft-com:office:powerpoint" xmlns:com="http://schemas.openxmlformats.org/drawingml/2006/compatibility" xmlns:p14="http://schemas.microsoft.com/office/powerpoint/2010/main" xmlns:p15="http://schemas.microsoft.com/office/powerpoint/2012/main" xmlns:ahyp="http://schemas.microsoft.com/office/drawing/2018/hyperlinkcolor">
   <p:cSld>
     <p:spTree>
       <p:nvGrpSpPr>
-        <p:cNvPr id="371" name="Shape 371"/>
+        <p:cNvPr id="394" name="Shape 394"/>
         <p:cNvGrpSpPr/>
         <p:nvPr/>
       </p:nvGrpSpPr>
@@ -27521,7 +28429,7 @@
       </p:grpSpPr>
       <p:sp>
         <p:nvSpPr>
-          <p:cNvPr id="372" name="Google Shape;372;p39"/>
+          <p:cNvPr id="395" name="Google Shape;395;p40"/>
           <p:cNvSpPr txBox="1"/>
           <p:nvPr/>
         </p:nvSpPr>
@@ -27587,7 +28495,7 @@
       </p:sp>
       <p:pic>
         <p:nvPicPr>
-          <p:cNvPr id="373" name="Google Shape;373;p39"/>
+          <p:cNvPr id="396" name="Google Shape;396;p40"/>
           <p:cNvPicPr preferRelativeResize="0"/>
           <p:nvPr/>
         </p:nvPicPr>
@@ -27615,7 +28523,7 @@
       </p:pic>
       <p:pic>
         <p:nvPicPr>
-          <p:cNvPr id="374" name="Google Shape;374;p39"/>
+          <p:cNvPr id="397" name="Google Shape;397;p40"/>
           <p:cNvPicPr preferRelativeResize="0"/>
           <p:nvPr/>
         </p:nvPicPr>
@@ -27683,7 +28591,7 @@
                                           </p:stCondLst>
                                         </p:cTn>
                                         <p:tgtEl>
-                                          <p:spTgt spid="372"/>
+                                          <p:spTgt spid="395"/>
                                         </p:tgtEl>
                                         <p:attrNameLst>
                                           <p:attrName>style.visibility</p:attrName>
@@ -27697,7 +28605,7 @@
                                       <p:cBhvr>
                                         <p:cTn dur="500"/>
                                         <p:tgtEl>
-                                          <p:spTgt spid="372"/>
+                                          <p:spTgt spid="395"/>
                                         </p:tgtEl>
                                       </p:cBhvr>
                                     </p:animEffect>
@@ -27740,7 +28648,7 @@
   <p:cSld>
     <p:spTree>
       <p:nvGrpSpPr>
-        <p:cNvPr id="113" name="Shape 113"/>
+        <p:cNvPr id="112" name="Shape 112"/>
         <p:cNvGrpSpPr/>
         <p:nvPr/>
       </p:nvGrpSpPr>
@@ -27754,7 +28662,7 @@
       </p:grpSpPr>
       <p:pic>
         <p:nvPicPr>
-          <p:cNvPr id="114" name="Google Shape;114;p16"/>
+          <p:cNvPr id="113" name="Google Shape;113;p16"/>
           <p:cNvPicPr preferRelativeResize="0"/>
           <p:nvPr/>
         </p:nvPicPr>
@@ -27782,7 +28690,7 @@
       </p:pic>
       <p:sp>
         <p:nvSpPr>
-          <p:cNvPr id="115" name="Google Shape;115;p16"/>
+          <p:cNvPr id="114" name="Google Shape;114;p16"/>
           <p:cNvSpPr txBox="1"/>
           <p:nvPr>
             <p:ph type="title"/>
@@ -27840,7 +28748,7 @@
       </p:sp>
       <p:sp>
         <p:nvSpPr>
-          <p:cNvPr id="116" name="Google Shape;116;p16"/>
+          <p:cNvPr id="115" name="Google Shape;115;p16"/>
           <p:cNvSpPr txBox="1"/>
           <p:nvPr>
             <p:ph idx="1" type="body"/>
@@ -27967,7 +28875,7 @@
       </p:sp>
       <p:pic>
         <p:nvPicPr>
-          <p:cNvPr id="117" name="Google Shape;117;p16"/>
+          <p:cNvPr id="116" name="Google Shape;116;p16"/>
           <p:cNvPicPr preferRelativeResize="0"/>
           <p:nvPr/>
         </p:nvPicPr>
@@ -28006,7 +28914,7 @@
   <p:cSld>
     <p:spTree>
       <p:nvGrpSpPr>
-        <p:cNvPr id="122" name="Shape 122"/>
+        <p:cNvPr id="121" name="Shape 121"/>
         <p:cNvGrpSpPr/>
         <p:nvPr/>
       </p:nvGrpSpPr>
@@ -28020,7 +28928,7 @@
       </p:grpSpPr>
       <p:pic>
         <p:nvPicPr>
-          <p:cNvPr id="123" name="Google Shape;123;p17"/>
+          <p:cNvPr id="122" name="Google Shape;122;p17"/>
           <p:cNvPicPr preferRelativeResize="0"/>
           <p:nvPr/>
         </p:nvPicPr>
@@ -28048,7 +28956,7 @@
       </p:pic>
       <p:pic>
         <p:nvPicPr>
-          <p:cNvPr id="124" name="Google Shape;124;p17"/>
+          <p:cNvPr id="123" name="Google Shape;123;p17"/>
           <p:cNvPicPr preferRelativeResize="0"/>
           <p:nvPr/>
         </p:nvPicPr>
@@ -28076,7 +28984,7 @@
       </p:pic>
       <p:pic>
         <p:nvPicPr>
-          <p:cNvPr id="125" name="Google Shape;125;p17"/>
+          <p:cNvPr id="124" name="Google Shape;124;p17"/>
           <p:cNvPicPr preferRelativeResize="0"/>
           <p:nvPr/>
         </p:nvPicPr>
@@ -28104,7 +29012,7 @@
       </p:pic>
       <p:sp>
         <p:nvSpPr>
-          <p:cNvPr id="126" name="Google Shape;126;p17"/>
+          <p:cNvPr id="125" name="Google Shape;125;p17"/>
           <p:cNvSpPr txBox="1"/>
           <p:nvPr/>
         </p:nvSpPr>
@@ -28185,7 +29093,7 @@
       </p:sp>
       <p:pic>
         <p:nvPicPr>
-          <p:cNvPr id="127" name="Google Shape;127;p17"/>
+          <p:cNvPr id="126" name="Google Shape;126;p17"/>
           <p:cNvPicPr preferRelativeResize="0"/>
           <p:nvPr/>
         </p:nvPicPr>
@@ -28224,7 +29132,7 @@
   <p:cSld>
     <p:spTree>
       <p:nvGrpSpPr>
-        <p:cNvPr id="132" name="Shape 132"/>
+        <p:cNvPr id="131" name="Shape 131"/>
         <p:cNvGrpSpPr/>
         <p:nvPr/>
       </p:nvGrpSpPr>
@@ -28238,7 +29146,7 @@
       </p:grpSpPr>
       <p:pic>
         <p:nvPicPr>
-          <p:cNvPr id="133" name="Google Shape;133;p18"/>
+          <p:cNvPr id="132" name="Google Shape;132;p18"/>
           <p:cNvPicPr preferRelativeResize="0"/>
           <p:nvPr/>
         </p:nvPicPr>
@@ -28266,7 +29174,7 @@
       </p:pic>
       <p:sp>
         <p:nvSpPr>
-          <p:cNvPr id="134" name="Google Shape;134;p18"/>
+          <p:cNvPr id="133" name="Google Shape;133;p18"/>
           <p:cNvSpPr txBox="1"/>
           <p:nvPr>
             <p:ph idx="1" type="body"/>
@@ -28353,7 +29261,7 @@
       </p:sp>
       <p:sp>
         <p:nvSpPr>
-          <p:cNvPr id="135" name="Google Shape;135;p18"/>
+          <p:cNvPr id="134" name="Google Shape;134;p18"/>
           <p:cNvSpPr txBox="1"/>
           <p:nvPr/>
         </p:nvSpPr>
@@ -28411,7 +29319,7 @@
       </p:sp>
       <p:pic>
         <p:nvPicPr>
-          <p:cNvPr id="136" name="Google Shape;136;p18"/>
+          <p:cNvPr id="135" name="Google Shape;135;p18"/>
           <p:cNvPicPr preferRelativeResize="0"/>
           <p:nvPr/>
         </p:nvPicPr>
@@ -28450,7 +29358,7 @@
   <p:cSld>
     <p:spTree>
       <p:nvGrpSpPr>
-        <p:cNvPr id="141" name="Shape 141"/>
+        <p:cNvPr id="140" name="Shape 140"/>
         <p:cNvGrpSpPr/>
         <p:nvPr/>
       </p:nvGrpSpPr>
@@ -28464,7 +29372,7 @@
       </p:grpSpPr>
       <p:pic>
         <p:nvPicPr>
-          <p:cNvPr id="142" name="Google Shape;142;p19"/>
+          <p:cNvPr id="141" name="Google Shape;141;p19"/>
           <p:cNvPicPr preferRelativeResize="0"/>
           <p:nvPr/>
         </p:nvPicPr>
@@ -28492,7 +29400,7 @@
       </p:pic>
       <p:sp>
         <p:nvSpPr>
-          <p:cNvPr id="143" name="Google Shape;143;p19"/>
+          <p:cNvPr id="142" name="Google Shape;142;p19"/>
           <p:cNvSpPr txBox="1"/>
           <p:nvPr/>
         </p:nvSpPr>
@@ -28544,7 +29452,7 @@
       </p:sp>
       <p:sp>
         <p:nvSpPr>
-          <p:cNvPr id="144" name="Google Shape;144;p19"/>
+          <p:cNvPr id="143" name="Google Shape;143;p19"/>
           <p:cNvSpPr txBox="1"/>
           <p:nvPr/>
         </p:nvSpPr>
@@ -28590,7 +29498,7 @@
       </p:sp>
       <p:pic>
         <p:nvPicPr>
-          <p:cNvPr id="145" name="Google Shape;145;p19"/>
+          <p:cNvPr id="144" name="Google Shape;144;p19"/>
           <p:cNvPicPr preferRelativeResize="0"/>
           <p:nvPr/>
         </p:nvPicPr>
@@ -28618,7 +29526,7 @@
       </p:pic>
       <p:sp>
         <p:nvSpPr>
-          <p:cNvPr id="146" name="Google Shape;146;p19"/>
+          <p:cNvPr id="145" name="Google Shape;145;p19"/>
           <p:cNvSpPr txBox="1"/>
           <p:nvPr>
             <p:ph idx="4294967295" type="subTitle"/>
@@ -28839,7 +29747,7 @@
   <p:cSld>
     <p:spTree>
       <p:nvGrpSpPr>
-        <p:cNvPr id="151" name="Shape 151"/>
+        <p:cNvPr id="150" name="Shape 150"/>
         <p:cNvGrpSpPr/>
         <p:nvPr/>
       </p:nvGrpSpPr>
@@ -28853,7 +29761,7 @@
       </p:grpSpPr>
       <p:grpSp>
         <p:nvGrpSpPr>
-          <p:cNvPr id="152" name="Google Shape;152;p20"/>
+          <p:cNvPr id="151" name="Google Shape;151;p20"/>
           <p:cNvGrpSpPr/>
           <p:nvPr/>
         </p:nvGrpSpPr>
@@ -28867,7 +29775,7 @@
         </p:grpSpPr>
         <p:sp>
           <p:nvSpPr>
-            <p:cNvPr id="153" name="Google Shape;153;p20"/>
+            <p:cNvPr id="152" name="Google Shape;152;p20"/>
             <p:cNvSpPr/>
             <p:nvPr/>
           </p:nvSpPr>
@@ -28926,7 +29834,7 @@
         </p:sp>
         <p:grpSp>
           <p:nvGrpSpPr>
-            <p:cNvPr id="154" name="Google Shape;154;p20"/>
+            <p:cNvPr id="153" name="Google Shape;153;p20"/>
             <p:cNvGrpSpPr/>
             <p:nvPr/>
           </p:nvGrpSpPr>
@@ -28940,7 +29848,7 @@
           </p:grpSpPr>
           <p:sp>
             <p:nvSpPr>
-              <p:cNvPr id="155" name="Google Shape;155;p20"/>
+              <p:cNvPr id="154" name="Google Shape;154;p20"/>
               <p:cNvSpPr/>
               <p:nvPr/>
             </p:nvSpPr>
@@ -28999,7 +29907,7 @@
           </p:sp>
           <p:sp>
             <p:nvSpPr>
-              <p:cNvPr id="156" name="Google Shape;156;p20"/>
+              <p:cNvPr id="155" name="Google Shape;155;p20"/>
               <p:cNvSpPr/>
               <p:nvPr/>
             </p:nvSpPr>
@@ -29062,7 +29970,7 @@
           </p:sp>
           <p:sp>
             <p:nvSpPr>
-              <p:cNvPr id="157" name="Google Shape;157;p20"/>
+              <p:cNvPr id="156" name="Google Shape;156;p20"/>
               <p:cNvSpPr/>
               <p:nvPr/>
             </p:nvSpPr>
@@ -29123,7 +30031,7 @@
       </p:grpSp>
       <p:sp>
         <p:nvSpPr>
-          <p:cNvPr id="158" name="Google Shape;158;p20"/>
+          <p:cNvPr id="157" name="Google Shape;157;p20"/>
           <p:cNvSpPr txBox="1"/>
           <p:nvPr/>
         </p:nvSpPr>
@@ -29213,7 +30121,7 @@
       </p:sp>
       <p:sp>
         <p:nvSpPr>
-          <p:cNvPr id="159" name="Google Shape;159;p20"/>
+          <p:cNvPr id="158" name="Google Shape;158;p20"/>
           <p:cNvSpPr txBox="1"/>
           <p:nvPr/>
         </p:nvSpPr>
@@ -29291,7 +30199,7 @@
       </p:sp>
       <p:sp>
         <p:nvSpPr>
-          <p:cNvPr id="160" name="Google Shape;160;p20"/>
+          <p:cNvPr id="159" name="Google Shape;159;p20"/>
           <p:cNvSpPr txBox="1"/>
           <p:nvPr/>
         </p:nvSpPr>
@@ -29357,7 +30265,7 @@
       </p:sp>
       <p:sp>
         <p:nvSpPr>
-          <p:cNvPr id="161" name="Google Shape;161;p20"/>
+          <p:cNvPr id="160" name="Google Shape;160;p20"/>
           <p:cNvSpPr/>
           <p:nvPr/>
         </p:nvSpPr>
@@ -29423,7 +30331,7 @@
       </p:sp>
       <p:grpSp>
         <p:nvGrpSpPr>
-          <p:cNvPr id="162" name="Google Shape;162;p20"/>
+          <p:cNvPr id="161" name="Google Shape;161;p20"/>
           <p:cNvGrpSpPr/>
           <p:nvPr/>
         </p:nvGrpSpPr>
@@ -29437,7 +30345,7 @@
         </p:grpSpPr>
         <p:sp>
           <p:nvSpPr>
-            <p:cNvPr id="163" name="Google Shape;163;p20"/>
+            <p:cNvPr id="162" name="Google Shape;162;p20"/>
             <p:cNvSpPr/>
             <p:nvPr/>
           </p:nvSpPr>
@@ -29496,7 +30404,7 @@
         </p:sp>
         <p:cxnSp>
           <p:nvCxnSpPr>
-            <p:cNvPr id="164" name="Google Shape;164;p20"/>
+            <p:cNvPr id="163" name="Google Shape;163;p20"/>
             <p:cNvCxnSpPr/>
             <p:nvPr/>
           </p:nvCxnSpPr>
@@ -29523,7 +30431,7 @@
       </p:grpSp>
       <p:pic>
         <p:nvPicPr>
-          <p:cNvPr id="165" name="Google Shape;165;p20"/>
+          <p:cNvPr id="164" name="Google Shape;164;p20"/>
           <p:cNvPicPr preferRelativeResize="0"/>
           <p:nvPr/>
         </p:nvPicPr>
@@ -29551,7 +30459,7 @@
       </p:pic>
       <p:pic>
         <p:nvPicPr>
-          <p:cNvPr id="166" name="Google Shape;166;p20"/>
+          <p:cNvPr id="165" name="Google Shape;165;p20"/>
           <p:cNvPicPr preferRelativeResize="0"/>
           <p:nvPr/>
         </p:nvPicPr>
@@ -29615,13 +30523,86 @@
                                       <p:cBhvr>
                                         <p:cTn dur="4000" fill="hold"/>
                                         <p:tgtEl>
-                                          <p:spTgt spid="152"/>
+                                          <p:spTgt spid="151"/>
                                         </p:tgtEl>
                                         <p:attrNameLst>
                                           <p:attrName>r</p:attrName>
                                         </p:attrNameLst>
                                       </p:cBhvr>
                                     </p:animRot>
+                                  </p:childTnLst>
+                                </p:cTn>
+                              </p:par>
+                              <p:par>
+                                <p:cTn fill="hold" nodeType="withEffect" presetClass="entr" presetID="23" presetSubtype="16">
+                                  <p:stCondLst>
+                                    <p:cond delay="0"/>
+                                  </p:stCondLst>
+                                  <p:childTnLst>
+                                    <p:set>
+                                      <p:cBhvr>
+                                        <p:cTn dur="1" fill="hold">
+                                          <p:stCondLst>
+                                            <p:cond delay="0"/>
+                                          </p:stCondLst>
+                                        </p:cTn>
+                                        <p:tgtEl>
+                                          <p:spTgt spid="157"/>
+                                        </p:tgtEl>
+                                        <p:attrNameLst>
+                                          <p:attrName>style.visibility</p:attrName>
+                                        </p:attrNameLst>
+                                      </p:cBhvr>
+                                      <p:to>
+                                        <p:strVal val="visible"/>
+                                      </p:to>
+                                    </p:set>
+                                    <p:anim calcmode="lin" valueType="num">
+                                      <p:cBhvr additive="base">
+                                        <p:cTn dur="500"/>
+                                        <p:tgtEl>
+                                          <p:spTgt spid="157"/>
+                                        </p:tgtEl>
+                                        <p:attrNameLst>
+                                          <p:attrName>ppt_w</p:attrName>
+                                        </p:attrNameLst>
+                                      </p:cBhvr>
+                                      <p:tavLst>
+                                        <p:tav fmla="" tm="0">
+                                          <p:val>
+                                            <p:strVal val="0"/>
+                                          </p:val>
+                                        </p:tav>
+                                        <p:tav fmla="" tm="100000">
+                                          <p:val>
+                                            <p:strVal val="#ppt_w"/>
+                                          </p:val>
+                                        </p:tav>
+                                      </p:tavLst>
+                                    </p:anim>
+                                    <p:anim calcmode="lin" valueType="num">
+                                      <p:cBhvr additive="base">
+                                        <p:cTn dur="500"/>
+                                        <p:tgtEl>
+                                          <p:spTgt spid="157"/>
+                                        </p:tgtEl>
+                                        <p:attrNameLst>
+                                          <p:attrName>ppt_h</p:attrName>
+                                        </p:attrNameLst>
+                                      </p:cBhvr>
+                                      <p:tavLst>
+                                        <p:tav fmla="" tm="0">
+                                          <p:val>
+                                            <p:strVal val="0"/>
+                                          </p:val>
+                                        </p:tav>
+                                        <p:tav fmla="" tm="100000">
+                                          <p:val>
+                                            <p:strVal val="#ppt_h"/>
+                                          </p:val>
+                                        </p:tav>
+                                      </p:tavLst>
+                                    </p:anim>
                                   </p:childTnLst>
                                 </p:cTn>
                               </p:par>
@@ -29699,9 +30680,9 @@
                                 </p:cTn>
                               </p:par>
                               <p:par>
-                                <p:cTn fill="hold" nodeType="withEffect" presetClass="entr" presetID="23" presetSubtype="16">
+                                <p:cTn fill="hold" nodeType="withEffect" presetClass="entr" presetID="10" presetSubtype="0">
                                   <p:stCondLst>
-                                    <p:cond delay="0"/>
+                                    <p:cond delay="250"/>
                                   </p:stCondLst>
                                   <p:childTnLst>
                                     <p:set>
@@ -29722,52 +30703,14 @@
                                         <p:strVal val="visible"/>
                                       </p:to>
                                     </p:set>
-                                    <p:anim calcmode="lin" valueType="num">
-                                      <p:cBhvr additive="base">
+                                    <p:animEffect filter="fade" transition="in">
+                                      <p:cBhvr>
                                         <p:cTn dur="500"/>
                                         <p:tgtEl>
                                           <p:spTgt spid="159"/>
                                         </p:tgtEl>
-                                        <p:attrNameLst>
-                                          <p:attrName>ppt_w</p:attrName>
-                                        </p:attrNameLst>
                                       </p:cBhvr>
-                                      <p:tavLst>
-                                        <p:tav fmla="" tm="0">
-                                          <p:val>
-                                            <p:strVal val="0"/>
-                                          </p:val>
-                                        </p:tav>
-                                        <p:tav fmla="" tm="100000">
-                                          <p:val>
-                                            <p:strVal val="#ppt_w"/>
-                                          </p:val>
-                                        </p:tav>
-                                      </p:tavLst>
-                                    </p:anim>
-                                    <p:anim calcmode="lin" valueType="num">
-                                      <p:cBhvr additive="base">
-                                        <p:cTn dur="500"/>
-                                        <p:tgtEl>
-                                          <p:spTgt spid="159"/>
-                                        </p:tgtEl>
-                                        <p:attrNameLst>
-                                          <p:attrName>ppt_h</p:attrName>
-                                        </p:attrNameLst>
-                                      </p:cBhvr>
-                                      <p:tavLst>
-                                        <p:tav fmla="" tm="0">
-                                          <p:val>
-                                            <p:strVal val="0"/>
-                                          </p:val>
-                                        </p:tav>
-                                        <p:tav fmla="" tm="100000">
-                                          <p:val>
-                                            <p:strVal val="#ppt_h"/>
-                                          </p:val>
-                                        </p:tav>
-                                      </p:tavLst>
-                                    </p:anim>
+                                    </p:animEffect>
                                   </p:childTnLst>
                                 </p:cTn>
                               </p:par>
@@ -29809,7 +30752,7 @@
                               <p:par>
                                 <p:cTn fill="hold" nodeType="withEffect" presetClass="entr" presetID="10" presetSubtype="0">
                                   <p:stCondLst>
-                                    <p:cond delay="250"/>
+                                    <p:cond delay="0"/>
                                   </p:stCondLst>
                                   <p:childTnLst>
                                     <p:set>
@@ -29835,41 +30778,6 @@
                                         <p:cTn dur="500"/>
                                         <p:tgtEl>
                                           <p:spTgt spid="161"/>
-                                        </p:tgtEl>
-                                      </p:cBhvr>
-                                    </p:animEffect>
-                                  </p:childTnLst>
-                                </p:cTn>
-                              </p:par>
-                              <p:par>
-                                <p:cTn fill="hold" nodeType="withEffect" presetClass="entr" presetID="10" presetSubtype="0">
-                                  <p:stCondLst>
-                                    <p:cond delay="0"/>
-                                  </p:stCondLst>
-                                  <p:childTnLst>
-                                    <p:set>
-                                      <p:cBhvr>
-                                        <p:cTn dur="1" fill="hold">
-                                          <p:stCondLst>
-                                            <p:cond delay="0"/>
-                                          </p:stCondLst>
-                                        </p:cTn>
-                                        <p:tgtEl>
-                                          <p:spTgt spid="162"/>
-                                        </p:tgtEl>
-                                        <p:attrNameLst>
-                                          <p:attrName>style.visibility</p:attrName>
-                                        </p:attrNameLst>
-                                      </p:cBhvr>
-                                      <p:to>
-                                        <p:strVal val="visible"/>
-                                      </p:to>
-                                    </p:set>
-                                    <p:animEffect filter="fade" transition="in">
-                                      <p:cBhvr>
-                                        <p:cTn dur="500"/>
-                                        <p:tgtEl>
-                                          <p:spTgt spid="162"/>
                                         </p:tgtEl>
                                       </p:cBhvr>
                                     </p:animEffect>
@@ -29912,7 +30820,7 @@
   <p:cSld>
     <p:spTree>
       <p:nvGrpSpPr>
-        <p:cNvPr id="171" name="Shape 171"/>
+        <p:cNvPr id="170" name="Shape 170"/>
         <p:cNvGrpSpPr/>
         <p:nvPr/>
       </p:nvGrpSpPr>
@@ -29926,13 +30834,13 @@
       </p:grpSpPr>
       <p:sp>
         <p:nvSpPr>
-          <p:cNvPr id="172" name="Google Shape;172;p21"/>
+          <p:cNvPr id="171" name="Google Shape;171;p21"/>
           <p:cNvSpPr txBox="1"/>
           <p:nvPr/>
         </p:nvSpPr>
         <p:spPr>
           <a:xfrm>
-            <a:off x="722472" y="1535651"/>
+            <a:off x="963572" y="648851"/>
             <a:ext cx="2471100" cy="346200"/>
           </a:xfrm>
           <a:prstGeom prst="rect">
@@ -29977,6 +30885,72 @@
                 <a:sym typeface="Times New Roman"/>
               </a:rPr>
               <a:t>Metric 1</a:t>
+            </a:r>
+            <a:endParaRPr b="1" i="0" sz="1800" u="none" cap="none" strike="noStrike">
+              <a:solidFill>
+                <a:srgbClr val="C00000"/>
+              </a:solidFill>
+              <a:latin typeface="Times New Roman"/>
+              <a:ea typeface="Times New Roman"/>
+              <a:cs typeface="Times New Roman"/>
+              <a:sym typeface="Times New Roman"/>
+            </a:endParaRPr>
+          </a:p>
+        </p:txBody>
+      </p:sp>
+      <p:sp>
+        <p:nvSpPr>
+          <p:cNvPr id="172" name="Google Shape;172;p21"/>
+          <p:cNvSpPr txBox="1"/>
+          <p:nvPr/>
+        </p:nvSpPr>
+        <p:spPr>
+          <a:xfrm>
+            <a:off x="963575" y="1033750"/>
+            <a:ext cx="4127400" cy="346200"/>
+          </a:xfrm>
+          <a:prstGeom prst="rect">
+            <a:avLst/>
+          </a:prstGeom>
+          <a:noFill/>
+          <a:ln>
+            <a:noFill/>
+          </a:ln>
+        </p:spPr>
+        <p:txBody>
+          <a:bodyPr anchorCtr="0" anchor="t" bIns="34275" lIns="68575" spcFirstLastPara="1" rIns="68575" wrap="square" tIns="34275">
+            <a:noAutofit/>
+          </a:bodyPr>
+          <a:lstStyle/>
+          <a:p>
+            <a:pPr indent="0" lvl="0" marL="0" marR="0" rtl="0" algn="just">
+              <a:lnSpc>
+                <a:spcPct val="100000"/>
+              </a:lnSpc>
+              <a:spcBef>
+                <a:spcPts val="0"/>
+              </a:spcBef>
+              <a:spcAft>
+                <a:spcPts val="0"/>
+              </a:spcAft>
+              <a:buClr>
+                <a:srgbClr val="000000"/>
+              </a:buClr>
+              <a:buSzPts val="1800"/>
+              <a:buFont typeface="Arial"/>
+              <a:buNone/>
+            </a:pPr>
+            <a:r>
+              <a:rPr b="1" lang="tr-TR" sz="1800">
+                <a:solidFill>
+                  <a:srgbClr val="C00000"/>
+                </a:solidFill>
+                <a:latin typeface="Times New Roman"/>
+                <a:ea typeface="Times New Roman"/>
+                <a:cs typeface="Times New Roman"/>
+                <a:sym typeface="Times New Roman"/>
+              </a:rPr>
+              <a:t>Correlation of Profit VS Discount and Sales</a:t>
             </a:r>
             <a:endParaRPr b="1" i="0" sz="1800" u="none" cap="none" strike="noStrike">
               <a:solidFill>
@@ -30006,8 +30980,8 @@
         </p:blipFill>
         <p:spPr>
           <a:xfrm>
-            <a:off x="5370075" y="1285050"/>
-            <a:ext cx="3524599" cy="3466950"/>
+            <a:off x="4612100" y="1501999"/>
+            <a:ext cx="4127400" cy="3095550"/>
           </a:xfrm>
           <a:prstGeom prst="rect">
             <a:avLst/>
@@ -30018,265 +30992,9 @@
           </a:ln>
         </p:spPr>
       </p:pic>
-      <p:sp>
-        <p:nvSpPr>
-          <p:cNvPr id="174" name="Google Shape;174;p21"/>
-          <p:cNvSpPr txBox="1"/>
-          <p:nvPr/>
-        </p:nvSpPr>
-        <p:spPr>
-          <a:xfrm>
-            <a:off x="722463" y="1991825"/>
-            <a:ext cx="3406500" cy="346200"/>
-          </a:xfrm>
-          <a:prstGeom prst="rect">
-            <a:avLst/>
-          </a:prstGeom>
-          <a:noFill/>
-          <a:ln>
-            <a:noFill/>
-          </a:ln>
-        </p:spPr>
-        <p:txBody>
-          <a:bodyPr anchorCtr="0" anchor="t" bIns="34275" lIns="68575" spcFirstLastPara="1" rIns="68575" wrap="square" tIns="34275">
-            <a:noAutofit/>
-          </a:bodyPr>
-          <a:lstStyle/>
-          <a:p>
-            <a:pPr indent="0" lvl="0" marL="0" marR="0" rtl="0" algn="just">
-              <a:lnSpc>
-                <a:spcPct val="100000"/>
-              </a:lnSpc>
-              <a:spcBef>
-                <a:spcPts val="0"/>
-              </a:spcBef>
-              <a:spcAft>
-                <a:spcPts val="0"/>
-              </a:spcAft>
-              <a:buClr>
-                <a:srgbClr val="000000"/>
-              </a:buClr>
-              <a:buSzPts val="1800"/>
-              <a:buFont typeface="Arial"/>
-              <a:buNone/>
-            </a:pPr>
-            <a:r>
-              <a:rPr b="1" lang="tr-TR" sz="1800">
-                <a:solidFill>
-                  <a:srgbClr val="C00000"/>
-                </a:solidFill>
-                <a:latin typeface="Times New Roman"/>
-                <a:ea typeface="Times New Roman"/>
-                <a:cs typeface="Times New Roman"/>
-                <a:sym typeface="Times New Roman"/>
-              </a:rPr>
-              <a:t>Sales of each </a:t>
-            </a:r>
-            <a:r>
-              <a:rPr b="1" lang="tr-TR" sz="1800">
-                <a:solidFill>
-                  <a:srgbClr val="C00000"/>
-                </a:solidFill>
-                <a:latin typeface="Times New Roman"/>
-                <a:ea typeface="Times New Roman"/>
-                <a:cs typeface="Times New Roman"/>
-                <a:sym typeface="Times New Roman"/>
-              </a:rPr>
-              <a:t>Beverage</a:t>
-            </a:r>
-            <a:r>
-              <a:rPr b="1" lang="tr-TR" sz="1800">
-                <a:solidFill>
-                  <a:srgbClr val="C00000"/>
-                </a:solidFill>
-                <a:latin typeface="Times New Roman"/>
-                <a:ea typeface="Times New Roman"/>
-                <a:cs typeface="Times New Roman"/>
-                <a:sym typeface="Times New Roman"/>
-              </a:rPr>
-              <a:t> type</a:t>
-            </a:r>
-            <a:endParaRPr b="1" i="0" sz="1800" u="none" cap="none" strike="noStrike">
-              <a:solidFill>
-                <a:srgbClr val="C00000"/>
-              </a:solidFill>
-              <a:latin typeface="Times New Roman"/>
-              <a:ea typeface="Times New Roman"/>
-              <a:cs typeface="Times New Roman"/>
-              <a:sym typeface="Times New Roman"/>
-            </a:endParaRPr>
-          </a:p>
-        </p:txBody>
-      </p:sp>
-      <p:sp>
-        <p:nvSpPr>
-          <p:cNvPr id="175" name="Google Shape;175;p21"/>
-          <p:cNvSpPr txBox="1"/>
-          <p:nvPr/>
-        </p:nvSpPr>
-        <p:spPr>
-          <a:xfrm>
-            <a:off x="559550" y="2372650"/>
-            <a:ext cx="4647600" cy="1716600"/>
-          </a:xfrm>
-          <a:prstGeom prst="rect">
-            <a:avLst/>
-          </a:prstGeom>
-          <a:noFill/>
-          <a:ln>
-            <a:noFill/>
-          </a:ln>
-        </p:spPr>
-        <p:txBody>
-          <a:bodyPr anchorCtr="0" anchor="t" bIns="34275" lIns="68575" spcFirstLastPara="1" rIns="68575" wrap="square" tIns="34275">
-            <a:noAutofit/>
-          </a:bodyPr>
-          <a:lstStyle/>
-          <a:p>
-            <a:pPr indent="-330200" lvl="0" marL="457200" marR="0" rtl="0" algn="just">
-              <a:lnSpc>
-                <a:spcPct val="150000"/>
-              </a:lnSpc>
-              <a:spcBef>
-                <a:spcPts val="0"/>
-              </a:spcBef>
-              <a:spcAft>
-                <a:spcPts val="0"/>
-              </a:spcAft>
-              <a:buClr>
-                <a:schemeClr val="dk1"/>
-              </a:buClr>
-              <a:buSzPts val="1600"/>
-              <a:buFont typeface="Times New Roman"/>
-              <a:buChar char="●"/>
-            </a:pPr>
-            <a:r>
-              <a:rPr lang="tr-TR" sz="1600">
-                <a:solidFill>
-                  <a:schemeClr val="dk1"/>
-                </a:solidFill>
-                <a:latin typeface="Times New Roman"/>
-                <a:ea typeface="Times New Roman"/>
-                <a:cs typeface="Times New Roman"/>
-                <a:sym typeface="Times New Roman"/>
-              </a:rPr>
-              <a:t>Beverage</a:t>
-            </a:r>
-            <a:r>
-              <a:rPr lang="tr-TR" sz="1600">
-                <a:solidFill>
-                  <a:schemeClr val="dk1"/>
-                </a:solidFill>
-                <a:latin typeface="Times New Roman"/>
-                <a:ea typeface="Times New Roman"/>
-                <a:cs typeface="Times New Roman"/>
-                <a:sym typeface="Times New Roman"/>
-              </a:rPr>
-              <a:t> type has a significant effect on sales. Core Sparkling beverages sells more than all the other combined.</a:t>
-            </a:r>
-            <a:endParaRPr sz="1600">
-              <a:solidFill>
-                <a:schemeClr val="dk1"/>
-              </a:solidFill>
-              <a:latin typeface="Times New Roman"/>
-              <a:ea typeface="Times New Roman"/>
-              <a:cs typeface="Times New Roman"/>
-              <a:sym typeface="Times New Roman"/>
-            </a:endParaRPr>
-          </a:p>
-          <a:p>
-            <a:pPr indent="-330200" lvl="0" marL="457200" marR="0" rtl="0" algn="just">
-              <a:lnSpc>
-                <a:spcPct val="150000"/>
-              </a:lnSpc>
-              <a:spcBef>
-                <a:spcPts val="0"/>
-              </a:spcBef>
-              <a:spcAft>
-                <a:spcPts val="0"/>
-              </a:spcAft>
-              <a:buClr>
-                <a:schemeClr val="dk1"/>
-              </a:buClr>
-              <a:buSzPts val="1600"/>
-              <a:buFont typeface="Times New Roman"/>
-              <a:buChar char="●"/>
-            </a:pPr>
-            <a:r>
-              <a:rPr lang="tr-TR" sz="1600">
-                <a:solidFill>
-                  <a:schemeClr val="dk1"/>
-                </a:solidFill>
-                <a:latin typeface="Times New Roman"/>
-                <a:ea typeface="Times New Roman"/>
-                <a:cs typeface="Times New Roman"/>
-                <a:sym typeface="Times New Roman"/>
-              </a:rPr>
-              <a:t>This data will also help us improve our marketing and advertising </a:t>
-            </a:r>
-            <a:r>
-              <a:rPr lang="tr-TR" sz="1600">
-                <a:solidFill>
-                  <a:schemeClr val="dk1"/>
-                </a:solidFill>
-                <a:latin typeface="Times New Roman"/>
-                <a:ea typeface="Times New Roman"/>
-                <a:cs typeface="Times New Roman"/>
-                <a:sym typeface="Times New Roman"/>
-              </a:rPr>
-              <a:t>strategies</a:t>
-            </a:r>
-            <a:r>
-              <a:rPr lang="tr-TR" sz="1600">
-                <a:solidFill>
-                  <a:schemeClr val="dk1"/>
-                </a:solidFill>
-                <a:latin typeface="Times New Roman"/>
-                <a:ea typeface="Times New Roman"/>
-                <a:cs typeface="Times New Roman"/>
-                <a:sym typeface="Times New Roman"/>
-              </a:rPr>
-              <a:t> to improve sales of other </a:t>
-            </a:r>
-            <a:r>
-              <a:rPr lang="tr-TR" sz="1600">
-                <a:solidFill>
-                  <a:schemeClr val="dk1"/>
-                </a:solidFill>
-                <a:latin typeface="Times New Roman"/>
-                <a:ea typeface="Times New Roman"/>
-                <a:cs typeface="Times New Roman"/>
-                <a:sym typeface="Times New Roman"/>
-              </a:rPr>
-              <a:t>beverages</a:t>
-            </a:r>
-            <a:r>
-              <a:rPr lang="tr-TR" sz="1600">
-                <a:solidFill>
-                  <a:schemeClr val="dk1"/>
-                </a:solidFill>
-                <a:latin typeface="Times New Roman"/>
-                <a:ea typeface="Times New Roman"/>
-                <a:cs typeface="Times New Roman"/>
-                <a:sym typeface="Times New Roman"/>
-              </a:rPr>
-              <a:t> as well.</a:t>
-            </a:r>
-            <a:endParaRPr sz="1600">
-              <a:solidFill>
-                <a:schemeClr val="dk1"/>
-              </a:solidFill>
-              <a:latin typeface="Times New Roman"/>
-              <a:ea typeface="Times New Roman"/>
-              <a:cs typeface="Times New Roman"/>
-              <a:sym typeface="Times New Roman"/>
-            </a:endParaRPr>
-          </a:p>
-        </p:txBody>
-      </p:sp>
       <p:pic>
         <p:nvPicPr>
-          <p:cNvPr id="176" name="Google Shape;176;p21"/>
+          <p:cNvPr id="174" name="Google Shape;174;p21"/>
           <p:cNvPicPr preferRelativeResize="0"/>
           <p:nvPr/>
         </p:nvPicPr>
@@ -30304,7 +31022,7 @@
       </p:pic>
       <p:pic>
         <p:nvPicPr>
-          <p:cNvPr id="177" name="Google Shape;177;p21"/>
+          <p:cNvPr id="175" name="Google Shape;175;p21"/>
           <p:cNvPicPr preferRelativeResize="0"/>
           <p:nvPr/>
         </p:nvPicPr>
@@ -30318,7 +31036,35 @@
         </p:blipFill>
         <p:spPr>
           <a:xfrm>
-            <a:off x="76200" y="0"/>
+            <a:off x="876400" y="1562350"/>
+            <a:ext cx="3842475" cy="2983700"/>
+          </a:xfrm>
+          <a:prstGeom prst="rect">
+            <a:avLst/>
+          </a:prstGeom>
+          <a:noFill/>
+          <a:ln>
+            <a:noFill/>
+          </a:ln>
+        </p:spPr>
+      </p:pic>
+      <p:pic>
+        <p:nvPicPr>
+          <p:cNvPr id="176" name="Google Shape;176;p21"/>
+          <p:cNvPicPr preferRelativeResize="0"/>
+          <p:nvPr/>
+        </p:nvPicPr>
+        <p:blipFill>
+          <a:blip r:embed="rId6">
+            <a:alphaModFix/>
+          </a:blip>
+          <a:stretch>
+            <a:fillRect/>
+          </a:stretch>
+        </p:blipFill>
+        <p:spPr>
+          <a:xfrm>
+            <a:off x="0" y="0"/>
             <a:ext cx="9144001" cy="1716500"/>
           </a:xfrm>
           <a:prstGeom prst="rect">
@@ -30343,7 +31089,7 @@
   <p:cSld>
     <p:spTree>
       <p:nvGrpSpPr>
-        <p:cNvPr id="182" name="Shape 182"/>
+        <p:cNvPr id="181" name="Shape 181"/>
         <p:cNvGrpSpPr/>
         <p:nvPr/>
       </p:nvGrpSpPr>
@@ -30357,13 +31103,13 @@
       </p:grpSpPr>
       <p:sp>
         <p:nvSpPr>
-          <p:cNvPr id="183" name="Google Shape;183;p22"/>
+          <p:cNvPr id="182" name="Google Shape;182;p22"/>
           <p:cNvSpPr txBox="1"/>
           <p:nvPr/>
         </p:nvSpPr>
         <p:spPr>
           <a:xfrm>
-            <a:off x="808322" y="1711588"/>
+            <a:off x="722472" y="1535651"/>
             <a:ext cx="2471100" cy="346200"/>
           </a:xfrm>
           <a:prstGeom prst="rect">
@@ -30421,6 +31167,34 @@
           </a:p>
         </p:txBody>
       </p:sp>
+      <p:pic>
+        <p:nvPicPr>
+          <p:cNvPr id="183" name="Google Shape;183;p22"/>
+          <p:cNvPicPr preferRelativeResize="0"/>
+          <p:nvPr/>
+        </p:nvPicPr>
+        <p:blipFill>
+          <a:blip r:embed="rId3">
+            <a:alphaModFix/>
+          </a:blip>
+          <a:stretch>
+            <a:fillRect/>
+          </a:stretch>
+        </p:blipFill>
+        <p:spPr>
+          <a:xfrm>
+            <a:off x="5370075" y="1285050"/>
+            <a:ext cx="3524599" cy="3466950"/>
+          </a:xfrm>
+          <a:prstGeom prst="rect">
+            <a:avLst/>
+          </a:prstGeom>
+          <a:noFill/>
+          <a:ln>
+            <a:noFill/>
+          </a:ln>
+        </p:spPr>
+      </p:pic>
       <p:sp>
         <p:nvSpPr>
           <p:cNvPr id="184" name="Google Shape;184;p22"/>
@@ -30429,7 +31203,7 @@
         </p:nvSpPr>
         <p:spPr>
           <a:xfrm>
-            <a:off x="808325" y="2224838"/>
+            <a:off x="722463" y="1991825"/>
             <a:ext cx="3406500" cy="346200"/>
           </a:xfrm>
           <a:prstGeom prst="rect">
@@ -30473,7 +31247,31 @@
                 <a:cs typeface="Times New Roman"/>
                 <a:sym typeface="Times New Roman"/>
               </a:rPr>
-              <a:t>Calories of Beverage vs Sales</a:t>
+              <a:t>Sales of each </a:t>
+            </a:r>
+            <a:r>
+              <a:rPr b="1" lang="tr-TR" sz="1800">
+                <a:solidFill>
+                  <a:srgbClr val="C00000"/>
+                </a:solidFill>
+                <a:latin typeface="Times New Roman"/>
+                <a:ea typeface="Times New Roman"/>
+                <a:cs typeface="Times New Roman"/>
+                <a:sym typeface="Times New Roman"/>
+              </a:rPr>
+              <a:t>Beverage</a:t>
+            </a:r>
+            <a:r>
+              <a:rPr b="1" lang="tr-TR" sz="1800">
+                <a:solidFill>
+                  <a:srgbClr val="C00000"/>
+                </a:solidFill>
+                <a:latin typeface="Times New Roman"/>
+                <a:ea typeface="Times New Roman"/>
+                <a:cs typeface="Times New Roman"/>
+                <a:sym typeface="Times New Roman"/>
+              </a:rPr>
+              <a:t> type</a:t>
             </a:r>
             <a:endParaRPr b="1" i="0" sz="1800" u="none" cap="none" strike="noStrike">
               <a:solidFill>
@@ -30495,8 +31293,8 @@
         </p:nvSpPr>
         <p:spPr>
           <a:xfrm>
-            <a:off x="473225" y="2738100"/>
-            <a:ext cx="3679500" cy="1592700"/>
+            <a:off x="559550" y="2372650"/>
+            <a:ext cx="4647600" cy="1716600"/>
           </a:xfrm>
           <a:prstGeom prst="rect">
             <a:avLst/>
@@ -30539,7 +31337,107 @@
                 <a:cs typeface="Times New Roman"/>
                 <a:sym typeface="Times New Roman"/>
               </a:rPr>
-              <a:t>Regular calorie beverages have more probability to be sold and has less risk of loss.</a:t>
+              <a:t>Beverage</a:t>
+            </a:r>
+            <a:r>
+              <a:rPr lang="tr-TR" sz="1600">
+                <a:solidFill>
+                  <a:schemeClr val="dk1"/>
+                </a:solidFill>
+                <a:latin typeface="Times New Roman"/>
+                <a:ea typeface="Times New Roman"/>
+                <a:cs typeface="Times New Roman"/>
+                <a:sym typeface="Times New Roman"/>
+              </a:rPr>
+              <a:t> type has a significant effect on sales. Core Sparkling beverages sells more than all the other combined.</a:t>
+            </a:r>
+            <a:endParaRPr sz="1600">
+              <a:solidFill>
+                <a:schemeClr val="dk1"/>
+              </a:solidFill>
+              <a:latin typeface="Times New Roman"/>
+              <a:ea typeface="Times New Roman"/>
+              <a:cs typeface="Times New Roman"/>
+              <a:sym typeface="Times New Roman"/>
+            </a:endParaRPr>
+          </a:p>
+          <a:p>
+            <a:pPr indent="-330200" lvl="0" marL="457200" marR="0" rtl="0" algn="just">
+              <a:lnSpc>
+                <a:spcPct val="150000"/>
+              </a:lnSpc>
+              <a:spcBef>
+                <a:spcPts val="0"/>
+              </a:spcBef>
+              <a:spcAft>
+                <a:spcPts val="0"/>
+              </a:spcAft>
+              <a:buClr>
+                <a:schemeClr val="dk1"/>
+              </a:buClr>
+              <a:buSzPts val="1600"/>
+              <a:buFont typeface="Times New Roman"/>
+              <a:buChar char="●"/>
+            </a:pPr>
+            <a:r>
+              <a:rPr lang="tr-TR" sz="1600">
+                <a:solidFill>
+                  <a:schemeClr val="dk1"/>
+                </a:solidFill>
+                <a:latin typeface="Times New Roman"/>
+                <a:ea typeface="Times New Roman"/>
+                <a:cs typeface="Times New Roman"/>
+                <a:sym typeface="Times New Roman"/>
+              </a:rPr>
+              <a:t>This data will also help us improve our marketing and advertising </a:t>
+            </a:r>
+            <a:r>
+              <a:rPr lang="tr-TR" sz="1600">
+                <a:solidFill>
+                  <a:schemeClr val="dk1"/>
+                </a:solidFill>
+                <a:latin typeface="Times New Roman"/>
+                <a:ea typeface="Times New Roman"/>
+                <a:cs typeface="Times New Roman"/>
+                <a:sym typeface="Times New Roman"/>
+              </a:rPr>
+              <a:t>strategies</a:t>
+            </a:r>
+            <a:r>
+              <a:rPr lang="tr-TR" sz="1600">
+                <a:solidFill>
+                  <a:schemeClr val="dk1"/>
+                </a:solidFill>
+                <a:latin typeface="Times New Roman"/>
+                <a:ea typeface="Times New Roman"/>
+                <a:cs typeface="Times New Roman"/>
+                <a:sym typeface="Times New Roman"/>
+              </a:rPr>
+              <a:t> to improve sales of other </a:t>
+            </a:r>
+            <a:r>
+              <a:rPr lang="tr-TR" sz="1600">
+                <a:solidFill>
+                  <a:schemeClr val="dk1"/>
+                </a:solidFill>
+                <a:latin typeface="Times New Roman"/>
+                <a:ea typeface="Times New Roman"/>
+                <a:cs typeface="Times New Roman"/>
+                <a:sym typeface="Times New Roman"/>
+              </a:rPr>
+              <a:t>beverages</a:t>
+            </a:r>
+            <a:r>
+              <a:rPr lang="tr-TR" sz="1600">
+                <a:solidFill>
+                  <a:schemeClr val="dk1"/>
+                </a:solidFill>
+                <a:latin typeface="Times New Roman"/>
+                <a:ea typeface="Times New Roman"/>
+                <a:cs typeface="Times New Roman"/>
+                <a:sym typeface="Times New Roman"/>
+              </a:rPr>
+              <a:t> as well.</a:t>
             </a:r>
             <a:endParaRPr sz="1600">
               <a:solidFill>
@@ -30556,34 +31454,6 @@
       <p:pic>
         <p:nvPicPr>
           <p:cNvPr id="186" name="Google Shape;186;p22"/>
-          <p:cNvPicPr preferRelativeResize="0"/>
-          <p:nvPr/>
-        </p:nvPicPr>
-        <p:blipFill>
-          <a:blip r:embed="rId3">
-            <a:alphaModFix/>
-          </a:blip>
-          <a:stretch>
-            <a:fillRect/>
-          </a:stretch>
-        </p:blipFill>
-        <p:spPr>
-          <a:xfrm>
-            <a:off x="4561325" y="1359725"/>
-            <a:ext cx="4469126" cy="3423499"/>
-          </a:xfrm>
-          <a:prstGeom prst="rect">
-            <a:avLst/>
-          </a:prstGeom>
-          <a:noFill/>
-          <a:ln>
-            <a:noFill/>
-          </a:ln>
-        </p:spPr>
-      </p:pic>
-      <p:pic>
-        <p:nvPicPr>
-          <p:cNvPr id="187" name="Google Shape;187;p22"/>
           <p:cNvPicPr preferRelativeResize="0"/>
           <p:nvPr/>
         </p:nvPicPr>
@@ -30611,7 +31481,7 @@
       </p:pic>
       <p:pic>
         <p:nvPicPr>
-          <p:cNvPr id="188" name="Google Shape;188;p22"/>
+          <p:cNvPr id="187" name="Google Shape;187;p22"/>
           <p:cNvPicPr preferRelativeResize="0"/>
           <p:nvPr/>
         </p:nvPicPr>
